--- a/images/nwb_n_timeline.pptx
+++ b/images/nwb_n_timeline.pptx
@@ -5,7 +5,8 @@
     <p:sldMasterId id="2147483648" r:id="rId1"/>
   </p:sldMasterIdLst>
   <p:sldIdLst>
-    <p:sldId id="256" r:id="rId2"/>
+    <p:sldId id="257" r:id="rId2"/>
+    <p:sldId id="256" r:id="rId3"/>
   </p:sldIdLst>
   <p:sldSz cx="22860000" cy="6858000"/>
   <p:notesSz cx="6858000" cy="9144000"/>
@@ -288,7 +289,7 @@
           <a:p>
             <a:fld id="{0205D932-05F1-9D4A-98AF-69C52170003B}" type="datetimeFigureOut">
               <a:rPr lang="en-US" smtClean="0"/>
-              <a:t>11/1/18</a:t>
+              <a:t>1/17/19</a:t>
             </a:fld>
             <a:endParaRPr lang="en-US"/>
           </a:p>
@@ -458,7 +459,7 @@
           <a:p>
             <a:fld id="{0205D932-05F1-9D4A-98AF-69C52170003B}" type="datetimeFigureOut">
               <a:rPr lang="en-US" smtClean="0"/>
-              <a:t>11/1/18</a:t>
+              <a:t>1/17/19</a:t>
             </a:fld>
             <a:endParaRPr lang="en-US"/>
           </a:p>
@@ -638,7 +639,7 @@
           <a:p>
             <a:fld id="{0205D932-05F1-9D4A-98AF-69C52170003B}" type="datetimeFigureOut">
               <a:rPr lang="en-US" smtClean="0"/>
-              <a:t>11/1/18</a:t>
+              <a:t>1/17/19</a:t>
             </a:fld>
             <a:endParaRPr lang="en-US"/>
           </a:p>
@@ -808,7 +809,7 @@
           <a:p>
             <a:fld id="{0205D932-05F1-9D4A-98AF-69C52170003B}" type="datetimeFigureOut">
               <a:rPr lang="en-US" smtClean="0"/>
-              <a:t>11/1/18</a:t>
+              <a:t>1/17/19</a:t>
             </a:fld>
             <a:endParaRPr lang="en-US"/>
           </a:p>
@@ -1054,7 +1055,7 @@
           <a:p>
             <a:fld id="{0205D932-05F1-9D4A-98AF-69C52170003B}" type="datetimeFigureOut">
               <a:rPr lang="en-US" smtClean="0"/>
-              <a:t>11/1/18</a:t>
+              <a:t>1/17/19</a:t>
             </a:fld>
             <a:endParaRPr lang="en-US"/>
           </a:p>
@@ -1342,7 +1343,7 @@
           <a:p>
             <a:fld id="{0205D932-05F1-9D4A-98AF-69C52170003B}" type="datetimeFigureOut">
               <a:rPr lang="en-US" smtClean="0"/>
-              <a:t>11/1/18</a:t>
+              <a:t>1/17/19</a:t>
             </a:fld>
             <a:endParaRPr lang="en-US"/>
           </a:p>
@@ -1769,7 +1770,7 @@
           <a:p>
             <a:fld id="{0205D932-05F1-9D4A-98AF-69C52170003B}" type="datetimeFigureOut">
               <a:rPr lang="en-US" smtClean="0"/>
-              <a:t>11/1/18</a:t>
+              <a:t>1/17/19</a:t>
             </a:fld>
             <a:endParaRPr lang="en-US"/>
           </a:p>
@@ -1887,7 +1888,7 @@
           <a:p>
             <a:fld id="{0205D932-05F1-9D4A-98AF-69C52170003B}" type="datetimeFigureOut">
               <a:rPr lang="en-US" smtClean="0"/>
-              <a:t>11/1/18</a:t>
+              <a:t>1/17/19</a:t>
             </a:fld>
             <a:endParaRPr lang="en-US"/>
           </a:p>
@@ -1982,7 +1983,7 @@
           <a:p>
             <a:fld id="{0205D932-05F1-9D4A-98AF-69C52170003B}" type="datetimeFigureOut">
               <a:rPr lang="en-US" smtClean="0"/>
-              <a:t>11/1/18</a:t>
+              <a:t>1/17/19</a:t>
             </a:fld>
             <a:endParaRPr lang="en-US"/>
           </a:p>
@@ -2259,7 +2260,7 @@
           <a:p>
             <a:fld id="{0205D932-05F1-9D4A-98AF-69C52170003B}" type="datetimeFigureOut">
               <a:rPr lang="en-US" smtClean="0"/>
-              <a:t>11/1/18</a:t>
+              <a:t>1/17/19</a:t>
             </a:fld>
             <a:endParaRPr lang="en-US"/>
           </a:p>
@@ -2512,7 +2513,7 @@
           <a:p>
             <a:fld id="{0205D932-05F1-9D4A-98AF-69C52170003B}" type="datetimeFigureOut">
               <a:rPr lang="en-US" smtClean="0"/>
-              <a:t>11/1/18</a:t>
+              <a:t>1/17/19</a:t>
             </a:fld>
             <a:endParaRPr lang="en-US"/>
           </a:p>
@@ -2725,7 +2726,7 @@
           <a:p>
             <a:fld id="{0205D932-05F1-9D4A-98AF-69C52170003B}" type="datetimeFigureOut">
               <a:rPr lang="en-US" smtClean="0"/>
-              <a:t>11/1/18</a:t>
+              <a:t>1/17/19</a:t>
             </a:fld>
             <a:endParaRPr lang="en-US"/>
           </a:p>
@@ -6612,7 +6613,15 @@
                   <a:srgbClr val="052B48"/>
                 </a:solidFill>
               </a:rPr>
-              <a:t>NWB:N 2.0beta, PyNWB, and MatNWB </a:t>
+              <a:t>NWB:N 2.0beta, PyNWB, and MatNWB released (</a:t>
+            </a:r>
+            <a:r>
+              <a:rPr lang="en-US" sz="2200" dirty="0" err="1" smtClean="0">
+                <a:solidFill>
+                  <a:srgbClr val="052B48"/>
+                </a:solidFill>
+              </a:rPr>
+              <a:t>SfN</a:t>
             </a:r>
             <a:r>
               <a:rPr lang="en-US" sz="2200" dirty="0" smtClean="0">
@@ -6620,7 +6629,7199 @@
                   <a:srgbClr val="052B48"/>
                 </a:solidFill>
               </a:rPr>
-              <a:t>released (</a:t>
+              <a:t>)  </a:t>
+            </a:r>
+            <a:endParaRPr lang="en-US" sz="2200" kern="1200" dirty="0">
+              <a:solidFill>
+                <a:srgbClr val="052B48"/>
+              </a:solidFill>
+            </a:endParaRPr>
+          </a:p>
+        </p:txBody>
+      </p:sp>
+      <p:sp>
+        <p:nvSpPr>
+          <p:cNvPr id="207" name="Oval 206"/>
+          <p:cNvSpPr>
+            <a:spLocks noChangeAspect="1"/>
+          </p:cNvSpPr>
+          <p:nvPr/>
+        </p:nvSpPr>
+        <p:spPr>
+          <a:xfrm>
+            <a:off x="12784894" y="3385906"/>
+            <a:ext cx="445578" cy="445578"/>
+          </a:xfrm>
+          <a:prstGeom prst="ellipse">
+            <a:avLst/>
+          </a:prstGeom>
+          <a:solidFill>
+            <a:schemeClr val="accent1">
+              <a:lumMod val="40000"/>
+              <a:lumOff val="60000"/>
+            </a:schemeClr>
+          </a:solidFill>
+        </p:spPr>
+        <p:style>
+          <a:lnRef idx="2">
+            <a:schemeClr val="lt1">
+              <a:hueOff val="0"/>
+              <a:satOff val="0"/>
+              <a:lumOff val="0"/>
+              <a:alphaOff val="0"/>
+            </a:schemeClr>
+          </a:lnRef>
+          <a:fillRef idx="1">
+            <a:schemeClr val="accent1">
+              <a:shade val="80000"/>
+              <a:hueOff val="0"/>
+              <a:satOff val="0"/>
+              <a:lumOff val="0"/>
+              <a:alphaOff val="0"/>
+            </a:schemeClr>
+          </a:fillRef>
+          <a:effectRef idx="0">
+            <a:schemeClr val="accent1">
+              <a:shade val="80000"/>
+              <a:hueOff val="0"/>
+              <a:satOff val="0"/>
+              <a:lumOff val="0"/>
+              <a:alphaOff val="0"/>
+            </a:schemeClr>
+          </a:effectRef>
+          <a:fontRef idx="minor">
+            <a:schemeClr val="lt1"/>
+          </a:fontRef>
+        </p:style>
+      </p:sp>
+      <p:cxnSp>
+        <p:nvCxnSpPr>
+          <p:cNvPr id="208" name="Straight Connector 207"/>
+          <p:cNvCxnSpPr/>
+          <p:nvPr/>
+        </p:nvCxnSpPr>
+        <p:spPr>
+          <a:xfrm flipV="1">
+            <a:off x="13007683" y="3845419"/>
+            <a:ext cx="0" cy="350841"/>
+          </a:xfrm>
+          <a:prstGeom prst="line">
+            <a:avLst/>
+          </a:prstGeom>
+          <a:ln>
+            <a:solidFill>
+              <a:srgbClr val="052B48"/>
+            </a:solidFill>
+          </a:ln>
+          <a:effectLst/>
+        </p:spPr>
+        <p:style>
+          <a:lnRef idx="2">
+            <a:schemeClr val="accent1"/>
+          </a:lnRef>
+          <a:fillRef idx="0">
+            <a:schemeClr val="accent1"/>
+          </a:fillRef>
+          <a:effectRef idx="1">
+            <a:schemeClr val="accent1"/>
+          </a:effectRef>
+          <a:fontRef idx="minor">
+            <a:schemeClr val="tx1"/>
+          </a:fontRef>
+        </p:style>
+      </p:cxnSp>
+      <p:sp>
+        <p:nvSpPr>
+          <p:cNvPr id="209" name="Freeform 208"/>
+          <p:cNvSpPr/>
+          <p:nvPr/>
+        </p:nvSpPr>
+        <p:spPr>
+          <a:xfrm>
+            <a:off x="12723027" y="3413733"/>
+            <a:ext cx="569312" cy="393474"/>
+          </a:xfrm>
+          <a:custGeom>
+            <a:avLst/>
+            <a:gdLst>
+              <a:gd name="connsiteX0" fmla="*/ 0 w 686503"/>
+              <a:gd name="connsiteY0" fmla="*/ 0 h 1131184"/>
+              <a:gd name="connsiteX1" fmla="*/ 686503 w 686503"/>
+              <a:gd name="connsiteY1" fmla="*/ 0 h 1131184"/>
+              <a:gd name="connsiteX2" fmla="*/ 686503 w 686503"/>
+              <a:gd name="connsiteY2" fmla="*/ 1131184 h 1131184"/>
+              <a:gd name="connsiteX3" fmla="*/ 0 w 686503"/>
+              <a:gd name="connsiteY3" fmla="*/ 1131184 h 1131184"/>
+              <a:gd name="connsiteX4" fmla="*/ 0 w 686503"/>
+              <a:gd name="connsiteY4" fmla="*/ 0 h 1131184"/>
+            </a:gdLst>
+            <a:ahLst/>
+            <a:cxnLst>
+              <a:cxn ang="0">
+                <a:pos x="connsiteX0" y="connsiteY0"/>
+              </a:cxn>
+              <a:cxn ang="0">
+                <a:pos x="connsiteX1" y="connsiteY1"/>
+              </a:cxn>
+              <a:cxn ang="0">
+                <a:pos x="connsiteX2" y="connsiteY2"/>
+              </a:cxn>
+              <a:cxn ang="0">
+                <a:pos x="connsiteX3" y="connsiteY3"/>
+              </a:cxn>
+              <a:cxn ang="0">
+                <a:pos x="connsiteX4" y="connsiteY4"/>
+              </a:cxn>
+            </a:cxnLst>
+            <a:rect l="l" t="t" r="r" b="b"/>
+            <a:pathLst>
+              <a:path w="686503" h="1131184">
+                <a:moveTo>
+                  <a:pt x="0" y="0"/>
+                </a:moveTo>
+                <a:lnTo>
+                  <a:pt x="686503" y="0"/>
+                </a:lnTo>
+                <a:lnTo>
+                  <a:pt x="686503" y="1131184"/>
+                </a:lnTo>
+                <a:lnTo>
+                  <a:pt x="0" y="1131184"/>
+                </a:lnTo>
+                <a:lnTo>
+                  <a:pt x="0" y="0"/>
+                </a:lnTo>
+                <a:close/>
+              </a:path>
+            </a:pathLst>
+          </a:custGeom>
+        </p:spPr>
+        <p:style>
+          <a:lnRef idx="0">
+            <a:schemeClr val="dk1">
+              <a:alpha val="0"/>
+              <a:hueOff val="0"/>
+              <a:satOff val="0"/>
+              <a:lumOff val="0"/>
+              <a:alphaOff val="0"/>
+            </a:schemeClr>
+          </a:lnRef>
+          <a:fillRef idx="0">
+            <a:schemeClr val="lt1">
+              <a:alpha val="0"/>
+              <a:hueOff val="0"/>
+              <a:satOff val="0"/>
+              <a:lumOff val="0"/>
+              <a:alphaOff val="0"/>
+            </a:schemeClr>
+          </a:fillRef>
+          <a:effectRef idx="0">
+            <a:schemeClr val="lt1">
+              <a:alpha val="0"/>
+              <a:hueOff val="0"/>
+              <a:satOff val="0"/>
+              <a:lumOff val="0"/>
+              <a:alphaOff val="0"/>
+            </a:schemeClr>
+          </a:effectRef>
+          <a:fontRef idx="minor">
+            <a:schemeClr val="tx1">
+              <a:hueOff val="0"/>
+              <a:satOff val="0"/>
+              <a:lumOff val="0"/>
+              <a:alphaOff val="0"/>
+            </a:schemeClr>
+          </a:fontRef>
+        </p:style>
+        <p:txBody>
+          <a:bodyPr spcFirstLastPara="0" vert="horz" wrap="square" lIns="85344" tIns="85344" rIns="85344" bIns="85344" numCol="1" spcCol="1270" anchor="t" anchorCtr="0">
+            <a:noAutofit/>
+          </a:bodyPr>
+          <a:lstStyle/>
+          <a:p>
+            <a:pPr lvl="0" algn="ctr" defTabSz="533400">
+              <a:lnSpc>
+                <a:spcPct val="90000"/>
+              </a:lnSpc>
+              <a:spcBef>
+                <a:spcPct val="0"/>
+              </a:spcBef>
+              <a:spcAft>
+                <a:spcPct val="35000"/>
+              </a:spcAft>
+            </a:pPr>
+            <a:r>
+              <a:rPr lang="en-US" sz="1600" b="1" kern="1200" dirty="0" smtClean="0">
+                <a:solidFill>
+                  <a:srgbClr val="052B48"/>
+                </a:solidFill>
+              </a:rPr>
+              <a:t>Nov</a:t>
+            </a:r>
+            <a:endParaRPr lang="en-US" sz="1600" b="1" kern="1200" dirty="0">
+              <a:solidFill>
+                <a:srgbClr val="052B48"/>
+              </a:solidFill>
+            </a:endParaRPr>
+          </a:p>
+        </p:txBody>
+      </p:sp>
+      <p:sp>
+        <p:nvSpPr>
+          <p:cNvPr id="210" name="Notched Right Arrow 209"/>
+          <p:cNvSpPr/>
+          <p:nvPr/>
+        </p:nvSpPr>
+        <p:spPr>
+          <a:xfrm>
+            <a:off x="13774298" y="3177229"/>
+            <a:ext cx="4356047" cy="885739"/>
+          </a:xfrm>
+          <a:prstGeom prst="notchedRightArrow">
+            <a:avLst>
+              <a:gd name="adj1" fmla="val 100000"/>
+              <a:gd name="adj2" fmla="val 47999"/>
+            </a:avLst>
+          </a:prstGeom>
+          <a:solidFill>
+            <a:schemeClr val="accent1"/>
+          </a:solidFill>
+          <a:ln>
+            <a:solidFill>
+              <a:srgbClr val="052B48"/>
+            </a:solidFill>
+          </a:ln>
+        </p:spPr>
+        <p:style>
+          <a:lnRef idx="0">
+            <a:schemeClr val="dk1">
+              <a:hueOff val="0"/>
+              <a:satOff val="0"/>
+              <a:lumOff val="0"/>
+              <a:alphaOff val="0"/>
+            </a:schemeClr>
+          </a:lnRef>
+          <a:fillRef idx="1">
+            <a:schemeClr val="accent1">
+              <a:tint val="40000"/>
+              <a:hueOff val="0"/>
+              <a:satOff val="0"/>
+              <a:lumOff val="0"/>
+              <a:alphaOff val="0"/>
+            </a:schemeClr>
+          </a:fillRef>
+          <a:effectRef idx="0">
+            <a:schemeClr val="accent1">
+              <a:tint val="40000"/>
+              <a:hueOff val="0"/>
+              <a:satOff val="0"/>
+              <a:lumOff val="0"/>
+              <a:alphaOff val="0"/>
+            </a:schemeClr>
+          </a:effectRef>
+          <a:fontRef idx="minor">
+            <a:schemeClr val="dk1">
+              <a:hueOff val="0"/>
+              <a:satOff val="0"/>
+              <a:lumOff val="0"/>
+              <a:alphaOff val="0"/>
+            </a:schemeClr>
+          </a:fontRef>
+        </p:style>
+      </p:sp>
+      <p:sp>
+        <p:nvSpPr>
+          <p:cNvPr id="211" name="Freeform 210"/>
+          <p:cNvSpPr/>
+          <p:nvPr/>
+        </p:nvSpPr>
+        <p:spPr>
+          <a:xfrm>
+            <a:off x="5026984" y="2355079"/>
+            <a:ext cx="1633156" cy="729659"/>
+          </a:xfrm>
+          <a:custGeom>
+            <a:avLst/>
+            <a:gdLst>
+              <a:gd name="connsiteX0" fmla="*/ 0 w 907618"/>
+              <a:gd name="connsiteY0" fmla="*/ 0 h 1220540"/>
+              <a:gd name="connsiteX1" fmla="*/ 907618 w 907618"/>
+              <a:gd name="connsiteY1" fmla="*/ 0 h 1220540"/>
+              <a:gd name="connsiteX2" fmla="*/ 907618 w 907618"/>
+              <a:gd name="connsiteY2" fmla="*/ 1220540 h 1220540"/>
+              <a:gd name="connsiteX3" fmla="*/ 0 w 907618"/>
+              <a:gd name="connsiteY3" fmla="*/ 1220540 h 1220540"/>
+              <a:gd name="connsiteX4" fmla="*/ 0 w 907618"/>
+              <a:gd name="connsiteY4" fmla="*/ 0 h 1220540"/>
+            </a:gdLst>
+            <a:ahLst/>
+            <a:cxnLst>
+              <a:cxn ang="0">
+                <a:pos x="connsiteX0" y="connsiteY0"/>
+              </a:cxn>
+              <a:cxn ang="0">
+                <a:pos x="connsiteX1" y="connsiteY1"/>
+              </a:cxn>
+              <a:cxn ang="0">
+                <a:pos x="connsiteX2" y="connsiteY2"/>
+              </a:cxn>
+              <a:cxn ang="0">
+                <a:pos x="connsiteX3" y="connsiteY3"/>
+              </a:cxn>
+              <a:cxn ang="0">
+                <a:pos x="connsiteX4" y="connsiteY4"/>
+              </a:cxn>
+            </a:cxnLst>
+            <a:rect l="l" t="t" r="r" b="b"/>
+            <a:pathLst>
+              <a:path w="907618" h="1220540">
+                <a:moveTo>
+                  <a:pt x="0" y="0"/>
+                </a:moveTo>
+                <a:lnTo>
+                  <a:pt x="907618" y="0"/>
+                </a:lnTo>
+                <a:lnTo>
+                  <a:pt x="907618" y="1220540"/>
+                </a:lnTo>
+                <a:lnTo>
+                  <a:pt x="0" y="1220540"/>
+                </a:lnTo>
+                <a:lnTo>
+                  <a:pt x="0" y="0"/>
+                </a:lnTo>
+                <a:close/>
+              </a:path>
+            </a:pathLst>
+          </a:custGeom>
+        </p:spPr>
+        <p:style>
+          <a:lnRef idx="0">
+            <a:schemeClr val="dk1">
+              <a:alpha val="0"/>
+              <a:hueOff val="0"/>
+              <a:satOff val="0"/>
+              <a:lumOff val="0"/>
+              <a:alphaOff val="0"/>
+            </a:schemeClr>
+          </a:lnRef>
+          <a:fillRef idx="0">
+            <a:schemeClr val="lt1">
+              <a:alpha val="0"/>
+              <a:hueOff val="0"/>
+              <a:satOff val="0"/>
+              <a:lumOff val="0"/>
+              <a:alphaOff val="0"/>
+            </a:schemeClr>
+          </a:fillRef>
+          <a:effectRef idx="0">
+            <a:schemeClr val="lt1">
+              <a:alpha val="0"/>
+              <a:hueOff val="0"/>
+              <a:satOff val="0"/>
+              <a:lumOff val="0"/>
+              <a:alphaOff val="0"/>
+            </a:schemeClr>
+          </a:effectRef>
+          <a:fontRef idx="minor">
+            <a:schemeClr val="tx1">
+              <a:hueOff val="0"/>
+              <a:satOff val="0"/>
+              <a:lumOff val="0"/>
+              <a:alphaOff val="0"/>
+            </a:schemeClr>
+          </a:fontRef>
+        </p:style>
+        <p:txBody>
+          <a:bodyPr spcFirstLastPara="0" vert="horz" wrap="square" lIns="85344" tIns="85344" rIns="85344" bIns="85344" numCol="1" spcCol="1270" anchor="b" anchorCtr="0">
+            <a:noAutofit/>
+          </a:bodyPr>
+          <a:lstStyle/>
+          <a:p>
+            <a:pPr lvl="0" algn="ctr" defTabSz="533400">
+              <a:lnSpc>
+                <a:spcPct val="90000"/>
+              </a:lnSpc>
+              <a:spcBef>
+                <a:spcPct val="0"/>
+              </a:spcBef>
+              <a:spcAft>
+                <a:spcPct val="35000"/>
+              </a:spcAft>
+            </a:pPr>
+            <a:r>
+              <a:rPr lang="en-US" sz="2300" kern="1200" dirty="0" smtClean="0">
+                <a:solidFill>
+                  <a:srgbClr val="052B48"/>
+                </a:solidFill>
+              </a:rPr>
+              <a:t>Neuron Paper</a:t>
+            </a:r>
+            <a:endParaRPr lang="en-US" sz="2300" kern="1200" dirty="0">
+              <a:solidFill>
+                <a:srgbClr val="052B48"/>
+              </a:solidFill>
+            </a:endParaRPr>
+          </a:p>
+        </p:txBody>
+      </p:sp>
+      <p:sp>
+        <p:nvSpPr>
+          <p:cNvPr id="212" name="Oval 211"/>
+          <p:cNvSpPr>
+            <a:spLocks noChangeAspect="1"/>
+          </p:cNvSpPr>
+          <p:nvPr/>
+        </p:nvSpPr>
+        <p:spPr>
+          <a:xfrm>
+            <a:off x="5615935" y="3390533"/>
+            <a:ext cx="445578" cy="445578"/>
+          </a:xfrm>
+          <a:prstGeom prst="ellipse">
+            <a:avLst/>
+          </a:prstGeom>
+          <a:solidFill>
+            <a:srgbClr val="052B48"/>
+          </a:solidFill>
+        </p:spPr>
+        <p:style>
+          <a:lnRef idx="2">
+            <a:schemeClr val="lt1">
+              <a:hueOff val="0"/>
+              <a:satOff val="0"/>
+              <a:lumOff val="0"/>
+              <a:alphaOff val="0"/>
+            </a:schemeClr>
+          </a:lnRef>
+          <a:fillRef idx="1">
+            <a:schemeClr val="accent1">
+              <a:shade val="80000"/>
+              <a:hueOff val="0"/>
+              <a:satOff val="0"/>
+              <a:lumOff val="0"/>
+              <a:alphaOff val="0"/>
+            </a:schemeClr>
+          </a:fillRef>
+          <a:effectRef idx="0">
+            <a:schemeClr val="accent1">
+              <a:shade val="80000"/>
+              <a:hueOff val="0"/>
+              <a:satOff val="0"/>
+              <a:lumOff val="0"/>
+              <a:alphaOff val="0"/>
+            </a:schemeClr>
+          </a:effectRef>
+          <a:fontRef idx="minor">
+            <a:schemeClr val="lt1"/>
+          </a:fontRef>
+        </p:style>
+      </p:sp>
+      <p:cxnSp>
+        <p:nvCxnSpPr>
+          <p:cNvPr id="213" name="Straight Connector 212"/>
+          <p:cNvCxnSpPr/>
+          <p:nvPr/>
+        </p:nvCxnSpPr>
+        <p:spPr>
+          <a:xfrm flipV="1">
+            <a:off x="5838724" y="3014881"/>
+            <a:ext cx="0" cy="364353"/>
+          </a:xfrm>
+          <a:prstGeom prst="line">
+            <a:avLst/>
+          </a:prstGeom>
+          <a:ln>
+            <a:solidFill>
+              <a:srgbClr val="052B48"/>
+            </a:solidFill>
+          </a:ln>
+          <a:effectLst/>
+        </p:spPr>
+        <p:style>
+          <a:lnRef idx="2">
+            <a:schemeClr val="accent1"/>
+          </a:lnRef>
+          <a:fillRef idx="0">
+            <a:schemeClr val="accent1"/>
+          </a:fillRef>
+          <a:effectRef idx="1">
+            <a:schemeClr val="accent1"/>
+          </a:effectRef>
+          <a:fontRef idx="minor">
+            <a:schemeClr val="tx1"/>
+          </a:fontRef>
+        </p:style>
+      </p:cxnSp>
+      <p:sp>
+        <p:nvSpPr>
+          <p:cNvPr id="214" name="Freeform 213"/>
+          <p:cNvSpPr/>
+          <p:nvPr/>
+        </p:nvSpPr>
+        <p:spPr>
+          <a:xfrm>
+            <a:off x="5557890" y="3415549"/>
+            <a:ext cx="569312" cy="393474"/>
+          </a:xfrm>
+          <a:custGeom>
+            <a:avLst/>
+            <a:gdLst>
+              <a:gd name="connsiteX0" fmla="*/ 0 w 686503"/>
+              <a:gd name="connsiteY0" fmla="*/ 0 h 1131184"/>
+              <a:gd name="connsiteX1" fmla="*/ 686503 w 686503"/>
+              <a:gd name="connsiteY1" fmla="*/ 0 h 1131184"/>
+              <a:gd name="connsiteX2" fmla="*/ 686503 w 686503"/>
+              <a:gd name="connsiteY2" fmla="*/ 1131184 h 1131184"/>
+              <a:gd name="connsiteX3" fmla="*/ 0 w 686503"/>
+              <a:gd name="connsiteY3" fmla="*/ 1131184 h 1131184"/>
+              <a:gd name="connsiteX4" fmla="*/ 0 w 686503"/>
+              <a:gd name="connsiteY4" fmla="*/ 0 h 1131184"/>
+            </a:gdLst>
+            <a:ahLst/>
+            <a:cxnLst>
+              <a:cxn ang="0">
+                <a:pos x="connsiteX0" y="connsiteY0"/>
+              </a:cxn>
+              <a:cxn ang="0">
+                <a:pos x="connsiteX1" y="connsiteY1"/>
+              </a:cxn>
+              <a:cxn ang="0">
+                <a:pos x="connsiteX2" y="connsiteY2"/>
+              </a:cxn>
+              <a:cxn ang="0">
+                <a:pos x="connsiteX3" y="connsiteY3"/>
+              </a:cxn>
+              <a:cxn ang="0">
+                <a:pos x="connsiteX4" y="connsiteY4"/>
+              </a:cxn>
+            </a:cxnLst>
+            <a:rect l="l" t="t" r="r" b="b"/>
+            <a:pathLst>
+              <a:path w="686503" h="1131184">
+                <a:moveTo>
+                  <a:pt x="0" y="0"/>
+                </a:moveTo>
+                <a:lnTo>
+                  <a:pt x="686503" y="0"/>
+                </a:lnTo>
+                <a:lnTo>
+                  <a:pt x="686503" y="1131184"/>
+                </a:lnTo>
+                <a:lnTo>
+                  <a:pt x="0" y="1131184"/>
+                </a:lnTo>
+                <a:lnTo>
+                  <a:pt x="0" y="0"/>
+                </a:lnTo>
+                <a:close/>
+              </a:path>
+            </a:pathLst>
+          </a:custGeom>
+        </p:spPr>
+        <p:style>
+          <a:lnRef idx="0">
+            <a:schemeClr val="dk1">
+              <a:alpha val="0"/>
+              <a:hueOff val="0"/>
+              <a:satOff val="0"/>
+              <a:lumOff val="0"/>
+              <a:alphaOff val="0"/>
+            </a:schemeClr>
+          </a:lnRef>
+          <a:fillRef idx="0">
+            <a:schemeClr val="lt1">
+              <a:alpha val="0"/>
+              <a:hueOff val="0"/>
+              <a:satOff val="0"/>
+              <a:lumOff val="0"/>
+              <a:alphaOff val="0"/>
+            </a:schemeClr>
+          </a:fillRef>
+          <a:effectRef idx="0">
+            <a:schemeClr val="lt1">
+              <a:alpha val="0"/>
+              <a:hueOff val="0"/>
+              <a:satOff val="0"/>
+              <a:lumOff val="0"/>
+              <a:alphaOff val="0"/>
+            </a:schemeClr>
+          </a:effectRef>
+          <a:fontRef idx="minor">
+            <a:schemeClr val="tx1">
+              <a:hueOff val="0"/>
+              <a:satOff val="0"/>
+              <a:lumOff val="0"/>
+              <a:alphaOff val="0"/>
+            </a:schemeClr>
+          </a:fontRef>
+        </p:style>
+        <p:txBody>
+          <a:bodyPr spcFirstLastPara="0" vert="horz" wrap="square" lIns="85344" tIns="85344" rIns="85344" bIns="85344" numCol="1" spcCol="1270" anchor="t" anchorCtr="0">
+            <a:noAutofit/>
+          </a:bodyPr>
+          <a:lstStyle/>
+          <a:p>
+            <a:pPr lvl="0" algn="ctr" defTabSz="533400">
+              <a:lnSpc>
+                <a:spcPct val="90000"/>
+              </a:lnSpc>
+              <a:spcBef>
+                <a:spcPct val="0"/>
+              </a:spcBef>
+              <a:spcAft>
+                <a:spcPct val="35000"/>
+              </a:spcAft>
+            </a:pPr>
+            <a:r>
+              <a:rPr lang="en-US" sz="1600" b="1" kern="1200" dirty="0" smtClean="0">
+                <a:solidFill>
+                  <a:schemeClr val="bg1"/>
+                </a:solidFill>
+              </a:rPr>
+              <a:t>Nov</a:t>
+            </a:r>
+            <a:endParaRPr lang="en-US" sz="1600" b="1" kern="1200" dirty="0">
+              <a:solidFill>
+                <a:schemeClr val="bg1"/>
+              </a:solidFill>
+            </a:endParaRPr>
+          </a:p>
+        </p:txBody>
+      </p:sp>
+      <p:sp>
+        <p:nvSpPr>
+          <p:cNvPr id="215" name="Freeform 214"/>
+          <p:cNvSpPr/>
+          <p:nvPr/>
+        </p:nvSpPr>
+        <p:spPr>
+          <a:xfrm>
+            <a:off x="14386473" y="1648603"/>
+            <a:ext cx="2151637" cy="1370890"/>
+          </a:xfrm>
+          <a:custGeom>
+            <a:avLst/>
+            <a:gdLst>
+              <a:gd name="connsiteX0" fmla="*/ 0 w 907618"/>
+              <a:gd name="connsiteY0" fmla="*/ 0 h 1220540"/>
+              <a:gd name="connsiteX1" fmla="*/ 907618 w 907618"/>
+              <a:gd name="connsiteY1" fmla="*/ 0 h 1220540"/>
+              <a:gd name="connsiteX2" fmla="*/ 907618 w 907618"/>
+              <a:gd name="connsiteY2" fmla="*/ 1220540 h 1220540"/>
+              <a:gd name="connsiteX3" fmla="*/ 0 w 907618"/>
+              <a:gd name="connsiteY3" fmla="*/ 1220540 h 1220540"/>
+              <a:gd name="connsiteX4" fmla="*/ 0 w 907618"/>
+              <a:gd name="connsiteY4" fmla="*/ 0 h 1220540"/>
+            </a:gdLst>
+            <a:ahLst/>
+            <a:cxnLst>
+              <a:cxn ang="0">
+                <a:pos x="connsiteX0" y="connsiteY0"/>
+              </a:cxn>
+              <a:cxn ang="0">
+                <a:pos x="connsiteX1" y="connsiteY1"/>
+              </a:cxn>
+              <a:cxn ang="0">
+                <a:pos x="connsiteX2" y="connsiteY2"/>
+              </a:cxn>
+              <a:cxn ang="0">
+                <a:pos x="connsiteX3" y="connsiteY3"/>
+              </a:cxn>
+              <a:cxn ang="0">
+                <a:pos x="connsiteX4" y="connsiteY4"/>
+              </a:cxn>
+            </a:cxnLst>
+            <a:rect l="l" t="t" r="r" b="b"/>
+            <a:pathLst>
+              <a:path w="907618" h="1220540">
+                <a:moveTo>
+                  <a:pt x="0" y="0"/>
+                </a:moveTo>
+                <a:lnTo>
+                  <a:pt x="907618" y="0"/>
+                </a:lnTo>
+                <a:lnTo>
+                  <a:pt x="907618" y="1220540"/>
+                </a:lnTo>
+                <a:lnTo>
+                  <a:pt x="0" y="1220540"/>
+                </a:lnTo>
+                <a:lnTo>
+                  <a:pt x="0" y="0"/>
+                </a:lnTo>
+                <a:close/>
+              </a:path>
+            </a:pathLst>
+          </a:custGeom>
+        </p:spPr>
+        <p:style>
+          <a:lnRef idx="0">
+            <a:schemeClr val="dk1">
+              <a:alpha val="0"/>
+              <a:hueOff val="0"/>
+              <a:satOff val="0"/>
+              <a:lumOff val="0"/>
+              <a:alphaOff val="0"/>
+            </a:schemeClr>
+          </a:lnRef>
+          <a:fillRef idx="0">
+            <a:schemeClr val="lt1">
+              <a:alpha val="0"/>
+              <a:hueOff val="0"/>
+              <a:satOff val="0"/>
+              <a:lumOff val="0"/>
+              <a:alphaOff val="0"/>
+            </a:schemeClr>
+          </a:fillRef>
+          <a:effectRef idx="0">
+            <a:schemeClr val="lt1">
+              <a:alpha val="0"/>
+              <a:hueOff val="0"/>
+              <a:satOff val="0"/>
+              <a:lumOff val="0"/>
+              <a:alphaOff val="0"/>
+            </a:schemeClr>
+          </a:effectRef>
+          <a:fontRef idx="minor">
+            <a:schemeClr val="tx1">
+              <a:hueOff val="0"/>
+              <a:satOff val="0"/>
+              <a:lumOff val="0"/>
+              <a:alphaOff val="0"/>
+            </a:schemeClr>
+          </a:fontRef>
+        </p:style>
+        <p:txBody>
+          <a:bodyPr spcFirstLastPara="0" vert="horz" wrap="square" lIns="85344" tIns="85344" rIns="85344" bIns="85344" numCol="1" spcCol="1270" anchor="b" anchorCtr="0">
+            <a:noAutofit/>
+          </a:bodyPr>
+          <a:lstStyle/>
+          <a:p>
+            <a:pPr lvl="0" algn="ctr" defTabSz="533400">
+              <a:lnSpc>
+                <a:spcPct val="90000"/>
+              </a:lnSpc>
+              <a:spcBef>
+                <a:spcPct val="0"/>
+              </a:spcBef>
+              <a:spcAft>
+                <a:spcPct val="35000"/>
+              </a:spcAft>
+            </a:pPr>
+            <a:r>
+              <a:rPr lang="en-US" sz="2300" dirty="0" smtClean="0">
+                <a:solidFill>
+                  <a:srgbClr val="052B48"/>
+                </a:solidFill>
+              </a:rPr>
+              <a:t>4</a:t>
+            </a:r>
+            <a:r>
+              <a:rPr lang="en-US" sz="2300" baseline="30000" dirty="0" smtClean="0">
+                <a:solidFill>
+                  <a:srgbClr val="052B48"/>
+                </a:solidFill>
+              </a:rPr>
+              <a:t>th</a:t>
+            </a:r>
+            <a:r>
+              <a:rPr lang="en-US" sz="2300" dirty="0" smtClean="0">
+                <a:solidFill>
+                  <a:srgbClr val="052B48"/>
+                </a:solidFill>
+              </a:rPr>
+              <a:t> NWB:N Developer Hackathon at AIBS</a:t>
+            </a:r>
+            <a:endParaRPr lang="en-US" sz="2300" kern="1200" dirty="0">
+              <a:solidFill>
+                <a:srgbClr val="052B48"/>
+              </a:solidFill>
+            </a:endParaRPr>
+          </a:p>
+        </p:txBody>
+      </p:sp>
+      <p:sp>
+        <p:nvSpPr>
+          <p:cNvPr id="216" name="Oval 215"/>
+          <p:cNvSpPr>
+            <a:spLocks noChangeAspect="1"/>
+          </p:cNvSpPr>
+          <p:nvPr/>
+        </p:nvSpPr>
+        <p:spPr>
+          <a:xfrm>
+            <a:off x="15234035" y="3387722"/>
+            <a:ext cx="445578" cy="445578"/>
+          </a:xfrm>
+          <a:prstGeom prst="ellipse">
+            <a:avLst/>
+          </a:prstGeom>
+          <a:solidFill>
+            <a:schemeClr val="accent1">
+              <a:lumMod val="40000"/>
+              <a:lumOff val="60000"/>
+            </a:schemeClr>
+          </a:solidFill>
+        </p:spPr>
+        <p:style>
+          <a:lnRef idx="2">
+            <a:schemeClr val="lt1">
+              <a:hueOff val="0"/>
+              <a:satOff val="0"/>
+              <a:lumOff val="0"/>
+              <a:alphaOff val="0"/>
+            </a:schemeClr>
+          </a:lnRef>
+          <a:fillRef idx="1">
+            <a:schemeClr val="accent1">
+              <a:shade val="80000"/>
+              <a:hueOff val="0"/>
+              <a:satOff val="0"/>
+              <a:lumOff val="0"/>
+              <a:alphaOff val="0"/>
+            </a:schemeClr>
+          </a:fillRef>
+          <a:effectRef idx="0">
+            <a:schemeClr val="accent1">
+              <a:shade val="80000"/>
+              <a:hueOff val="0"/>
+              <a:satOff val="0"/>
+              <a:lumOff val="0"/>
+              <a:alphaOff val="0"/>
+            </a:schemeClr>
+          </a:effectRef>
+          <a:fontRef idx="minor">
+            <a:schemeClr val="lt1"/>
+          </a:fontRef>
+        </p:style>
+      </p:sp>
+      <p:cxnSp>
+        <p:nvCxnSpPr>
+          <p:cNvPr id="217" name="Straight Connector 216"/>
+          <p:cNvCxnSpPr/>
+          <p:nvPr/>
+        </p:nvCxnSpPr>
+        <p:spPr>
+          <a:xfrm flipV="1">
+            <a:off x="15456824" y="3029941"/>
+            <a:ext cx="0" cy="350841"/>
+          </a:xfrm>
+          <a:prstGeom prst="line">
+            <a:avLst/>
+          </a:prstGeom>
+          <a:ln>
+            <a:solidFill>
+              <a:srgbClr val="052B48"/>
+            </a:solidFill>
+          </a:ln>
+          <a:effectLst/>
+        </p:spPr>
+        <p:style>
+          <a:lnRef idx="2">
+            <a:schemeClr val="accent1"/>
+          </a:lnRef>
+          <a:fillRef idx="0">
+            <a:schemeClr val="accent1"/>
+          </a:fillRef>
+          <a:effectRef idx="1">
+            <a:schemeClr val="accent1"/>
+          </a:effectRef>
+          <a:fontRef idx="minor">
+            <a:schemeClr val="tx1"/>
+          </a:fontRef>
+        </p:style>
+      </p:cxnSp>
+      <p:sp>
+        <p:nvSpPr>
+          <p:cNvPr id="218" name="Freeform 217"/>
+          <p:cNvSpPr/>
+          <p:nvPr/>
+        </p:nvSpPr>
+        <p:spPr>
+          <a:xfrm>
+            <a:off x="15172168" y="3415549"/>
+            <a:ext cx="569312" cy="393474"/>
+          </a:xfrm>
+          <a:custGeom>
+            <a:avLst/>
+            <a:gdLst>
+              <a:gd name="connsiteX0" fmla="*/ 0 w 686503"/>
+              <a:gd name="connsiteY0" fmla="*/ 0 h 1131184"/>
+              <a:gd name="connsiteX1" fmla="*/ 686503 w 686503"/>
+              <a:gd name="connsiteY1" fmla="*/ 0 h 1131184"/>
+              <a:gd name="connsiteX2" fmla="*/ 686503 w 686503"/>
+              <a:gd name="connsiteY2" fmla="*/ 1131184 h 1131184"/>
+              <a:gd name="connsiteX3" fmla="*/ 0 w 686503"/>
+              <a:gd name="connsiteY3" fmla="*/ 1131184 h 1131184"/>
+              <a:gd name="connsiteX4" fmla="*/ 0 w 686503"/>
+              <a:gd name="connsiteY4" fmla="*/ 0 h 1131184"/>
+            </a:gdLst>
+            <a:ahLst/>
+            <a:cxnLst>
+              <a:cxn ang="0">
+                <a:pos x="connsiteX0" y="connsiteY0"/>
+              </a:cxn>
+              <a:cxn ang="0">
+                <a:pos x="connsiteX1" y="connsiteY1"/>
+              </a:cxn>
+              <a:cxn ang="0">
+                <a:pos x="connsiteX2" y="connsiteY2"/>
+              </a:cxn>
+              <a:cxn ang="0">
+                <a:pos x="connsiteX3" y="connsiteY3"/>
+              </a:cxn>
+              <a:cxn ang="0">
+                <a:pos x="connsiteX4" y="connsiteY4"/>
+              </a:cxn>
+            </a:cxnLst>
+            <a:rect l="l" t="t" r="r" b="b"/>
+            <a:pathLst>
+              <a:path w="686503" h="1131184">
+                <a:moveTo>
+                  <a:pt x="0" y="0"/>
+                </a:moveTo>
+                <a:lnTo>
+                  <a:pt x="686503" y="0"/>
+                </a:lnTo>
+                <a:lnTo>
+                  <a:pt x="686503" y="1131184"/>
+                </a:lnTo>
+                <a:lnTo>
+                  <a:pt x="0" y="1131184"/>
+                </a:lnTo>
+                <a:lnTo>
+                  <a:pt x="0" y="0"/>
+                </a:lnTo>
+                <a:close/>
+              </a:path>
+            </a:pathLst>
+          </a:custGeom>
+        </p:spPr>
+        <p:style>
+          <a:lnRef idx="0">
+            <a:schemeClr val="dk1">
+              <a:alpha val="0"/>
+              <a:hueOff val="0"/>
+              <a:satOff val="0"/>
+              <a:lumOff val="0"/>
+              <a:alphaOff val="0"/>
+            </a:schemeClr>
+          </a:lnRef>
+          <a:fillRef idx="0">
+            <a:schemeClr val="lt1">
+              <a:alpha val="0"/>
+              <a:hueOff val="0"/>
+              <a:satOff val="0"/>
+              <a:lumOff val="0"/>
+              <a:alphaOff val="0"/>
+            </a:schemeClr>
+          </a:fillRef>
+          <a:effectRef idx="0">
+            <a:schemeClr val="lt1">
+              <a:alpha val="0"/>
+              <a:hueOff val="0"/>
+              <a:satOff val="0"/>
+              <a:lumOff val="0"/>
+              <a:alphaOff val="0"/>
+            </a:schemeClr>
+          </a:effectRef>
+          <a:fontRef idx="minor">
+            <a:schemeClr val="tx1">
+              <a:hueOff val="0"/>
+              <a:satOff val="0"/>
+              <a:lumOff val="0"/>
+              <a:alphaOff val="0"/>
+            </a:schemeClr>
+          </a:fontRef>
+        </p:style>
+        <p:txBody>
+          <a:bodyPr spcFirstLastPara="0" vert="horz" wrap="square" lIns="85344" tIns="85344" rIns="85344" bIns="85344" numCol="1" spcCol="1270" anchor="t" anchorCtr="0">
+            <a:noAutofit/>
+          </a:bodyPr>
+          <a:lstStyle/>
+          <a:p>
+            <a:pPr lvl="0" algn="ctr" defTabSz="533400">
+              <a:lnSpc>
+                <a:spcPct val="90000"/>
+              </a:lnSpc>
+              <a:spcBef>
+                <a:spcPct val="0"/>
+              </a:spcBef>
+              <a:spcAft>
+                <a:spcPct val="35000"/>
+              </a:spcAft>
+            </a:pPr>
+            <a:r>
+              <a:rPr lang="en-US" sz="1600" b="1" dirty="0" smtClean="0">
+                <a:solidFill>
+                  <a:srgbClr val="052B48"/>
+                </a:solidFill>
+              </a:rPr>
+              <a:t>Apr</a:t>
+            </a:r>
+            <a:endParaRPr lang="en-US" sz="1600" b="1" kern="1200" dirty="0">
+              <a:solidFill>
+                <a:srgbClr val="052B48"/>
+              </a:solidFill>
+            </a:endParaRPr>
+          </a:p>
+        </p:txBody>
+      </p:sp>
+      <p:sp>
+        <p:nvSpPr>
+          <p:cNvPr id="219" name="Freeform 218"/>
+          <p:cNvSpPr/>
+          <p:nvPr/>
+        </p:nvSpPr>
+        <p:spPr>
+          <a:xfrm>
+            <a:off x="14622076" y="4203563"/>
+            <a:ext cx="1674385" cy="1316273"/>
+          </a:xfrm>
+          <a:custGeom>
+            <a:avLst/>
+            <a:gdLst>
+              <a:gd name="connsiteX0" fmla="*/ 0 w 907618"/>
+              <a:gd name="connsiteY0" fmla="*/ 0 h 1220540"/>
+              <a:gd name="connsiteX1" fmla="*/ 907618 w 907618"/>
+              <a:gd name="connsiteY1" fmla="*/ 0 h 1220540"/>
+              <a:gd name="connsiteX2" fmla="*/ 907618 w 907618"/>
+              <a:gd name="connsiteY2" fmla="*/ 1220540 h 1220540"/>
+              <a:gd name="connsiteX3" fmla="*/ 0 w 907618"/>
+              <a:gd name="connsiteY3" fmla="*/ 1220540 h 1220540"/>
+              <a:gd name="connsiteX4" fmla="*/ 0 w 907618"/>
+              <a:gd name="connsiteY4" fmla="*/ 0 h 1220540"/>
+            </a:gdLst>
+            <a:ahLst/>
+            <a:cxnLst>
+              <a:cxn ang="0">
+                <a:pos x="connsiteX0" y="connsiteY0"/>
+              </a:cxn>
+              <a:cxn ang="0">
+                <a:pos x="connsiteX1" y="connsiteY1"/>
+              </a:cxn>
+              <a:cxn ang="0">
+                <a:pos x="connsiteX2" y="connsiteY2"/>
+              </a:cxn>
+              <a:cxn ang="0">
+                <a:pos x="connsiteX3" y="connsiteY3"/>
+              </a:cxn>
+              <a:cxn ang="0">
+                <a:pos x="connsiteX4" y="connsiteY4"/>
+              </a:cxn>
+            </a:cxnLst>
+            <a:rect l="l" t="t" r="r" b="b"/>
+            <a:pathLst>
+              <a:path w="907618" h="1220540">
+                <a:moveTo>
+                  <a:pt x="0" y="0"/>
+                </a:moveTo>
+                <a:lnTo>
+                  <a:pt x="907618" y="0"/>
+                </a:lnTo>
+                <a:lnTo>
+                  <a:pt x="907618" y="1220540"/>
+                </a:lnTo>
+                <a:lnTo>
+                  <a:pt x="0" y="1220540"/>
+                </a:lnTo>
+                <a:lnTo>
+                  <a:pt x="0" y="0"/>
+                </a:lnTo>
+                <a:close/>
+              </a:path>
+            </a:pathLst>
+          </a:custGeom>
+        </p:spPr>
+        <p:style>
+          <a:lnRef idx="0">
+            <a:schemeClr val="dk1">
+              <a:alpha val="0"/>
+              <a:hueOff val="0"/>
+              <a:satOff val="0"/>
+              <a:lumOff val="0"/>
+              <a:alphaOff val="0"/>
+            </a:schemeClr>
+          </a:lnRef>
+          <a:fillRef idx="0">
+            <a:schemeClr val="lt1">
+              <a:alpha val="0"/>
+              <a:hueOff val="0"/>
+              <a:satOff val="0"/>
+              <a:lumOff val="0"/>
+              <a:alphaOff val="0"/>
+            </a:schemeClr>
+          </a:fillRef>
+          <a:effectRef idx="0">
+            <a:schemeClr val="lt1">
+              <a:alpha val="0"/>
+              <a:hueOff val="0"/>
+              <a:satOff val="0"/>
+              <a:lumOff val="0"/>
+              <a:alphaOff val="0"/>
+            </a:schemeClr>
+          </a:effectRef>
+          <a:fontRef idx="minor">
+            <a:schemeClr val="tx1">
+              <a:hueOff val="0"/>
+              <a:satOff val="0"/>
+              <a:lumOff val="0"/>
+              <a:alphaOff val="0"/>
+            </a:schemeClr>
+          </a:fontRef>
+        </p:style>
+        <p:txBody>
+          <a:bodyPr spcFirstLastPara="0" vert="horz" wrap="square" lIns="85344" tIns="85344" rIns="85344" bIns="85344" numCol="1" spcCol="1270" anchor="b" anchorCtr="0">
+            <a:noAutofit/>
+          </a:bodyPr>
+          <a:lstStyle/>
+          <a:p>
+            <a:pPr lvl="0" algn="ctr" defTabSz="533400">
+              <a:lnSpc>
+                <a:spcPct val="90000"/>
+              </a:lnSpc>
+              <a:spcBef>
+                <a:spcPct val="0"/>
+              </a:spcBef>
+              <a:spcAft>
+                <a:spcPct val="35000"/>
+              </a:spcAft>
+            </a:pPr>
+            <a:r>
+              <a:rPr lang="en-US" sz="2200" dirty="0" smtClean="0">
+                <a:solidFill>
+                  <a:srgbClr val="052B48"/>
+                </a:solidFill>
+              </a:rPr>
+              <a:t>5</a:t>
+            </a:r>
+            <a:r>
+              <a:rPr lang="en-US" sz="2200" baseline="30000" dirty="0" smtClean="0">
+                <a:solidFill>
+                  <a:srgbClr val="052B48"/>
+                </a:solidFill>
+              </a:rPr>
+              <a:t>th</a:t>
+            </a:r>
+            <a:r>
+              <a:rPr lang="en-US" sz="2200" dirty="0" smtClean="0">
+                <a:solidFill>
+                  <a:srgbClr val="052B48"/>
+                </a:solidFill>
+              </a:rPr>
+              <a:t> NWB:N User Hackathon at LBNL</a:t>
+            </a:r>
+            <a:endParaRPr lang="en-US" sz="2200" kern="1200" dirty="0">
+              <a:solidFill>
+                <a:srgbClr val="052B48"/>
+              </a:solidFill>
+            </a:endParaRPr>
+          </a:p>
+        </p:txBody>
+      </p:sp>
+      <p:cxnSp>
+        <p:nvCxnSpPr>
+          <p:cNvPr id="220" name="Straight Connector 219"/>
+          <p:cNvCxnSpPr/>
+          <p:nvPr/>
+        </p:nvCxnSpPr>
+        <p:spPr>
+          <a:xfrm flipV="1">
+            <a:off x="15456824" y="3849623"/>
+            <a:ext cx="0" cy="350841"/>
+          </a:xfrm>
+          <a:prstGeom prst="line">
+            <a:avLst/>
+          </a:prstGeom>
+          <a:ln>
+            <a:solidFill>
+              <a:srgbClr val="052B48"/>
+            </a:solidFill>
+          </a:ln>
+          <a:effectLst/>
+        </p:spPr>
+        <p:style>
+          <a:lnRef idx="2">
+            <a:schemeClr val="accent1"/>
+          </a:lnRef>
+          <a:fillRef idx="0">
+            <a:schemeClr val="accent1"/>
+          </a:fillRef>
+          <a:effectRef idx="1">
+            <a:schemeClr val="accent1"/>
+          </a:effectRef>
+          <a:fontRef idx="minor">
+            <a:schemeClr val="tx1"/>
+          </a:fontRef>
+        </p:style>
+      </p:cxnSp>
+      <p:sp>
+        <p:nvSpPr>
+          <p:cNvPr id="221" name="Freeform 220"/>
+          <p:cNvSpPr/>
+          <p:nvPr/>
+        </p:nvSpPr>
+        <p:spPr>
+          <a:xfrm>
+            <a:off x="13784722" y="3683178"/>
+            <a:ext cx="1138013" cy="397400"/>
+          </a:xfrm>
+          <a:custGeom>
+            <a:avLst/>
+            <a:gdLst>
+              <a:gd name="connsiteX0" fmla="*/ 0 w 686503"/>
+              <a:gd name="connsiteY0" fmla="*/ 0 h 1131184"/>
+              <a:gd name="connsiteX1" fmla="*/ 686503 w 686503"/>
+              <a:gd name="connsiteY1" fmla="*/ 0 h 1131184"/>
+              <a:gd name="connsiteX2" fmla="*/ 686503 w 686503"/>
+              <a:gd name="connsiteY2" fmla="*/ 1131184 h 1131184"/>
+              <a:gd name="connsiteX3" fmla="*/ 0 w 686503"/>
+              <a:gd name="connsiteY3" fmla="*/ 1131184 h 1131184"/>
+              <a:gd name="connsiteX4" fmla="*/ 0 w 686503"/>
+              <a:gd name="connsiteY4" fmla="*/ 0 h 1131184"/>
+            </a:gdLst>
+            <a:ahLst/>
+            <a:cxnLst>
+              <a:cxn ang="0">
+                <a:pos x="connsiteX0" y="connsiteY0"/>
+              </a:cxn>
+              <a:cxn ang="0">
+                <a:pos x="connsiteX1" y="connsiteY1"/>
+              </a:cxn>
+              <a:cxn ang="0">
+                <a:pos x="connsiteX2" y="connsiteY2"/>
+              </a:cxn>
+              <a:cxn ang="0">
+                <a:pos x="connsiteX3" y="connsiteY3"/>
+              </a:cxn>
+              <a:cxn ang="0">
+                <a:pos x="connsiteX4" y="connsiteY4"/>
+              </a:cxn>
+            </a:cxnLst>
+            <a:rect l="l" t="t" r="r" b="b"/>
+            <a:pathLst>
+              <a:path w="686503" h="1131184">
+                <a:moveTo>
+                  <a:pt x="0" y="0"/>
+                </a:moveTo>
+                <a:lnTo>
+                  <a:pt x="686503" y="0"/>
+                </a:lnTo>
+                <a:lnTo>
+                  <a:pt x="686503" y="1131184"/>
+                </a:lnTo>
+                <a:lnTo>
+                  <a:pt x="0" y="1131184"/>
+                </a:lnTo>
+                <a:lnTo>
+                  <a:pt x="0" y="0"/>
+                </a:lnTo>
+                <a:close/>
+              </a:path>
+            </a:pathLst>
+          </a:custGeom>
+        </p:spPr>
+        <p:style>
+          <a:lnRef idx="0">
+            <a:schemeClr val="dk1">
+              <a:alpha val="0"/>
+              <a:hueOff val="0"/>
+              <a:satOff val="0"/>
+              <a:lumOff val="0"/>
+              <a:alphaOff val="0"/>
+            </a:schemeClr>
+          </a:lnRef>
+          <a:fillRef idx="0">
+            <a:schemeClr val="lt1">
+              <a:alpha val="0"/>
+              <a:hueOff val="0"/>
+              <a:satOff val="0"/>
+              <a:lumOff val="0"/>
+              <a:alphaOff val="0"/>
+            </a:schemeClr>
+          </a:fillRef>
+          <a:effectRef idx="0">
+            <a:schemeClr val="lt1">
+              <a:alpha val="0"/>
+              <a:hueOff val="0"/>
+              <a:satOff val="0"/>
+              <a:lumOff val="0"/>
+              <a:alphaOff val="0"/>
+            </a:schemeClr>
+          </a:effectRef>
+          <a:fontRef idx="minor">
+            <a:schemeClr val="tx1">
+              <a:hueOff val="0"/>
+              <a:satOff val="0"/>
+              <a:lumOff val="0"/>
+              <a:alphaOff val="0"/>
+            </a:schemeClr>
+          </a:fontRef>
+        </p:style>
+        <p:txBody>
+          <a:bodyPr spcFirstLastPara="0" vert="horz" wrap="square" lIns="85344" tIns="85344" rIns="85344" bIns="85344" numCol="1" spcCol="1270" anchor="t" anchorCtr="0">
+            <a:noAutofit/>
+          </a:bodyPr>
+          <a:lstStyle/>
+          <a:p>
+            <a:pPr lvl="0" algn="ctr" defTabSz="533400">
+              <a:lnSpc>
+                <a:spcPct val="90000"/>
+              </a:lnSpc>
+              <a:spcBef>
+                <a:spcPct val="0"/>
+              </a:spcBef>
+              <a:spcAft>
+                <a:spcPct val="35000"/>
+              </a:spcAft>
+            </a:pPr>
+            <a:r>
+              <a:rPr lang="en-US" sz="2200" b="1" i="0" u="none" kern="1200" dirty="0" smtClean="0">
+                <a:solidFill>
+                  <a:srgbClr val="052B48"/>
+                </a:solidFill>
+              </a:rPr>
+              <a:t>2018</a:t>
+            </a:r>
+            <a:endParaRPr lang="en-US" sz="2200" b="1" kern="1200" dirty="0">
+              <a:solidFill>
+                <a:srgbClr val="052B48"/>
+              </a:solidFill>
+            </a:endParaRPr>
+          </a:p>
+        </p:txBody>
+      </p:sp>
+      <p:cxnSp>
+        <p:nvCxnSpPr>
+          <p:cNvPr id="222" name="Straight Connector 221"/>
+          <p:cNvCxnSpPr/>
+          <p:nvPr/>
+        </p:nvCxnSpPr>
+        <p:spPr>
+          <a:xfrm flipV="1">
+            <a:off x="17511756" y="3014881"/>
+            <a:ext cx="0" cy="364353"/>
+          </a:xfrm>
+          <a:prstGeom prst="line">
+            <a:avLst/>
+          </a:prstGeom>
+          <a:ln>
+            <a:solidFill>
+              <a:srgbClr val="052B48"/>
+            </a:solidFill>
+          </a:ln>
+          <a:effectLst/>
+        </p:spPr>
+        <p:style>
+          <a:lnRef idx="2">
+            <a:schemeClr val="accent1"/>
+          </a:lnRef>
+          <a:fillRef idx="0">
+            <a:schemeClr val="accent1"/>
+          </a:fillRef>
+          <a:effectRef idx="1">
+            <a:schemeClr val="accent1"/>
+          </a:effectRef>
+          <a:fontRef idx="minor">
+            <a:schemeClr val="tx1"/>
+          </a:fontRef>
+        </p:style>
+      </p:cxnSp>
+      <p:sp>
+        <p:nvSpPr>
+          <p:cNvPr id="223" name="Freeform 222"/>
+          <p:cNvSpPr/>
+          <p:nvPr/>
+        </p:nvSpPr>
+        <p:spPr>
+          <a:xfrm>
+            <a:off x="16816616" y="1698874"/>
+            <a:ext cx="1398235" cy="1312409"/>
+          </a:xfrm>
+          <a:custGeom>
+            <a:avLst/>
+            <a:gdLst>
+              <a:gd name="connsiteX0" fmla="*/ 0 w 907618"/>
+              <a:gd name="connsiteY0" fmla="*/ 0 h 1220540"/>
+              <a:gd name="connsiteX1" fmla="*/ 907618 w 907618"/>
+              <a:gd name="connsiteY1" fmla="*/ 0 h 1220540"/>
+              <a:gd name="connsiteX2" fmla="*/ 907618 w 907618"/>
+              <a:gd name="connsiteY2" fmla="*/ 1220540 h 1220540"/>
+              <a:gd name="connsiteX3" fmla="*/ 0 w 907618"/>
+              <a:gd name="connsiteY3" fmla="*/ 1220540 h 1220540"/>
+              <a:gd name="connsiteX4" fmla="*/ 0 w 907618"/>
+              <a:gd name="connsiteY4" fmla="*/ 0 h 1220540"/>
+            </a:gdLst>
+            <a:ahLst/>
+            <a:cxnLst>
+              <a:cxn ang="0">
+                <a:pos x="connsiteX0" y="connsiteY0"/>
+              </a:cxn>
+              <a:cxn ang="0">
+                <a:pos x="connsiteX1" y="connsiteY1"/>
+              </a:cxn>
+              <a:cxn ang="0">
+                <a:pos x="connsiteX2" y="connsiteY2"/>
+              </a:cxn>
+              <a:cxn ang="0">
+                <a:pos x="connsiteX3" y="connsiteY3"/>
+              </a:cxn>
+              <a:cxn ang="0">
+                <a:pos x="connsiteX4" y="connsiteY4"/>
+              </a:cxn>
+            </a:cxnLst>
+            <a:rect l="l" t="t" r="r" b="b"/>
+            <a:pathLst>
+              <a:path w="907618" h="1220540">
+                <a:moveTo>
+                  <a:pt x="0" y="0"/>
+                </a:moveTo>
+                <a:lnTo>
+                  <a:pt x="907618" y="0"/>
+                </a:lnTo>
+                <a:lnTo>
+                  <a:pt x="907618" y="1220540"/>
+                </a:lnTo>
+                <a:lnTo>
+                  <a:pt x="0" y="1220540"/>
+                </a:lnTo>
+                <a:lnTo>
+                  <a:pt x="0" y="0"/>
+                </a:lnTo>
+                <a:close/>
+              </a:path>
+            </a:pathLst>
+          </a:custGeom>
+        </p:spPr>
+        <p:style>
+          <a:lnRef idx="0">
+            <a:schemeClr val="dk1">
+              <a:alpha val="0"/>
+              <a:hueOff val="0"/>
+              <a:satOff val="0"/>
+              <a:lumOff val="0"/>
+              <a:alphaOff val="0"/>
+            </a:schemeClr>
+          </a:lnRef>
+          <a:fillRef idx="0">
+            <a:schemeClr val="lt1">
+              <a:alpha val="0"/>
+              <a:hueOff val="0"/>
+              <a:satOff val="0"/>
+              <a:lumOff val="0"/>
+              <a:alphaOff val="0"/>
+            </a:schemeClr>
+          </a:fillRef>
+          <a:effectRef idx="0">
+            <a:schemeClr val="lt1">
+              <a:alpha val="0"/>
+              <a:hueOff val="0"/>
+              <a:satOff val="0"/>
+              <a:lumOff val="0"/>
+              <a:alphaOff val="0"/>
+            </a:schemeClr>
+          </a:effectRef>
+          <a:fontRef idx="minor">
+            <a:schemeClr val="tx1">
+              <a:hueOff val="0"/>
+              <a:satOff val="0"/>
+              <a:lumOff val="0"/>
+              <a:alphaOff val="0"/>
+            </a:schemeClr>
+          </a:fontRef>
+        </p:style>
+        <p:txBody>
+          <a:bodyPr spcFirstLastPara="0" vert="horz" wrap="square" lIns="85344" tIns="85344" rIns="85344" bIns="85344" numCol="1" spcCol="1270" anchor="b" anchorCtr="0">
+            <a:noAutofit/>
+          </a:bodyPr>
+          <a:lstStyle/>
+          <a:p>
+            <a:pPr lvl="0" algn="ctr" defTabSz="533400">
+              <a:lnSpc>
+                <a:spcPct val="90000"/>
+              </a:lnSpc>
+              <a:spcBef>
+                <a:spcPct val="0"/>
+              </a:spcBef>
+              <a:spcAft>
+                <a:spcPct val="35000"/>
+              </a:spcAft>
+            </a:pPr>
+            <a:r>
+              <a:rPr lang="en-US" sz="2300" dirty="0" smtClean="0">
+                <a:solidFill>
+                  <a:srgbClr val="052B48"/>
+                </a:solidFill>
+              </a:rPr>
+              <a:t>Welcome to SfN</a:t>
+            </a:r>
+            <a:endParaRPr lang="en-US" sz="2300" kern="1200" dirty="0">
+              <a:solidFill>
+                <a:srgbClr val="052B48"/>
+              </a:solidFill>
+            </a:endParaRPr>
+          </a:p>
+        </p:txBody>
+      </p:sp>
+      <p:sp>
+        <p:nvSpPr>
+          <p:cNvPr id="224" name="Oval 223"/>
+          <p:cNvSpPr>
+            <a:spLocks noChangeAspect="1"/>
+          </p:cNvSpPr>
+          <p:nvPr/>
+        </p:nvSpPr>
+        <p:spPr>
+          <a:xfrm>
+            <a:off x="17288967" y="3385906"/>
+            <a:ext cx="445578" cy="445578"/>
+          </a:xfrm>
+          <a:prstGeom prst="ellipse">
+            <a:avLst/>
+          </a:prstGeom>
+          <a:solidFill>
+            <a:schemeClr val="accent1">
+              <a:lumMod val="40000"/>
+              <a:lumOff val="60000"/>
+            </a:schemeClr>
+          </a:solidFill>
+        </p:spPr>
+        <p:style>
+          <a:lnRef idx="2">
+            <a:schemeClr val="lt1">
+              <a:hueOff val="0"/>
+              <a:satOff val="0"/>
+              <a:lumOff val="0"/>
+              <a:alphaOff val="0"/>
+            </a:schemeClr>
+          </a:lnRef>
+          <a:fillRef idx="1">
+            <a:schemeClr val="accent1">
+              <a:shade val="80000"/>
+              <a:hueOff val="0"/>
+              <a:satOff val="0"/>
+              <a:lumOff val="0"/>
+              <a:alphaOff val="0"/>
+            </a:schemeClr>
+          </a:fillRef>
+          <a:effectRef idx="0">
+            <a:schemeClr val="accent1">
+              <a:shade val="80000"/>
+              <a:hueOff val="0"/>
+              <a:satOff val="0"/>
+              <a:lumOff val="0"/>
+              <a:alphaOff val="0"/>
+            </a:schemeClr>
+          </a:effectRef>
+          <a:fontRef idx="minor">
+            <a:schemeClr val="lt1"/>
+          </a:fontRef>
+        </p:style>
+      </p:sp>
+      <p:sp>
+        <p:nvSpPr>
+          <p:cNvPr id="225" name="Freeform 224"/>
+          <p:cNvSpPr/>
+          <p:nvPr/>
+        </p:nvSpPr>
+        <p:spPr>
+          <a:xfrm>
+            <a:off x="17227100" y="3413733"/>
+            <a:ext cx="569312" cy="393474"/>
+          </a:xfrm>
+          <a:custGeom>
+            <a:avLst/>
+            <a:gdLst>
+              <a:gd name="connsiteX0" fmla="*/ 0 w 686503"/>
+              <a:gd name="connsiteY0" fmla="*/ 0 h 1131184"/>
+              <a:gd name="connsiteX1" fmla="*/ 686503 w 686503"/>
+              <a:gd name="connsiteY1" fmla="*/ 0 h 1131184"/>
+              <a:gd name="connsiteX2" fmla="*/ 686503 w 686503"/>
+              <a:gd name="connsiteY2" fmla="*/ 1131184 h 1131184"/>
+              <a:gd name="connsiteX3" fmla="*/ 0 w 686503"/>
+              <a:gd name="connsiteY3" fmla="*/ 1131184 h 1131184"/>
+              <a:gd name="connsiteX4" fmla="*/ 0 w 686503"/>
+              <a:gd name="connsiteY4" fmla="*/ 0 h 1131184"/>
+            </a:gdLst>
+            <a:ahLst/>
+            <a:cxnLst>
+              <a:cxn ang="0">
+                <a:pos x="connsiteX0" y="connsiteY0"/>
+              </a:cxn>
+              <a:cxn ang="0">
+                <a:pos x="connsiteX1" y="connsiteY1"/>
+              </a:cxn>
+              <a:cxn ang="0">
+                <a:pos x="connsiteX2" y="connsiteY2"/>
+              </a:cxn>
+              <a:cxn ang="0">
+                <a:pos x="connsiteX3" y="connsiteY3"/>
+              </a:cxn>
+              <a:cxn ang="0">
+                <a:pos x="connsiteX4" y="connsiteY4"/>
+              </a:cxn>
+            </a:cxnLst>
+            <a:rect l="l" t="t" r="r" b="b"/>
+            <a:pathLst>
+              <a:path w="686503" h="1131184">
+                <a:moveTo>
+                  <a:pt x="0" y="0"/>
+                </a:moveTo>
+                <a:lnTo>
+                  <a:pt x="686503" y="0"/>
+                </a:lnTo>
+                <a:lnTo>
+                  <a:pt x="686503" y="1131184"/>
+                </a:lnTo>
+                <a:lnTo>
+                  <a:pt x="0" y="1131184"/>
+                </a:lnTo>
+                <a:lnTo>
+                  <a:pt x="0" y="0"/>
+                </a:lnTo>
+                <a:close/>
+              </a:path>
+            </a:pathLst>
+          </a:custGeom>
+        </p:spPr>
+        <p:style>
+          <a:lnRef idx="0">
+            <a:schemeClr val="dk1">
+              <a:alpha val="0"/>
+              <a:hueOff val="0"/>
+              <a:satOff val="0"/>
+              <a:lumOff val="0"/>
+              <a:alphaOff val="0"/>
+            </a:schemeClr>
+          </a:lnRef>
+          <a:fillRef idx="0">
+            <a:schemeClr val="lt1">
+              <a:alpha val="0"/>
+              <a:hueOff val="0"/>
+              <a:satOff val="0"/>
+              <a:lumOff val="0"/>
+              <a:alphaOff val="0"/>
+            </a:schemeClr>
+          </a:fillRef>
+          <a:effectRef idx="0">
+            <a:schemeClr val="lt1">
+              <a:alpha val="0"/>
+              <a:hueOff val="0"/>
+              <a:satOff val="0"/>
+              <a:lumOff val="0"/>
+              <a:alphaOff val="0"/>
+            </a:schemeClr>
+          </a:effectRef>
+          <a:fontRef idx="minor">
+            <a:schemeClr val="tx1">
+              <a:hueOff val="0"/>
+              <a:satOff val="0"/>
+              <a:lumOff val="0"/>
+              <a:alphaOff val="0"/>
+            </a:schemeClr>
+          </a:fontRef>
+        </p:style>
+        <p:txBody>
+          <a:bodyPr spcFirstLastPara="0" vert="horz" wrap="square" lIns="85344" tIns="85344" rIns="85344" bIns="85344" numCol="1" spcCol="1270" anchor="t" anchorCtr="0">
+            <a:noAutofit/>
+          </a:bodyPr>
+          <a:lstStyle/>
+          <a:p>
+            <a:pPr lvl="0" algn="ctr" defTabSz="533400">
+              <a:lnSpc>
+                <a:spcPct val="90000"/>
+              </a:lnSpc>
+              <a:spcBef>
+                <a:spcPct val="0"/>
+              </a:spcBef>
+              <a:spcAft>
+                <a:spcPct val="35000"/>
+              </a:spcAft>
+            </a:pPr>
+            <a:r>
+              <a:rPr lang="en-US" sz="1600" b="1" kern="1200" dirty="0" smtClean="0">
+                <a:solidFill>
+                  <a:srgbClr val="052B48"/>
+                </a:solidFill>
+              </a:rPr>
+              <a:t>Nov</a:t>
+            </a:r>
+            <a:endParaRPr lang="en-US" sz="1600" b="1" kern="1200" dirty="0">
+              <a:solidFill>
+                <a:srgbClr val="052B48"/>
+              </a:solidFill>
+            </a:endParaRPr>
+          </a:p>
+        </p:txBody>
+      </p:sp>
+      <p:sp>
+        <p:nvSpPr>
+          <p:cNvPr id="235" name="Left Brace 234"/>
+          <p:cNvSpPr/>
+          <p:nvPr/>
+        </p:nvSpPr>
+        <p:spPr>
+          <a:xfrm rot="16200000">
+            <a:off x="4407180" y="1949628"/>
+            <a:ext cx="351662" cy="7134888"/>
+          </a:xfrm>
+          <a:prstGeom prst="leftBrace">
+            <a:avLst/>
+          </a:prstGeom>
+          <a:ln w="28575" cmpd="sng">
+            <a:solidFill>
+              <a:schemeClr val="tx1">
+                <a:lumMod val="75000"/>
+                <a:lumOff val="25000"/>
+              </a:schemeClr>
+            </a:solidFill>
+          </a:ln>
+          <a:effectLst/>
+        </p:spPr>
+        <p:style>
+          <a:lnRef idx="2">
+            <a:schemeClr val="accent1"/>
+          </a:lnRef>
+          <a:fillRef idx="0">
+            <a:schemeClr val="accent1"/>
+          </a:fillRef>
+          <a:effectRef idx="1">
+            <a:schemeClr val="accent1"/>
+          </a:effectRef>
+          <a:fontRef idx="minor">
+            <a:schemeClr val="tx1"/>
+          </a:fontRef>
+        </p:style>
+        <p:txBody>
+          <a:bodyPr rtlCol="0" anchor="ctr"/>
+          <a:lstStyle/>
+          <a:p>
+            <a:pPr algn="ctr"/>
+            <a:endParaRPr lang="en-US" dirty="0"/>
+          </a:p>
+        </p:txBody>
+      </p:sp>
+      <p:sp>
+        <p:nvSpPr>
+          <p:cNvPr id="236" name="Left Brace 235"/>
+          <p:cNvSpPr/>
+          <p:nvPr/>
+        </p:nvSpPr>
+        <p:spPr>
+          <a:xfrm rot="16200000">
+            <a:off x="14847674" y="-1355982"/>
+            <a:ext cx="351659" cy="13746098"/>
+          </a:xfrm>
+          <a:prstGeom prst="leftBrace">
+            <a:avLst/>
+          </a:prstGeom>
+          <a:ln w="28575" cmpd="sng">
+            <a:solidFill>
+              <a:srgbClr val="052B48"/>
+            </a:solidFill>
+          </a:ln>
+          <a:effectLst/>
+        </p:spPr>
+        <p:style>
+          <a:lnRef idx="2">
+            <a:schemeClr val="accent1"/>
+          </a:lnRef>
+          <a:fillRef idx="0">
+            <a:schemeClr val="accent1"/>
+          </a:fillRef>
+          <a:effectRef idx="1">
+            <a:schemeClr val="accent1"/>
+          </a:effectRef>
+          <a:fontRef idx="minor">
+            <a:schemeClr val="tx1"/>
+          </a:fontRef>
+        </p:style>
+        <p:txBody>
+          <a:bodyPr rtlCol="0" anchor="ctr"/>
+          <a:lstStyle/>
+          <a:p>
+            <a:pPr algn="ctr"/>
+            <a:endParaRPr lang="en-US" dirty="0"/>
+          </a:p>
+        </p:txBody>
+      </p:sp>
+      <p:sp>
+        <p:nvSpPr>
+          <p:cNvPr id="237" name="Freeform 236"/>
+          <p:cNvSpPr/>
+          <p:nvPr/>
+        </p:nvSpPr>
+        <p:spPr>
+          <a:xfrm>
+            <a:off x="3761718" y="5658126"/>
+            <a:ext cx="1633156" cy="462552"/>
+          </a:xfrm>
+          <a:custGeom>
+            <a:avLst/>
+            <a:gdLst>
+              <a:gd name="connsiteX0" fmla="*/ 0 w 907618"/>
+              <a:gd name="connsiteY0" fmla="*/ 0 h 1220540"/>
+              <a:gd name="connsiteX1" fmla="*/ 907618 w 907618"/>
+              <a:gd name="connsiteY1" fmla="*/ 0 h 1220540"/>
+              <a:gd name="connsiteX2" fmla="*/ 907618 w 907618"/>
+              <a:gd name="connsiteY2" fmla="*/ 1220540 h 1220540"/>
+              <a:gd name="connsiteX3" fmla="*/ 0 w 907618"/>
+              <a:gd name="connsiteY3" fmla="*/ 1220540 h 1220540"/>
+              <a:gd name="connsiteX4" fmla="*/ 0 w 907618"/>
+              <a:gd name="connsiteY4" fmla="*/ 0 h 1220540"/>
+            </a:gdLst>
+            <a:ahLst/>
+            <a:cxnLst>
+              <a:cxn ang="0">
+                <a:pos x="connsiteX0" y="connsiteY0"/>
+              </a:cxn>
+              <a:cxn ang="0">
+                <a:pos x="connsiteX1" y="connsiteY1"/>
+              </a:cxn>
+              <a:cxn ang="0">
+                <a:pos x="connsiteX2" y="connsiteY2"/>
+              </a:cxn>
+              <a:cxn ang="0">
+                <a:pos x="connsiteX3" y="connsiteY3"/>
+              </a:cxn>
+              <a:cxn ang="0">
+                <a:pos x="connsiteX4" y="connsiteY4"/>
+              </a:cxn>
+            </a:cxnLst>
+            <a:rect l="l" t="t" r="r" b="b"/>
+            <a:pathLst>
+              <a:path w="907618" h="1220540">
+                <a:moveTo>
+                  <a:pt x="0" y="0"/>
+                </a:moveTo>
+                <a:lnTo>
+                  <a:pt x="907618" y="0"/>
+                </a:lnTo>
+                <a:lnTo>
+                  <a:pt x="907618" y="1220540"/>
+                </a:lnTo>
+                <a:lnTo>
+                  <a:pt x="0" y="1220540"/>
+                </a:lnTo>
+                <a:lnTo>
+                  <a:pt x="0" y="0"/>
+                </a:lnTo>
+                <a:close/>
+              </a:path>
+            </a:pathLst>
+          </a:custGeom>
+        </p:spPr>
+        <p:style>
+          <a:lnRef idx="0">
+            <a:schemeClr val="dk1">
+              <a:alpha val="0"/>
+              <a:hueOff val="0"/>
+              <a:satOff val="0"/>
+              <a:lumOff val="0"/>
+              <a:alphaOff val="0"/>
+            </a:schemeClr>
+          </a:lnRef>
+          <a:fillRef idx="0">
+            <a:schemeClr val="lt1">
+              <a:alpha val="0"/>
+              <a:hueOff val="0"/>
+              <a:satOff val="0"/>
+              <a:lumOff val="0"/>
+              <a:alphaOff val="0"/>
+            </a:schemeClr>
+          </a:fillRef>
+          <a:effectRef idx="0">
+            <a:schemeClr val="lt1">
+              <a:alpha val="0"/>
+              <a:hueOff val="0"/>
+              <a:satOff val="0"/>
+              <a:lumOff val="0"/>
+              <a:alphaOff val="0"/>
+            </a:schemeClr>
+          </a:effectRef>
+          <a:fontRef idx="minor">
+            <a:schemeClr val="tx1">
+              <a:hueOff val="0"/>
+              <a:satOff val="0"/>
+              <a:lumOff val="0"/>
+              <a:alphaOff val="0"/>
+            </a:schemeClr>
+          </a:fontRef>
+        </p:style>
+        <p:txBody>
+          <a:bodyPr spcFirstLastPara="0" vert="horz" wrap="square" lIns="85344" tIns="85344" rIns="85344" bIns="85344" numCol="1" spcCol="1270" anchor="b" anchorCtr="0">
+            <a:noAutofit/>
+          </a:bodyPr>
+          <a:lstStyle/>
+          <a:p>
+            <a:pPr lvl="0" algn="ctr" defTabSz="533400">
+              <a:lnSpc>
+                <a:spcPct val="90000"/>
+              </a:lnSpc>
+              <a:spcBef>
+                <a:spcPct val="0"/>
+              </a:spcBef>
+              <a:spcAft>
+                <a:spcPct val="35000"/>
+              </a:spcAft>
+            </a:pPr>
+            <a:r>
+              <a:rPr lang="en-US" sz="2200" b="1" kern="1200" dirty="0" smtClean="0">
+                <a:solidFill>
+                  <a:schemeClr val="tx1">
+                    <a:lumMod val="85000"/>
+                    <a:lumOff val="15000"/>
+                  </a:schemeClr>
+                </a:solidFill>
+              </a:rPr>
+              <a:t>NWB:N 1.0</a:t>
+            </a:r>
+            <a:endParaRPr lang="en-US" sz="2200" b="1" kern="1200" dirty="0">
+              <a:solidFill>
+                <a:schemeClr val="tx1">
+                  <a:lumMod val="85000"/>
+                  <a:lumOff val="15000"/>
+                </a:schemeClr>
+              </a:solidFill>
+            </a:endParaRPr>
+          </a:p>
+        </p:txBody>
+      </p:sp>
+      <p:sp>
+        <p:nvSpPr>
+          <p:cNvPr id="238" name="Freeform 237"/>
+          <p:cNvSpPr/>
+          <p:nvPr/>
+        </p:nvSpPr>
+        <p:spPr>
+          <a:xfrm>
+            <a:off x="12974618" y="5658126"/>
+            <a:ext cx="4538180" cy="462552"/>
+          </a:xfrm>
+          <a:custGeom>
+            <a:avLst/>
+            <a:gdLst>
+              <a:gd name="connsiteX0" fmla="*/ 0 w 907618"/>
+              <a:gd name="connsiteY0" fmla="*/ 0 h 1220540"/>
+              <a:gd name="connsiteX1" fmla="*/ 907618 w 907618"/>
+              <a:gd name="connsiteY1" fmla="*/ 0 h 1220540"/>
+              <a:gd name="connsiteX2" fmla="*/ 907618 w 907618"/>
+              <a:gd name="connsiteY2" fmla="*/ 1220540 h 1220540"/>
+              <a:gd name="connsiteX3" fmla="*/ 0 w 907618"/>
+              <a:gd name="connsiteY3" fmla="*/ 1220540 h 1220540"/>
+              <a:gd name="connsiteX4" fmla="*/ 0 w 907618"/>
+              <a:gd name="connsiteY4" fmla="*/ 0 h 1220540"/>
+            </a:gdLst>
+            <a:ahLst/>
+            <a:cxnLst>
+              <a:cxn ang="0">
+                <a:pos x="connsiteX0" y="connsiteY0"/>
+              </a:cxn>
+              <a:cxn ang="0">
+                <a:pos x="connsiteX1" y="connsiteY1"/>
+              </a:cxn>
+              <a:cxn ang="0">
+                <a:pos x="connsiteX2" y="connsiteY2"/>
+              </a:cxn>
+              <a:cxn ang="0">
+                <a:pos x="connsiteX3" y="connsiteY3"/>
+              </a:cxn>
+              <a:cxn ang="0">
+                <a:pos x="connsiteX4" y="connsiteY4"/>
+              </a:cxn>
+            </a:cxnLst>
+            <a:rect l="l" t="t" r="r" b="b"/>
+            <a:pathLst>
+              <a:path w="907618" h="1220540">
+                <a:moveTo>
+                  <a:pt x="0" y="0"/>
+                </a:moveTo>
+                <a:lnTo>
+                  <a:pt x="907618" y="0"/>
+                </a:lnTo>
+                <a:lnTo>
+                  <a:pt x="907618" y="1220540"/>
+                </a:lnTo>
+                <a:lnTo>
+                  <a:pt x="0" y="1220540"/>
+                </a:lnTo>
+                <a:lnTo>
+                  <a:pt x="0" y="0"/>
+                </a:lnTo>
+                <a:close/>
+              </a:path>
+            </a:pathLst>
+          </a:custGeom>
+        </p:spPr>
+        <p:style>
+          <a:lnRef idx="0">
+            <a:schemeClr val="dk1">
+              <a:alpha val="0"/>
+              <a:hueOff val="0"/>
+              <a:satOff val="0"/>
+              <a:lumOff val="0"/>
+              <a:alphaOff val="0"/>
+            </a:schemeClr>
+          </a:lnRef>
+          <a:fillRef idx="0">
+            <a:schemeClr val="lt1">
+              <a:alpha val="0"/>
+              <a:hueOff val="0"/>
+              <a:satOff val="0"/>
+              <a:lumOff val="0"/>
+              <a:alphaOff val="0"/>
+            </a:schemeClr>
+          </a:fillRef>
+          <a:effectRef idx="0">
+            <a:schemeClr val="lt1">
+              <a:alpha val="0"/>
+              <a:hueOff val="0"/>
+              <a:satOff val="0"/>
+              <a:lumOff val="0"/>
+              <a:alphaOff val="0"/>
+            </a:schemeClr>
+          </a:effectRef>
+          <a:fontRef idx="minor">
+            <a:schemeClr val="tx1">
+              <a:hueOff val="0"/>
+              <a:satOff val="0"/>
+              <a:lumOff val="0"/>
+              <a:alphaOff val="0"/>
+            </a:schemeClr>
+          </a:fontRef>
+        </p:style>
+        <p:txBody>
+          <a:bodyPr spcFirstLastPara="0" vert="horz" wrap="square" lIns="85344" tIns="85344" rIns="85344" bIns="85344" numCol="1" spcCol="1270" anchor="b" anchorCtr="0">
+            <a:noAutofit/>
+          </a:bodyPr>
+          <a:lstStyle/>
+          <a:p>
+            <a:pPr lvl="0" algn="ctr" defTabSz="533400">
+              <a:lnSpc>
+                <a:spcPct val="90000"/>
+              </a:lnSpc>
+              <a:spcBef>
+                <a:spcPct val="0"/>
+              </a:spcBef>
+              <a:spcAft>
+                <a:spcPct val="35000"/>
+              </a:spcAft>
+            </a:pPr>
+            <a:r>
+              <a:rPr lang="en-US" sz="2200" b="1" kern="1200" dirty="0" smtClean="0">
+                <a:solidFill>
+                  <a:schemeClr val="tx2">
+                    <a:lumMod val="75000"/>
+                  </a:schemeClr>
+                </a:solidFill>
+              </a:rPr>
+              <a:t>NWB:N 2.0</a:t>
+            </a:r>
+            <a:endParaRPr lang="en-US" sz="2200" b="1" kern="1200" dirty="0">
+              <a:solidFill>
+                <a:schemeClr val="tx2">
+                  <a:lumMod val="75000"/>
+                </a:schemeClr>
+              </a:solidFill>
+            </a:endParaRPr>
+          </a:p>
+        </p:txBody>
+      </p:sp>
+      <p:cxnSp>
+        <p:nvCxnSpPr>
+          <p:cNvPr id="240" name="Straight Connector 239"/>
+          <p:cNvCxnSpPr/>
+          <p:nvPr/>
+        </p:nvCxnSpPr>
+        <p:spPr>
+          <a:xfrm flipV="1">
+            <a:off x="16977331" y="3850469"/>
+            <a:ext cx="0" cy="364353"/>
+          </a:xfrm>
+          <a:prstGeom prst="line">
+            <a:avLst/>
+          </a:prstGeom>
+          <a:ln>
+            <a:solidFill>
+              <a:srgbClr val="052B48"/>
+            </a:solidFill>
+          </a:ln>
+          <a:effectLst/>
+        </p:spPr>
+        <p:style>
+          <a:lnRef idx="2">
+            <a:schemeClr val="accent1"/>
+          </a:lnRef>
+          <a:fillRef idx="0">
+            <a:schemeClr val="accent1"/>
+          </a:fillRef>
+          <a:effectRef idx="1">
+            <a:schemeClr val="accent1"/>
+          </a:effectRef>
+          <a:fontRef idx="minor">
+            <a:schemeClr val="tx1"/>
+          </a:fontRef>
+        </p:style>
+      </p:cxnSp>
+      <p:sp>
+        <p:nvSpPr>
+          <p:cNvPr id="241" name="Oval 240"/>
+          <p:cNvSpPr>
+            <a:spLocks noChangeAspect="1"/>
+          </p:cNvSpPr>
+          <p:nvPr/>
+        </p:nvSpPr>
+        <p:spPr>
+          <a:xfrm>
+            <a:off x="16757899" y="3387722"/>
+            <a:ext cx="445578" cy="445578"/>
+          </a:xfrm>
+          <a:prstGeom prst="ellipse">
+            <a:avLst/>
+          </a:prstGeom>
+          <a:solidFill>
+            <a:schemeClr val="accent1">
+              <a:lumMod val="40000"/>
+              <a:lumOff val="60000"/>
+            </a:schemeClr>
+          </a:solidFill>
+        </p:spPr>
+        <p:style>
+          <a:lnRef idx="2">
+            <a:schemeClr val="lt1">
+              <a:hueOff val="0"/>
+              <a:satOff val="0"/>
+              <a:lumOff val="0"/>
+              <a:alphaOff val="0"/>
+            </a:schemeClr>
+          </a:lnRef>
+          <a:fillRef idx="1">
+            <a:schemeClr val="accent1">
+              <a:shade val="80000"/>
+              <a:hueOff val="0"/>
+              <a:satOff val="0"/>
+              <a:lumOff val="0"/>
+              <a:alphaOff val="0"/>
+            </a:schemeClr>
+          </a:fillRef>
+          <a:effectRef idx="0">
+            <a:schemeClr val="accent1">
+              <a:shade val="80000"/>
+              <a:hueOff val="0"/>
+              <a:satOff val="0"/>
+              <a:lumOff val="0"/>
+              <a:alphaOff val="0"/>
+            </a:schemeClr>
+          </a:effectRef>
+          <a:fontRef idx="minor">
+            <a:schemeClr val="lt1"/>
+          </a:fontRef>
+        </p:style>
+      </p:sp>
+      <p:sp>
+        <p:nvSpPr>
+          <p:cNvPr id="242" name="Freeform 241"/>
+          <p:cNvSpPr/>
+          <p:nvPr/>
+        </p:nvSpPr>
+        <p:spPr>
+          <a:xfrm>
+            <a:off x="16696032" y="3415549"/>
+            <a:ext cx="569312" cy="393474"/>
+          </a:xfrm>
+          <a:custGeom>
+            <a:avLst/>
+            <a:gdLst>
+              <a:gd name="connsiteX0" fmla="*/ 0 w 686503"/>
+              <a:gd name="connsiteY0" fmla="*/ 0 h 1131184"/>
+              <a:gd name="connsiteX1" fmla="*/ 686503 w 686503"/>
+              <a:gd name="connsiteY1" fmla="*/ 0 h 1131184"/>
+              <a:gd name="connsiteX2" fmla="*/ 686503 w 686503"/>
+              <a:gd name="connsiteY2" fmla="*/ 1131184 h 1131184"/>
+              <a:gd name="connsiteX3" fmla="*/ 0 w 686503"/>
+              <a:gd name="connsiteY3" fmla="*/ 1131184 h 1131184"/>
+              <a:gd name="connsiteX4" fmla="*/ 0 w 686503"/>
+              <a:gd name="connsiteY4" fmla="*/ 0 h 1131184"/>
+            </a:gdLst>
+            <a:ahLst/>
+            <a:cxnLst>
+              <a:cxn ang="0">
+                <a:pos x="connsiteX0" y="connsiteY0"/>
+              </a:cxn>
+              <a:cxn ang="0">
+                <a:pos x="connsiteX1" y="connsiteY1"/>
+              </a:cxn>
+              <a:cxn ang="0">
+                <a:pos x="connsiteX2" y="connsiteY2"/>
+              </a:cxn>
+              <a:cxn ang="0">
+                <a:pos x="connsiteX3" y="connsiteY3"/>
+              </a:cxn>
+              <a:cxn ang="0">
+                <a:pos x="connsiteX4" y="connsiteY4"/>
+              </a:cxn>
+            </a:cxnLst>
+            <a:rect l="l" t="t" r="r" b="b"/>
+            <a:pathLst>
+              <a:path w="686503" h="1131184">
+                <a:moveTo>
+                  <a:pt x="0" y="0"/>
+                </a:moveTo>
+                <a:lnTo>
+                  <a:pt x="686503" y="0"/>
+                </a:lnTo>
+                <a:lnTo>
+                  <a:pt x="686503" y="1131184"/>
+                </a:lnTo>
+                <a:lnTo>
+                  <a:pt x="0" y="1131184"/>
+                </a:lnTo>
+                <a:lnTo>
+                  <a:pt x="0" y="0"/>
+                </a:lnTo>
+                <a:close/>
+              </a:path>
+            </a:pathLst>
+          </a:custGeom>
+        </p:spPr>
+        <p:style>
+          <a:lnRef idx="0">
+            <a:schemeClr val="dk1">
+              <a:alpha val="0"/>
+              <a:hueOff val="0"/>
+              <a:satOff val="0"/>
+              <a:lumOff val="0"/>
+              <a:alphaOff val="0"/>
+            </a:schemeClr>
+          </a:lnRef>
+          <a:fillRef idx="0">
+            <a:schemeClr val="lt1">
+              <a:alpha val="0"/>
+              <a:hueOff val="0"/>
+              <a:satOff val="0"/>
+              <a:lumOff val="0"/>
+              <a:alphaOff val="0"/>
+            </a:schemeClr>
+          </a:fillRef>
+          <a:effectRef idx="0">
+            <a:schemeClr val="lt1">
+              <a:alpha val="0"/>
+              <a:hueOff val="0"/>
+              <a:satOff val="0"/>
+              <a:lumOff val="0"/>
+              <a:alphaOff val="0"/>
+            </a:schemeClr>
+          </a:effectRef>
+          <a:fontRef idx="minor">
+            <a:schemeClr val="tx1">
+              <a:hueOff val="0"/>
+              <a:satOff val="0"/>
+              <a:lumOff val="0"/>
+              <a:alphaOff val="0"/>
+            </a:schemeClr>
+          </a:fontRef>
+        </p:style>
+        <p:txBody>
+          <a:bodyPr spcFirstLastPara="0" vert="horz" wrap="square" lIns="85344" tIns="85344" rIns="85344" bIns="85344" numCol="1" spcCol="1270" anchor="t" anchorCtr="0">
+            <a:noAutofit/>
+          </a:bodyPr>
+          <a:lstStyle/>
+          <a:p>
+            <a:pPr lvl="0" algn="ctr" defTabSz="533400">
+              <a:lnSpc>
+                <a:spcPct val="90000"/>
+              </a:lnSpc>
+              <a:spcBef>
+                <a:spcPct val="0"/>
+              </a:spcBef>
+              <a:spcAft>
+                <a:spcPct val="35000"/>
+              </a:spcAft>
+            </a:pPr>
+            <a:r>
+              <a:rPr lang="en-US" sz="1600" b="1" dirty="0" smtClean="0">
+                <a:solidFill>
+                  <a:srgbClr val="052B48"/>
+                </a:solidFill>
+              </a:rPr>
+              <a:t>Oct</a:t>
+            </a:r>
+            <a:endParaRPr lang="en-US" sz="1600" b="1" kern="1200" dirty="0">
+              <a:solidFill>
+                <a:srgbClr val="052B48"/>
+              </a:solidFill>
+            </a:endParaRPr>
+          </a:p>
+        </p:txBody>
+      </p:sp>
+      <p:sp>
+        <p:nvSpPr>
+          <p:cNvPr id="243" name="Freeform 242"/>
+          <p:cNvSpPr/>
+          <p:nvPr/>
+        </p:nvSpPr>
+        <p:spPr>
+          <a:xfrm>
+            <a:off x="16352541" y="3957414"/>
+            <a:ext cx="1256679" cy="1312409"/>
+          </a:xfrm>
+          <a:custGeom>
+            <a:avLst/>
+            <a:gdLst>
+              <a:gd name="connsiteX0" fmla="*/ 0 w 907618"/>
+              <a:gd name="connsiteY0" fmla="*/ 0 h 1220540"/>
+              <a:gd name="connsiteX1" fmla="*/ 907618 w 907618"/>
+              <a:gd name="connsiteY1" fmla="*/ 0 h 1220540"/>
+              <a:gd name="connsiteX2" fmla="*/ 907618 w 907618"/>
+              <a:gd name="connsiteY2" fmla="*/ 1220540 h 1220540"/>
+              <a:gd name="connsiteX3" fmla="*/ 0 w 907618"/>
+              <a:gd name="connsiteY3" fmla="*/ 1220540 h 1220540"/>
+              <a:gd name="connsiteX4" fmla="*/ 0 w 907618"/>
+              <a:gd name="connsiteY4" fmla="*/ 0 h 1220540"/>
+            </a:gdLst>
+            <a:ahLst/>
+            <a:cxnLst>
+              <a:cxn ang="0">
+                <a:pos x="connsiteX0" y="connsiteY0"/>
+              </a:cxn>
+              <a:cxn ang="0">
+                <a:pos x="connsiteX1" y="connsiteY1"/>
+              </a:cxn>
+              <a:cxn ang="0">
+                <a:pos x="connsiteX2" y="connsiteY2"/>
+              </a:cxn>
+              <a:cxn ang="0">
+                <a:pos x="connsiteX3" y="connsiteY3"/>
+              </a:cxn>
+              <a:cxn ang="0">
+                <a:pos x="connsiteX4" y="connsiteY4"/>
+              </a:cxn>
+            </a:cxnLst>
+            <a:rect l="l" t="t" r="r" b="b"/>
+            <a:pathLst>
+              <a:path w="907618" h="1220540">
+                <a:moveTo>
+                  <a:pt x="0" y="0"/>
+                </a:moveTo>
+                <a:lnTo>
+                  <a:pt x="907618" y="0"/>
+                </a:lnTo>
+                <a:lnTo>
+                  <a:pt x="907618" y="1220540"/>
+                </a:lnTo>
+                <a:lnTo>
+                  <a:pt x="0" y="1220540"/>
+                </a:lnTo>
+                <a:lnTo>
+                  <a:pt x="0" y="0"/>
+                </a:lnTo>
+                <a:close/>
+              </a:path>
+            </a:pathLst>
+          </a:custGeom>
+        </p:spPr>
+        <p:style>
+          <a:lnRef idx="0">
+            <a:schemeClr val="dk1">
+              <a:alpha val="0"/>
+              <a:hueOff val="0"/>
+              <a:satOff val="0"/>
+              <a:lumOff val="0"/>
+              <a:alphaOff val="0"/>
+            </a:schemeClr>
+          </a:lnRef>
+          <a:fillRef idx="0">
+            <a:schemeClr val="lt1">
+              <a:alpha val="0"/>
+              <a:hueOff val="0"/>
+              <a:satOff val="0"/>
+              <a:lumOff val="0"/>
+              <a:alphaOff val="0"/>
+            </a:schemeClr>
+          </a:fillRef>
+          <a:effectRef idx="0">
+            <a:schemeClr val="lt1">
+              <a:alpha val="0"/>
+              <a:hueOff val="0"/>
+              <a:satOff val="0"/>
+              <a:lumOff val="0"/>
+              <a:alphaOff val="0"/>
+            </a:schemeClr>
+          </a:effectRef>
+          <a:fontRef idx="minor">
+            <a:schemeClr val="tx1">
+              <a:hueOff val="0"/>
+              <a:satOff val="0"/>
+              <a:lumOff val="0"/>
+              <a:alphaOff val="0"/>
+            </a:schemeClr>
+          </a:fontRef>
+        </p:style>
+        <p:txBody>
+          <a:bodyPr spcFirstLastPara="0" vert="horz" wrap="square" lIns="85344" tIns="85344" rIns="85344" bIns="85344" numCol="1" spcCol="1270" anchor="b" anchorCtr="0">
+            <a:noAutofit/>
+          </a:bodyPr>
+          <a:lstStyle/>
+          <a:p>
+            <a:pPr lvl="0" algn="ctr" defTabSz="533400">
+              <a:lnSpc>
+                <a:spcPct val="90000"/>
+              </a:lnSpc>
+              <a:spcBef>
+                <a:spcPct val="0"/>
+              </a:spcBef>
+              <a:spcAft>
+                <a:spcPct val="35000"/>
+              </a:spcAft>
+            </a:pPr>
+            <a:r>
+              <a:rPr lang="en-US" sz="2300" dirty="0" smtClean="0">
+                <a:solidFill>
+                  <a:srgbClr val="052B48"/>
+                </a:solidFill>
+              </a:rPr>
+              <a:t>NIH funds NWB:N</a:t>
+            </a:r>
+            <a:endParaRPr lang="en-US" sz="2300" kern="1200" dirty="0">
+              <a:solidFill>
+                <a:srgbClr val="052B48"/>
+              </a:solidFill>
+            </a:endParaRPr>
+          </a:p>
+        </p:txBody>
+      </p:sp>
+      <p:sp>
+        <p:nvSpPr>
+          <p:cNvPr id="244" name="Left Brace 243"/>
+          <p:cNvSpPr/>
+          <p:nvPr/>
+        </p:nvSpPr>
+        <p:spPr>
+          <a:xfrm rot="16200000">
+            <a:off x="20762747" y="4875981"/>
+            <a:ext cx="351660" cy="1915949"/>
+          </a:xfrm>
+          <a:prstGeom prst="leftBrace">
+            <a:avLst/>
+          </a:prstGeom>
+          <a:ln w="28575" cmpd="sng">
+            <a:solidFill>
+              <a:srgbClr val="800000"/>
+            </a:solidFill>
+          </a:ln>
+          <a:effectLst/>
+        </p:spPr>
+        <p:style>
+          <a:lnRef idx="2">
+            <a:schemeClr val="accent1"/>
+          </a:lnRef>
+          <a:fillRef idx="0">
+            <a:schemeClr val="accent1"/>
+          </a:fillRef>
+          <a:effectRef idx="1">
+            <a:schemeClr val="accent1"/>
+          </a:effectRef>
+          <a:fontRef idx="minor">
+            <a:schemeClr val="tx1"/>
+          </a:fontRef>
+        </p:style>
+        <p:txBody>
+          <a:bodyPr rtlCol="0" anchor="ctr"/>
+          <a:lstStyle/>
+          <a:p>
+            <a:pPr algn="ctr"/>
+            <a:endParaRPr lang="en-US" dirty="0"/>
+          </a:p>
+        </p:txBody>
+      </p:sp>
+      <p:sp>
+        <p:nvSpPr>
+          <p:cNvPr id="78" name="Notched Right Arrow 77"/>
+          <p:cNvSpPr/>
+          <p:nvPr/>
+        </p:nvSpPr>
+        <p:spPr>
+          <a:xfrm>
+            <a:off x="17712650" y="3177229"/>
+            <a:ext cx="4183902" cy="885739"/>
+          </a:xfrm>
+          <a:prstGeom prst="notchedRightArrow">
+            <a:avLst>
+              <a:gd name="adj1" fmla="val 100000"/>
+              <a:gd name="adj2" fmla="val 47999"/>
+            </a:avLst>
+          </a:prstGeom>
+          <a:gradFill flip="none" rotWithShape="1">
+            <a:gsLst>
+              <a:gs pos="61000">
+                <a:schemeClr val="accent1">
+                  <a:lumMod val="75000"/>
+                </a:schemeClr>
+              </a:gs>
+              <a:gs pos="88000">
+                <a:schemeClr val="accent2">
+                  <a:lumMod val="75000"/>
+                </a:schemeClr>
+              </a:gs>
+            </a:gsLst>
+            <a:lin ang="0" scaled="1"/>
+            <a:tileRect/>
+          </a:gradFill>
+          <a:ln>
+            <a:solidFill>
+              <a:srgbClr val="052B48"/>
+            </a:solidFill>
+          </a:ln>
+        </p:spPr>
+        <p:style>
+          <a:lnRef idx="0">
+            <a:schemeClr val="dk1">
+              <a:hueOff val="0"/>
+              <a:satOff val="0"/>
+              <a:lumOff val="0"/>
+              <a:alphaOff val="0"/>
+            </a:schemeClr>
+          </a:lnRef>
+          <a:fillRef idx="1">
+            <a:schemeClr val="accent1">
+              <a:tint val="40000"/>
+              <a:hueOff val="0"/>
+              <a:satOff val="0"/>
+              <a:lumOff val="0"/>
+              <a:alphaOff val="0"/>
+            </a:schemeClr>
+          </a:fillRef>
+          <a:effectRef idx="0">
+            <a:schemeClr val="accent1">
+              <a:tint val="40000"/>
+              <a:hueOff val="0"/>
+              <a:satOff val="0"/>
+              <a:lumOff val="0"/>
+              <a:alphaOff val="0"/>
+            </a:schemeClr>
+          </a:effectRef>
+          <a:fontRef idx="minor">
+            <a:schemeClr val="dk1">
+              <a:hueOff val="0"/>
+              <a:satOff val="0"/>
+              <a:lumOff val="0"/>
+              <a:alphaOff val="0"/>
+            </a:schemeClr>
+          </a:fontRef>
+        </p:style>
+      </p:sp>
+      <p:cxnSp>
+        <p:nvCxnSpPr>
+          <p:cNvPr id="79" name="Straight Connector 78"/>
+          <p:cNvCxnSpPr/>
+          <p:nvPr/>
+        </p:nvCxnSpPr>
+        <p:spPr>
+          <a:xfrm flipV="1">
+            <a:off x="20413055" y="3008209"/>
+            <a:ext cx="0" cy="364353"/>
+          </a:xfrm>
+          <a:prstGeom prst="line">
+            <a:avLst/>
+          </a:prstGeom>
+          <a:ln>
+            <a:solidFill>
+              <a:srgbClr val="052B48"/>
+            </a:solidFill>
+          </a:ln>
+          <a:effectLst/>
+        </p:spPr>
+        <p:style>
+          <a:lnRef idx="2">
+            <a:schemeClr val="accent1"/>
+          </a:lnRef>
+          <a:fillRef idx="0">
+            <a:schemeClr val="accent1"/>
+          </a:fillRef>
+          <a:effectRef idx="1">
+            <a:schemeClr val="accent1"/>
+          </a:effectRef>
+          <a:fontRef idx="minor">
+            <a:schemeClr val="tx1"/>
+          </a:fontRef>
+        </p:style>
+      </p:cxnSp>
+      <p:sp>
+        <p:nvSpPr>
+          <p:cNvPr id="80" name="Oval 79"/>
+          <p:cNvSpPr>
+            <a:spLocks noChangeAspect="1"/>
+          </p:cNvSpPr>
+          <p:nvPr/>
+        </p:nvSpPr>
+        <p:spPr>
+          <a:xfrm>
+            <a:off x="20190266" y="3379234"/>
+            <a:ext cx="445578" cy="445578"/>
+          </a:xfrm>
+          <a:prstGeom prst="ellipse">
+            <a:avLst/>
+          </a:prstGeom>
+          <a:solidFill>
+            <a:schemeClr val="accent1">
+              <a:lumMod val="40000"/>
+              <a:lumOff val="60000"/>
+            </a:schemeClr>
+          </a:solidFill>
+        </p:spPr>
+        <p:style>
+          <a:lnRef idx="2">
+            <a:schemeClr val="lt1">
+              <a:hueOff val="0"/>
+              <a:satOff val="0"/>
+              <a:lumOff val="0"/>
+              <a:alphaOff val="0"/>
+            </a:schemeClr>
+          </a:lnRef>
+          <a:fillRef idx="1">
+            <a:schemeClr val="accent1">
+              <a:shade val="80000"/>
+              <a:hueOff val="0"/>
+              <a:satOff val="0"/>
+              <a:lumOff val="0"/>
+              <a:alphaOff val="0"/>
+            </a:schemeClr>
+          </a:fillRef>
+          <a:effectRef idx="0">
+            <a:schemeClr val="accent1">
+              <a:shade val="80000"/>
+              <a:hueOff val="0"/>
+              <a:satOff val="0"/>
+              <a:lumOff val="0"/>
+              <a:alphaOff val="0"/>
+            </a:schemeClr>
+          </a:effectRef>
+          <a:fontRef idx="minor">
+            <a:schemeClr val="lt1"/>
+          </a:fontRef>
+        </p:style>
+      </p:sp>
+      <p:sp>
+        <p:nvSpPr>
+          <p:cNvPr id="81" name="Freeform 80"/>
+          <p:cNvSpPr/>
+          <p:nvPr/>
+        </p:nvSpPr>
+        <p:spPr>
+          <a:xfrm>
+            <a:off x="20128399" y="3407061"/>
+            <a:ext cx="569312" cy="393474"/>
+          </a:xfrm>
+          <a:custGeom>
+            <a:avLst/>
+            <a:gdLst>
+              <a:gd name="connsiteX0" fmla="*/ 0 w 686503"/>
+              <a:gd name="connsiteY0" fmla="*/ 0 h 1131184"/>
+              <a:gd name="connsiteX1" fmla="*/ 686503 w 686503"/>
+              <a:gd name="connsiteY1" fmla="*/ 0 h 1131184"/>
+              <a:gd name="connsiteX2" fmla="*/ 686503 w 686503"/>
+              <a:gd name="connsiteY2" fmla="*/ 1131184 h 1131184"/>
+              <a:gd name="connsiteX3" fmla="*/ 0 w 686503"/>
+              <a:gd name="connsiteY3" fmla="*/ 1131184 h 1131184"/>
+              <a:gd name="connsiteX4" fmla="*/ 0 w 686503"/>
+              <a:gd name="connsiteY4" fmla="*/ 0 h 1131184"/>
+            </a:gdLst>
+            <a:ahLst/>
+            <a:cxnLst>
+              <a:cxn ang="0">
+                <a:pos x="connsiteX0" y="connsiteY0"/>
+              </a:cxn>
+              <a:cxn ang="0">
+                <a:pos x="connsiteX1" y="connsiteY1"/>
+              </a:cxn>
+              <a:cxn ang="0">
+                <a:pos x="connsiteX2" y="connsiteY2"/>
+              </a:cxn>
+              <a:cxn ang="0">
+                <a:pos x="connsiteX3" y="connsiteY3"/>
+              </a:cxn>
+              <a:cxn ang="0">
+                <a:pos x="connsiteX4" y="connsiteY4"/>
+              </a:cxn>
+            </a:cxnLst>
+            <a:rect l="l" t="t" r="r" b="b"/>
+            <a:pathLst>
+              <a:path w="686503" h="1131184">
+                <a:moveTo>
+                  <a:pt x="0" y="0"/>
+                </a:moveTo>
+                <a:lnTo>
+                  <a:pt x="686503" y="0"/>
+                </a:lnTo>
+                <a:lnTo>
+                  <a:pt x="686503" y="1131184"/>
+                </a:lnTo>
+                <a:lnTo>
+                  <a:pt x="0" y="1131184"/>
+                </a:lnTo>
+                <a:lnTo>
+                  <a:pt x="0" y="0"/>
+                </a:lnTo>
+                <a:close/>
+              </a:path>
+            </a:pathLst>
+          </a:custGeom>
+        </p:spPr>
+        <p:style>
+          <a:lnRef idx="0">
+            <a:schemeClr val="dk1">
+              <a:alpha val="0"/>
+              <a:hueOff val="0"/>
+              <a:satOff val="0"/>
+              <a:lumOff val="0"/>
+              <a:alphaOff val="0"/>
+            </a:schemeClr>
+          </a:lnRef>
+          <a:fillRef idx="0">
+            <a:schemeClr val="lt1">
+              <a:alpha val="0"/>
+              <a:hueOff val="0"/>
+              <a:satOff val="0"/>
+              <a:lumOff val="0"/>
+              <a:alphaOff val="0"/>
+            </a:schemeClr>
+          </a:fillRef>
+          <a:effectRef idx="0">
+            <a:schemeClr val="lt1">
+              <a:alpha val="0"/>
+              <a:hueOff val="0"/>
+              <a:satOff val="0"/>
+              <a:lumOff val="0"/>
+              <a:alphaOff val="0"/>
+            </a:schemeClr>
+          </a:effectRef>
+          <a:fontRef idx="minor">
+            <a:schemeClr val="tx1">
+              <a:hueOff val="0"/>
+              <a:satOff val="0"/>
+              <a:lumOff val="0"/>
+              <a:alphaOff val="0"/>
+            </a:schemeClr>
+          </a:fontRef>
+        </p:style>
+        <p:txBody>
+          <a:bodyPr spcFirstLastPara="0" vert="horz" wrap="square" lIns="85344" tIns="85344" rIns="85344" bIns="85344" numCol="1" spcCol="1270" anchor="t" anchorCtr="0">
+            <a:noAutofit/>
+          </a:bodyPr>
+          <a:lstStyle/>
+          <a:p>
+            <a:pPr lvl="0" algn="ctr" defTabSz="533400">
+              <a:lnSpc>
+                <a:spcPct val="90000"/>
+              </a:lnSpc>
+              <a:spcBef>
+                <a:spcPct val="0"/>
+              </a:spcBef>
+              <a:spcAft>
+                <a:spcPct val="35000"/>
+              </a:spcAft>
+            </a:pPr>
+            <a:r>
+              <a:rPr lang="en-US" sz="1600" b="1" kern="1200" dirty="0" smtClean="0">
+                <a:solidFill>
+                  <a:srgbClr val="052B48"/>
+                </a:solidFill>
+              </a:rPr>
+              <a:t>May</a:t>
+            </a:r>
+            <a:endParaRPr lang="en-US" sz="1600" b="1" kern="1200" dirty="0">
+              <a:solidFill>
+                <a:srgbClr val="052B48"/>
+              </a:solidFill>
+            </a:endParaRPr>
+          </a:p>
+        </p:txBody>
+      </p:sp>
+      <p:cxnSp>
+        <p:nvCxnSpPr>
+          <p:cNvPr id="82" name="Straight Connector 81"/>
+          <p:cNvCxnSpPr/>
+          <p:nvPr/>
+        </p:nvCxnSpPr>
+        <p:spPr>
+          <a:xfrm flipV="1">
+            <a:off x="18948042" y="3843797"/>
+            <a:ext cx="0" cy="364353"/>
+          </a:xfrm>
+          <a:prstGeom prst="line">
+            <a:avLst/>
+          </a:prstGeom>
+          <a:ln>
+            <a:solidFill>
+              <a:srgbClr val="052B48"/>
+            </a:solidFill>
+          </a:ln>
+          <a:effectLst/>
+        </p:spPr>
+        <p:style>
+          <a:lnRef idx="2">
+            <a:schemeClr val="accent1"/>
+          </a:lnRef>
+          <a:fillRef idx="0">
+            <a:schemeClr val="accent1"/>
+          </a:fillRef>
+          <a:effectRef idx="1">
+            <a:schemeClr val="accent1"/>
+          </a:effectRef>
+          <a:fontRef idx="minor">
+            <a:schemeClr val="tx1"/>
+          </a:fontRef>
+        </p:style>
+      </p:cxnSp>
+      <p:sp>
+        <p:nvSpPr>
+          <p:cNvPr id="83" name="Oval 82"/>
+          <p:cNvSpPr>
+            <a:spLocks noChangeAspect="1"/>
+          </p:cNvSpPr>
+          <p:nvPr/>
+        </p:nvSpPr>
+        <p:spPr>
+          <a:xfrm>
+            <a:off x="18739566" y="3381050"/>
+            <a:ext cx="445578" cy="445578"/>
+          </a:xfrm>
+          <a:prstGeom prst="ellipse">
+            <a:avLst/>
+          </a:prstGeom>
+          <a:solidFill>
+            <a:schemeClr val="accent1">
+              <a:lumMod val="40000"/>
+              <a:lumOff val="60000"/>
+            </a:schemeClr>
+          </a:solidFill>
+        </p:spPr>
+        <p:style>
+          <a:lnRef idx="2">
+            <a:schemeClr val="lt1">
+              <a:hueOff val="0"/>
+              <a:satOff val="0"/>
+              <a:lumOff val="0"/>
+              <a:alphaOff val="0"/>
+            </a:schemeClr>
+          </a:lnRef>
+          <a:fillRef idx="1">
+            <a:schemeClr val="accent1">
+              <a:shade val="80000"/>
+              <a:hueOff val="0"/>
+              <a:satOff val="0"/>
+              <a:lumOff val="0"/>
+              <a:alphaOff val="0"/>
+            </a:schemeClr>
+          </a:fillRef>
+          <a:effectRef idx="0">
+            <a:schemeClr val="accent1">
+              <a:shade val="80000"/>
+              <a:hueOff val="0"/>
+              <a:satOff val="0"/>
+              <a:lumOff val="0"/>
+              <a:alphaOff val="0"/>
+            </a:schemeClr>
+          </a:effectRef>
+          <a:fontRef idx="minor">
+            <a:schemeClr val="lt1"/>
+          </a:fontRef>
+        </p:style>
+      </p:sp>
+      <p:sp>
+        <p:nvSpPr>
+          <p:cNvPr id="84" name="Freeform 83"/>
+          <p:cNvSpPr/>
+          <p:nvPr/>
+        </p:nvSpPr>
+        <p:spPr>
+          <a:xfrm>
+            <a:off x="18677699" y="3408877"/>
+            <a:ext cx="569312" cy="393474"/>
+          </a:xfrm>
+          <a:custGeom>
+            <a:avLst/>
+            <a:gdLst>
+              <a:gd name="connsiteX0" fmla="*/ 0 w 686503"/>
+              <a:gd name="connsiteY0" fmla="*/ 0 h 1131184"/>
+              <a:gd name="connsiteX1" fmla="*/ 686503 w 686503"/>
+              <a:gd name="connsiteY1" fmla="*/ 0 h 1131184"/>
+              <a:gd name="connsiteX2" fmla="*/ 686503 w 686503"/>
+              <a:gd name="connsiteY2" fmla="*/ 1131184 h 1131184"/>
+              <a:gd name="connsiteX3" fmla="*/ 0 w 686503"/>
+              <a:gd name="connsiteY3" fmla="*/ 1131184 h 1131184"/>
+              <a:gd name="connsiteX4" fmla="*/ 0 w 686503"/>
+              <a:gd name="connsiteY4" fmla="*/ 0 h 1131184"/>
+            </a:gdLst>
+            <a:ahLst/>
+            <a:cxnLst>
+              <a:cxn ang="0">
+                <a:pos x="connsiteX0" y="connsiteY0"/>
+              </a:cxn>
+              <a:cxn ang="0">
+                <a:pos x="connsiteX1" y="connsiteY1"/>
+              </a:cxn>
+              <a:cxn ang="0">
+                <a:pos x="connsiteX2" y="connsiteY2"/>
+              </a:cxn>
+              <a:cxn ang="0">
+                <a:pos x="connsiteX3" y="connsiteY3"/>
+              </a:cxn>
+              <a:cxn ang="0">
+                <a:pos x="connsiteX4" y="connsiteY4"/>
+              </a:cxn>
+            </a:cxnLst>
+            <a:rect l="l" t="t" r="r" b="b"/>
+            <a:pathLst>
+              <a:path w="686503" h="1131184">
+                <a:moveTo>
+                  <a:pt x="0" y="0"/>
+                </a:moveTo>
+                <a:lnTo>
+                  <a:pt x="686503" y="0"/>
+                </a:lnTo>
+                <a:lnTo>
+                  <a:pt x="686503" y="1131184"/>
+                </a:lnTo>
+                <a:lnTo>
+                  <a:pt x="0" y="1131184"/>
+                </a:lnTo>
+                <a:lnTo>
+                  <a:pt x="0" y="0"/>
+                </a:lnTo>
+                <a:close/>
+              </a:path>
+            </a:pathLst>
+          </a:custGeom>
+        </p:spPr>
+        <p:style>
+          <a:lnRef idx="0">
+            <a:schemeClr val="dk1">
+              <a:alpha val="0"/>
+              <a:hueOff val="0"/>
+              <a:satOff val="0"/>
+              <a:lumOff val="0"/>
+              <a:alphaOff val="0"/>
+            </a:schemeClr>
+          </a:lnRef>
+          <a:fillRef idx="0">
+            <a:schemeClr val="lt1">
+              <a:alpha val="0"/>
+              <a:hueOff val="0"/>
+              <a:satOff val="0"/>
+              <a:lumOff val="0"/>
+              <a:alphaOff val="0"/>
+            </a:schemeClr>
+          </a:fillRef>
+          <a:effectRef idx="0">
+            <a:schemeClr val="lt1">
+              <a:alpha val="0"/>
+              <a:hueOff val="0"/>
+              <a:satOff val="0"/>
+              <a:lumOff val="0"/>
+              <a:alphaOff val="0"/>
+            </a:schemeClr>
+          </a:effectRef>
+          <a:fontRef idx="minor">
+            <a:schemeClr val="tx1">
+              <a:hueOff val="0"/>
+              <a:satOff val="0"/>
+              <a:lumOff val="0"/>
+              <a:alphaOff val="0"/>
+            </a:schemeClr>
+          </a:fontRef>
+        </p:style>
+        <p:txBody>
+          <a:bodyPr spcFirstLastPara="0" vert="horz" wrap="square" lIns="85344" tIns="85344" rIns="85344" bIns="85344" numCol="1" spcCol="1270" anchor="t" anchorCtr="0">
+            <a:noAutofit/>
+          </a:bodyPr>
+          <a:lstStyle/>
+          <a:p>
+            <a:pPr lvl="0" algn="ctr" defTabSz="533400">
+              <a:lnSpc>
+                <a:spcPct val="90000"/>
+              </a:lnSpc>
+              <a:spcBef>
+                <a:spcPct val="0"/>
+              </a:spcBef>
+              <a:spcAft>
+                <a:spcPct val="35000"/>
+              </a:spcAft>
+            </a:pPr>
+            <a:r>
+              <a:rPr lang="en-US" sz="1600" b="1" kern="1200" dirty="0" smtClean="0">
+                <a:solidFill>
+                  <a:srgbClr val="052B48"/>
+                </a:solidFill>
+              </a:rPr>
+              <a:t>Jan</a:t>
+            </a:r>
+            <a:endParaRPr lang="en-US" sz="1600" b="1" kern="1200" dirty="0">
+              <a:solidFill>
+                <a:srgbClr val="052B48"/>
+              </a:solidFill>
+            </a:endParaRPr>
+          </a:p>
+        </p:txBody>
+      </p:sp>
+      <p:sp>
+        <p:nvSpPr>
+          <p:cNvPr id="85" name="Freeform 84"/>
+          <p:cNvSpPr/>
+          <p:nvPr/>
+        </p:nvSpPr>
+        <p:spPr>
+          <a:xfrm>
+            <a:off x="18245810" y="4219071"/>
+            <a:ext cx="1624490" cy="1312409"/>
+          </a:xfrm>
+          <a:custGeom>
+            <a:avLst/>
+            <a:gdLst>
+              <a:gd name="connsiteX0" fmla="*/ 0 w 907618"/>
+              <a:gd name="connsiteY0" fmla="*/ 0 h 1220540"/>
+              <a:gd name="connsiteX1" fmla="*/ 907618 w 907618"/>
+              <a:gd name="connsiteY1" fmla="*/ 0 h 1220540"/>
+              <a:gd name="connsiteX2" fmla="*/ 907618 w 907618"/>
+              <a:gd name="connsiteY2" fmla="*/ 1220540 h 1220540"/>
+              <a:gd name="connsiteX3" fmla="*/ 0 w 907618"/>
+              <a:gd name="connsiteY3" fmla="*/ 1220540 h 1220540"/>
+              <a:gd name="connsiteX4" fmla="*/ 0 w 907618"/>
+              <a:gd name="connsiteY4" fmla="*/ 0 h 1220540"/>
+            </a:gdLst>
+            <a:ahLst/>
+            <a:cxnLst>
+              <a:cxn ang="0">
+                <a:pos x="connsiteX0" y="connsiteY0"/>
+              </a:cxn>
+              <a:cxn ang="0">
+                <a:pos x="connsiteX1" y="connsiteY1"/>
+              </a:cxn>
+              <a:cxn ang="0">
+                <a:pos x="connsiteX2" y="connsiteY2"/>
+              </a:cxn>
+              <a:cxn ang="0">
+                <a:pos x="connsiteX3" y="connsiteY3"/>
+              </a:cxn>
+              <a:cxn ang="0">
+                <a:pos x="connsiteX4" y="connsiteY4"/>
+              </a:cxn>
+            </a:cxnLst>
+            <a:rect l="l" t="t" r="r" b="b"/>
+            <a:pathLst>
+              <a:path w="907618" h="1220540">
+                <a:moveTo>
+                  <a:pt x="0" y="0"/>
+                </a:moveTo>
+                <a:lnTo>
+                  <a:pt x="907618" y="0"/>
+                </a:lnTo>
+                <a:lnTo>
+                  <a:pt x="907618" y="1220540"/>
+                </a:lnTo>
+                <a:lnTo>
+                  <a:pt x="0" y="1220540"/>
+                </a:lnTo>
+                <a:lnTo>
+                  <a:pt x="0" y="0"/>
+                </a:lnTo>
+                <a:close/>
+              </a:path>
+            </a:pathLst>
+          </a:custGeom>
+        </p:spPr>
+        <p:style>
+          <a:lnRef idx="0">
+            <a:schemeClr val="dk1">
+              <a:alpha val="0"/>
+              <a:hueOff val="0"/>
+              <a:satOff val="0"/>
+              <a:lumOff val="0"/>
+              <a:alphaOff val="0"/>
+            </a:schemeClr>
+          </a:lnRef>
+          <a:fillRef idx="0">
+            <a:schemeClr val="lt1">
+              <a:alpha val="0"/>
+              <a:hueOff val="0"/>
+              <a:satOff val="0"/>
+              <a:lumOff val="0"/>
+              <a:alphaOff val="0"/>
+            </a:schemeClr>
+          </a:fillRef>
+          <a:effectRef idx="0">
+            <a:schemeClr val="lt1">
+              <a:alpha val="0"/>
+              <a:hueOff val="0"/>
+              <a:satOff val="0"/>
+              <a:lumOff val="0"/>
+              <a:alphaOff val="0"/>
+            </a:schemeClr>
+          </a:effectRef>
+          <a:fontRef idx="minor">
+            <a:schemeClr val="tx1">
+              <a:hueOff val="0"/>
+              <a:satOff val="0"/>
+              <a:lumOff val="0"/>
+              <a:alphaOff val="0"/>
+            </a:schemeClr>
+          </a:fontRef>
+        </p:style>
+        <p:txBody>
+          <a:bodyPr spcFirstLastPara="0" vert="horz" wrap="square" lIns="85344" tIns="85344" rIns="85344" bIns="85344" numCol="1" spcCol="1270" anchor="b" anchorCtr="0">
+            <a:noAutofit/>
+          </a:bodyPr>
+          <a:lstStyle/>
+          <a:p>
+            <a:pPr lvl="0" algn="ctr" defTabSz="533400">
+              <a:lnSpc>
+                <a:spcPct val="90000"/>
+              </a:lnSpc>
+              <a:spcBef>
+                <a:spcPct val="0"/>
+              </a:spcBef>
+              <a:spcAft>
+                <a:spcPct val="35000"/>
+              </a:spcAft>
+            </a:pPr>
+            <a:r>
+              <a:rPr lang="en-US" sz="2300" dirty="0" smtClean="0">
+                <a:solidFill>
+                  <a:srgbClr val="052B48"/>
+                </a:solidFill>
+              </a:rPr>
+              <a:t>NWB:N 2.0, </a:t>
+            </a:r>
+            <a:r>
+              <a:rPr lang="en-US" sz="2300" dirty="0" err="1" smtClean="0">
+                <a:solidFill>
+                  <a:srgbClr val="052B48"/>
+                </a:solidFill>
+              </a:rPr>
+              <a:t>PyNWB</a:t>
+            </a:r>
+            <a:r>
+              <a:rPr lang="en-US" sz="2300" dirty="0" smtClean="0">
+                <a:solidFill>
+                  <a:srgbClr val="052B48"/>
+                </a:solidFill>
+              </a:rPr>
+              <a:t>, </a:t>
+            </a:r>
+            <a:r>
+              <a:rPr lang="en-US" sz="2300" dirty="0" err="1" smtClean="0">
+                <a:solidFill>
+                  <a:srgbClr val="052B48"/>
+                </a:solidFill>
+              </a:rPr>
+              <a:t>MatNWB</a:t>
+            </a:r>
+            <a:r>
+              <a:rPr lang="en-US" sz="2300" dirty="0">
+                <a:solidFill>
+                  <a:srgbClr val="052B48"/>
+                </a:solidFill>
+              </a:rPr>
+              <a:t> </a:t>
+            </a:r>
+            <a:r>
+              <a:rPr lang="en-US" sz="2300" dirty="0" smtClean="0">
+                <a:solidFill>
+                  <a:srgbClr val="052B48"/>
+                </a:solidFill>
+              </a:rPr>
+              <a:t>release</a:t>
+            </a:r>
+            <a:endParaRPr lang="en-US" sz="2300" kern="1200" dirty="0">
+              <a:solidFill>
+                <a:srgbClr val="052B48"/>
+              </a:solidFill>
+            </a:endParaRPr>
+          </a:p>
+        </p:txBody>
+      </p:sp>
+      <p:sp>
+        <p:nvSpPr>
+          <p:cNvPr id="86" name="Freeform 85"/>
+          <p:cNvSpPr/>
+          <p:nvPr/>
+        </p:nvSpPr>
+        <p:spPr>
+          <a:xfrm>
+            <a:off x="17666070" y="3683178"/>
+            <a:ext cx="1138013" cy="397400"/>
+          </a:xfrm>
+          <a:custGeom>
+            <a:avLst/>
+            <a:gdLst>
+              <a:gd name="connsiteX0" fmla="*/ 0 w 686503"/>
+              <a:gd name="connsiteY0" fmla="*/ 0 h 1131184"/>
+              <a:gd name="connsiteX1" fmla="*/ 686503 w 686503"/>
+              <a:gd name="connsiteY1" fmla="*/ 0 h 1131184"/>
+              <a:gd name="connsiteX2" fmla="*/ 686503 w 686503"/>
+              <a:gd name="connsiteY2" fmla="*/ 1131184 h 1131184"/>
+              <a:gd name="connsiteX3" fmla="*/ 0 w 686503"/>
+              <a:gd name="connsiteY3" fmla="*/ 1131184 h 1131184"/>
+              <a:gd name="connsiteX4" fmla="*/ 0 w 686503"/>
+              <a:gd name="connsiteY4" fmla="*/ 0 h 1131184"/>
+            </a:gdLst>
+            <a:ahLst/>
+            <a:cxnLst>
+              <a:cxn ang="0">
+                <a:pos x="connsiteX0" y="connsiteY0"/>
+              </a:cxn>
+              <a:cxn ang="0">
+                <a:pos x="connsiteX1" y="connsiteY1"/>
+              </a:cxn>
+              <a:cxn ang="0">
+                <a:pos x="connsiteX2" y="connsiteY2"/>
+              </a:cxn>
+              <a:cxn ang="0">
+                <a:pos x="connsiteX3" y="connsiteY3"/>
+              </a:cxn>
+              <a:cxn ang="0">
+                <a:pos x="connsiteX4" y="connsiteY4"/>
+              </a:cxn>
+            </a:cxnLst>
+            <a:rect l="l" t="t" r="r" b="b"/>
+            <a:pathLst>
+              <a:path w="686503" h="1131184">
+                <a:moveTo>
+                  <a:pt x="0" y="0"/>
+                </a:moveTo>
+                <a:lnTo>
+                  <a:pt x="686503" y="0"/>
+                </a:lnTo>
+                <a:lnTo>
+                  <a:pt x="686503" y="1131184"/>
+                </a:lnTo>
+                <a:lnTo>
+                  <a:pt x="0" y="1131184"/>
+                </a:lnTo>
+                <a:lnTo>
+                  <a:pt x="0" y="0"/>
+                </a:lnTo>
+                <a:close/>
+              </a:path>
+            </a:pathLst>
+          </a:custGeom>
+        </p:spPr>
+        <p:style>
+          <a:lnRef idx="0">
+            <a:schemeClr val="dk1">
+              <a:alpha val="0"/>
+              <a:hueOff val="0"/>
+              <a:satOff val="0"/>
+              <a:lumOff val="0"/>
+              <a:alphaOff val="0"/>
+            </a:schemeClr>
+          </a:lnRef>
+          <a:fillRef idx="0">
+            <a:schemeClr val="lt1">
+              <a:alpha val="0"/>
+              <a:hueOff val="0"/>
+              <a:satOff val="0"/>
+              <a:lumOff val="0"/>
+              <a:alphaOff val="0"/>
+            </a:schemeClr>
+          </a:fillRef>
+          <a:effectRef idx="0">
+            <a:schemeClr val="lt1">
+              <a:alpha val="0"/>
+              <a:hueOff val="0"/>
+              <a:satOff val="0"/>
+              <a:lumOff val="0"/>
+              <a:alphaOff val="0"/>
+            </a:schemeClr>
+          </a:effectRef>
+          <a:fontRef idx="minor">
+            <a:schemeClr val="tx1">
+              <a:hueOff val="0"/>
+              <a:satOff val="0"/>
+              <a:lumOff val="0"/>
+              <a:alphaOff val="0"/>
+            </a:schemeClr>
+          </a:fontRef>
+        </p:style>
+        <p:txBody>
+          <a:bodyPr spcFirstLastPara="0" vert="horz" wrap="square" lIns="85344" tIns="85344" rIns="85344" bIns="85344" numCol="1" spcCol="1270" anchor="t" anchorCtr="0">
+            <a:noAutofit/>
+          </a:bodyPr>
+          <a:lstStyle/>
+          <a:p>
+            <a:pPr lvl="0" algn="ctr" defTabSz="533400">
+              <a:lnSpc>
+                <a:spcPct val="90000"/>
+              </a:lnSpc>
+              <a:spcBef>
+                <a:spcPct val="0"/>
+              </a:spcBef>
+              <a:spcAft>
+                <a:spcPct val="35000"/>
+              </a:spcAft>
+            </a:pPr>
+            <a:r>
+              <a:rPr lang="en-US" sz="2200" b="1" i="0" u="none" kern="1200" dirty="0" smtClean="0">
+                <a:solidFill>
+                  <a:srgbClr val="052B48"/>
+                </a:solidFill>
+              </a:rPr>
+              <a:t>2019</a:t>
+            </a:r>
+            <a:endParaRPr lang="en-US" sz="2200" b="1" kern="1200" dirty="0">
+              <a:solidFill>
+                <a:srgbClr val="052B48"/>
+              </a:solidFill>
+            </a:endParaRPr>
+          </a:p>
+        </p:txBody>
+      </p:sp>
+      <p:sp>
+        <p:nvSpPr>
+          <p:cNvPr id="87" name="Freeform 86"/>
+          <p:cNvSpPr/>
+          <p:nvPr/>
+        </p:nvSpPr>
+        <p:spPr>
+          <a:xfrm>
+            <a:off x="19316520" y="1693460"/>
+            <a:ext cx="2216607" cy="1312409"/>
+          </a:xfrm>
+          <a:custGeom>
+            <a:avLst/>
+            <a:gdLst>
+              <a:gd name="connsiteX0" fmla="*/ 0 w 907618"/>
+              <a:gd name="connsiteY0" fmla="*/ 0 h 1220540"/>
+              <a:gd name="connsiteX1" fmla="*/ 907618 w 907618"/>
+              <a:gd name="connsiteY1" fmla="*/ 0 h 1220540"/>
+              <a:gd name="connsiteX2" fmla="*/ 907618 w 907618"/>
+              <a:gd name="connsiteY2" fmla="*/ 1220540 h 1220540"/>
+              <a:gd name="connsiteX3" fmla="*/ 0 w 907618"/>
+              <a:gd name="connsiteY3" fmla="*/ 1220540 h 1220540"/>
+              <a:gd name="connsiteX4" fmla="*/ 0 w 907618"/>
+              <a:gd name="connsiteY4" fmla="*/ 0 h 1220540"/>
+            </a:gdLst>
+            <a:ahLst/>
+            <a:cxnLst>
+              <a:cxn ang="0">
+                <a:pos x="connsiteX0" y="connsiteY0"/>
+              </a:cxn>
+              <a:cxn ang="0">
+                <a:pos x="connsiteX1" y="connsiteY1"/>
+              </a:cxn>
+              <a:cxn ang="0">
+                <a:pos x="connsiteX2" y="connsiteY2"/>
+              </a:cxn>
+              <a:cxn ang="0">
+                <a:pos x="connsiteX3" y="connsiteY3"/>
+              </a:cxn>
+              <a:cxn ang="0">
+                <a:pos x="connsiteX4" y="connsiteY4"/>
+              </a:cxn>
+            </a:cxnLst>
+            <a:rect l="l" t="t" r="r" b="b"/>
+            <a:pathLst>
+              <a:path w="907618" h="1220540">
+                <a:moveTo>
+                  <a:pt x="0" y="0"/>
+                </a:moveTo>
+                <a:lnTo>
+                  <a:pt x="907618" y="0"/>
+                </a:lnTo>
+                <a:lnTo>
+                  <a:pt x="907618" y="1220540"/>
+                </a:lnTo>
+                <a:lnTo>
+                  <a:pt x="0" y="1220540"/>
+                </a:lnTo>
+                <a:lnTo>
+                  <a:pt x="0" y="0"/>
+                </a:lnTo>
+                <a:close/>
+              </a:path>
+            </a:pathLst>
+          </a:custGeom>
+        </p:spPr>
+        <p:style>
+          <a:lnRef idx="0">
+            <a:schemeClr val="dk1">
+              <a:alpha val="0"/>
+              <a:hueOff val="0"/>
+              <a:satOff val="0"/>
+              <a:lumOff val="0"/>
+              <a:alphaOff val="0"/>
+            </a:schemeClr>
+          </a:lnRef>
+          <a:fillRef idx="0">
+            <a:schemeClr val="lt1">
+              <a:alpha val="0"/>
+              <a:hueOff val="0"/>
+              <a:satOff val="0"/>
+              <a:lumOff val="0"/>
+              <a:alphaOff val="0"/>
+            </a:schemeClr>
+          </a:fillRef>
+          <a:effectRef idx="0">
+            <a:schemeClr val="lt1">
+              <a:alpha val="0"/>
+              <a:hueOff val="0"/>
+              <a:satOff val="0"/>
+              <a:lumOff val="0"/>
+              <a:alphaOff val="0"/>
+            </a:schemeClr>
+          </a:effectRef>
+          <a:fontRef idx="minor">
+            <a:schemeClr val="tx1">
+              <a:hueOff val="0"/>
+              <a:satOff val="0"/>
+              <a:lumOff val="0"/>
+              <a:alphaOff val="0"/>
+            </a:schemeClr>
+          </a:fontRef>
+        </p:style>
+        <p:txBody>
+          <a:bodyPr spcFirstLastPara="0" vert="horz" wrap="square" lIns="85344" tIns="85344" rIns="85344" bIns="85344" numCol="1" spcCol="1270" anchor="b" anchorCtr="0">
+            <a:noAutofit/>
+          </a:bodyPr>
+          <a:lstStyle/>
+          <a:p>
+            <a:pPr lvl="0" algn="ctr" defTabSz="533400">
+              <a:lnSpc>
+                <a:spcPct val="90000"/>
+              </a:lnSpc>
+              <a:spcBef>
+                <a:spcPct val="0"/>
+              </a:spcBef>
+              <a:spcAft>
+                <a:spcPct val="35000"/>
+              </a:spcAft>
+            </a:pPr>
+            <a:r>
+              <a:rPr lang="en-US" sz="2300" dirty="0" smtClean="0">
+                <a:solidFill>
+                  <a:srgbClr val="052B48"/>
+                </a:solidFill>
+              </a:rPr>
+              <a:t>NWB:NM User Days and Develo</a:t>
+            </a:r>
+            <a:r>
+              <a:rPr lang="en-US" sz="2300" dirty="0" smtClean="0">
+                <a:solidFill>
+                  <a:srgbClr val="052B48"/>
+                </a:solidFill>
+              </a:rPr>
+              <a:t>per </a:t>
+            </a:r>
+            <a:r>
+              <a:rPr lang="en-US" sz="2300" dirty="0" err="1" smtClean="0">
+                <a:solidFill>
+                  <a:srgbClr val="052B48"/>
+                </a:solidFill>
+              </a:rPr>
+              <a:t>Hackathon</a:t>
+            </a:r>
+            <a:endParaRPr lang="en-US" sz="2300" kern="1200" dirty="0">
+              <a:solidFill>
+                <a:srgbClr val="052B48"/>
+              </a:solidFill>
+            </a:endParaRPr>
+          </a:p>
+        </p:txBody>
+      </p:sp>
+      <p:sp>
+        <p:nvSpPr>
+          <p:cNvPr id="88" name="Freeform 87"/>
+          <p:cNvSpPr/>
+          <p:nvPr/>
+        </p:nvSpPr>
+        <p:spPr>
+          <a:xfrm>
+            <a:off x="19980601" y="5900296"/>
+            <a:ext cx="1915951" cy="462552"/>
+          </a:xfrm>
+          <a:custGeom>
+            <a:avLst/>
+            <a:gdLst>
+              <a:gd name="connsiteX0" fmla="*/ 0 w 907618"/>
+              <a:gd name="connsiteY0" fmla="*/ 0 h 1220540"/>
+              <a:gd name="connsiteX1" fmla="*/ 907618 w 907618"/>
+              <a:gd name="connsiteY1" fmla="*/ 0 h 1220540"/>
+              <a:gd name="connsiteX2" fmla="*/ 907618 w 907618"/>
+              <a:gd name="connsiteY2" fmla="*/ 1220540 h 1220540"/>
+              <a:gd name="connsiteX3" fmla="*/ 0 w 907618"/>
+              <a:gd name="connsiteY3" fmla="*/ 1220540 h 1220540"/>
+              <a:gd name="connsiteX4" fmla="*/ 0 w 907618"/>
+              <a:gd name="connsiteY4" fmla="*/ 0 h 1220540"/>
+            </a:gdLst>
+            <a:ahLst/>
+            <a:cxnLst>
+              <a:cxn ang="0">
+                <a:pos x="connsiteX0" y="connsiteY0"/>
+              </a:cxn>
+              <a:cxn ang="0">
+                <a:pos x="connsiteX1" y="connsiteY1"/>
+              </a:cxn>
+              <a:cxn ang="0">
+                <a:pos x="connsiteX2" y="connsiteY2"/>
+              </a:cxn>
+              <a:cxn ang="0">
+                <a:pos x="connsiteX3" y="connsiteY3"/>
+              </a:cxn>
+              <a:cxn ang="0">
+                <a:pos x="connsiteX4" y="connsiteY4"/>
+              </a:cxn>
+            </a:cxnLst>
+            <a:rect l="l" t="t" r="r" b="b"/>
+            <a:pathLst>
+              <a:path w="907618" h="1220540">
+                <a:moveTo>
+                  <a:pt x="0" y="0"/>
+                </a:moveTo>
+                <a:lnTo>
+                  <a:pt x="907618" y="0"/>
+                </a:lnTo>
+                <a:lnTo>
+                  <a:pt x="907618" y="1220540"/>
+                </a:lnTo>
+                <a:lnTo>
+                  <a:pt x="0" y="1220540"/>
+                </a:lnTo>
+                <a:lnTo>
+                  <a:pt x="0" y="0"/>
+                </a:lnTo>
+                <a:close/>
+              </a:path>
+            </a:pathLst>
+          </a:custGeom>
+        </p:spPr>
+        <p:style>
+          <a:lnRef idx="0">
+            <a:schemeClr val="dk1">
+              <a:alpha val="0"/>
+              <a:hueOff val="0"/>
+              <a:satOff val="0"/>
+              <a:lumOff val="0"/>
+              <a:alphaOff val="0"/>
+            </a:schemeClr>
+          </a:lnRef>
+          <a:fillRef idx="0">
+            <a:schemeClr val="lt1">
+              <a:alpha val="0"/>
+              <a:hueOff val="0"/>
+              <a:satOff val="0"/>
+              <a:lumOff val="0"/>
+              <a:alphaOff val="0"/>
+            </a:schemeClr>
+          </a:fillRef>
+          <a:effectRef idx="0">
+            <a:schemeClr val="lt1">
+              <a:alpha val="0"/>
+              <a:hueOff val="0"/>
+              <a:satOff val="0"/>
+              <a:lumOff val="0"/>
+              <a:alphaOff val="0"/>
+            </a:schemeClr>
+          </a:effectRef>
+          <a:fontRef idx="minor">
+            <a:schemeClr val="tx1">
+              <a:hueOff val="0"/>
+              <a:satOff val="0"/>
+              <a:lumOff val="0"/>
+              <a:alphaOff val="0"/>
+            </a:schemeClr>
+          </a:fontRef>
+        </p:style>
+        <p:txBody>
+          <a:bodyPr spcFirstLastPara="0" vert="horz" wrap="square" lIns="85344" tIns="85344" rIns="85344" bIns="85344" numCol="1" spcCol="1270" anchor="b" anchorCtr="0">
+            <a:noAutofit/>
+          </a:bodyPr>
+          <a:lstStyle/>
+          <a:p>
+            <a:pPr lvl="0" algn="ctr" defTabSz="533400">
+              <a:lnSpc>
+                <a:spcPct val="90000"/>
+              </a:lnSpc>
+              <a:spcBef>
+                <a:spcPct val="0"/>
+              </a:spcBef>
+              <a:spcAft>
+                <a:spcPct val="35000"/>
+              </a:spcAft>
+            </a:pPr>
+            <a:r>
+              <a:rPr lang="en-US" sz="2200" b="1" kern="1200" dirty="0" smtClean="0">
+                <a:solidFill>
+                  <a:schemeClr val="accent2">
+                    <a:lumMod val="75000"/>
+                  </a:schemeClr>
+                </a:solidFill>
+              </a:rPr>
+              <a:t>NWB:N 2</a:t>
+            </a:r>
+            <a:r>
+              <a:rPr lang="en-US" sz="2200" b="1" kern="1200" dirty="0" smtClean="0">
+                <a:solidFill>
+                  <a:schemeClr val="accent2">
+                    <a:lumMod val="75000"/>
+                  </a:schemeClr>
+                </a:solidFill>
+              </a:rPr>
+              <a:t>.x</a:t>
+            </a:r>
+            <a:endParaRPr lang="en-US" sz="2200" b="1" kern="1200" dirty="0">
+              <a:solidFill>
+                <a:schemeClr val="accent2">
+                  <a:lumMod val="75000"/>
+                </a:schemeClr>
+              </a:solidFill>
+            </a:endParaRPr>
+          </a:p>
+        </p:txBody>
+      </p:sp>
+    </p:spTree>
+    <p:extLst>
+      <p:ext uri="{BB962C8B-B14F-4D97-AF65-F5344CB8AC3E}">
+        <p14:creationId xmlns:p14="http://schemas.microsoft.com/office/powerpoint/2010/main" val="3424372807"/>
+      </p:ext>
+    </p:extLst>
+  </p:cSld>
+  <p:clrMapOvr>
+    <a:masterClrMapping/>
+  </p:clrMapOvr>
+</p:sld>
+</file>
+
+<file path=ppt/slides/slide2.xml><?xml version="1.0" encoding="utf-8"?>
+<p:sld xmlns:a="http://schemas.openxmlformats.org/drawingml/2006/main" xmlns:r="http://schemas.openxmlformats.org/officeDocument/2006/relationships" xmlns:p="http://schemas.openxmlformats.org/presentationml/2006/main">
+  <p:cSld>
+    <p:spTree>
+      <p:nvGrpSpPr>
+        <p:cNvPr id="1" name=""/>
+        <p:cNvGrpSpPr/>
+        <p:nvPr/>
+      </p:nvGrpSpPr>
+      <p:grpSpPr>
+        <a:xfrm>
+          <a:off x="0" y="0"/>
+          <a:ext cx="0" cy="0"/>
+          <a:chOff x="0" y="0"/>
+          <a:chExt cx="0" cy="0"/>
+        </a:xfrm>
+      </p:grpSpPr>
+      <p:sp>
+        <p:nvSpPr>
+          <p:cNvPr id="170" name="Notched Right Arrow 169"/>
+          <p:cNvSpPr/>
+          <p:nvPr/>
+        </p:nvSpPr>
+        <p:spPr>
+          <a:xfrm>
+            <a:off x="1015565" y="3179296"/>
+            <a:ext cx="2055427" cy="885739"/>
+          </a:xfrm>
+          <a:prstGeom prst="notchedRightArrow">
+            <a:avLst>
+              <a:gd name="adj1" fmla="val 100000"/>
+              <a:gd name="adj2" fmla="val 47999"/>
+            </a:avLst>
+          </a:prstGeom>
+          <a:solidFill>
+            <a:schemeClr val="bg1">
+              <a:lumMod val="85000"/>
+            </a:schemeClr>
+          </a:solidFill>
+          <a:ln>
+            <a:solidFill>
+              <a:srgbClr val="052B48"/>
+            </a:solidFill>
+          </a:ln>
+        </p:spPr>
+        <p:style>
+          <a:lnRef idx="0">
+            <a:schemeClr val="dk1">
+              <a:hueOff val="0"/>
+              <a:satOff val="0"/>
+              <a:lumOff val="0"/>
+              <a:alphaOff val="0"/>
+            </a:schemeClr>
+          </a:lnRef>
+          <a:fillRef idx="1">
+            <a:schemeClr val="accent1">
+              <a:tint val="40000"/>
+              <a:hueOff val="0"/>
+              <a:satOff val="0"/>
+              <a:lumOff val="0"/>
+              <a:alphaOff val="0"/>
+            </a:schemeClr>
+          </a:fillRef>
+          <a:effectRef idx="0">
+            <a:schemeClr val="accent1">
+              <a:tint val="40000"/>
+              <a:hueOff val="0"/>
+              <a:satOff val="0"/>
+              <a:lumOff val="0"/>
+              <a:alphaOff val="0"/>
+            </a:schemeClr>
+          </a:effectRef>
+          <a:fontRef idx="minor">
+            <a:schemeClr val="dk1">
+              <a:hueOff val="0"/>
+              <a:satOff val="0"/>
+              <a:lumOff val="0"/>
+              <a:alphaOff val="0"/>
+            </a:schemeClr>
+          </a:fontRef>
+        </p:style>
+      </p:sp>
+      <p:sp>
+        <p:nvSpPr>
+          <p:cNvPr id="171" name="Oval 170"/>
+          <p:cNvSpPr>
+            <a:spLocks noChangeAspect="1"/>
+          </p:cNvSpPr>
+          <p:nvPr/>
+        </p:nvSpPr>
+        <p:spPr>
+          <a:xfrm>
+            <a:off x="1908244" y="3397696"/>
+            <a:ext cx="445578" cy="445578"/>
+          </a:xfrm>
+          <a:prstGeom prst="ellipse">
+            <a:avLst/>
+          </a:prstGeom>
+          <a:solidFill>
+            <a:srgbClr val="052B48"/>
+          </a:solidFill>
+        </p:spPr>
+        <p:style>
+          <a:lnRef idx="2">
+            <a:schemeClr val="lt1">
+              <a:hueOff val="0"/>
+              <a:satOff val="0"/>
+              <a:lumOff val="0"/>
+              <a:alphaOff val="0"/>
+            </a:schemeClr>
+          </a:lnRef>
+          <a:fillRef idx="1">
+            <a:schemeClr val="accent1">
+              <a:shade val="80000"/>
+              <a:hueOff val="0"/>
+              <a:satOff val="0"/>
+              <a:lumOff val="0"/>
+              <a:alphaOff val="0"/>
+            </a:schemeClr>
+          </a:fillRef>
+          <a:effectRef idx="0">
+            <a:schemeClr val="accent1">
+              <a:shade val="80000"/>
+              <a:hueOff val="0"/>
+              <a:satOff val="0"/>
+              <a:lumOff val="0"/>
+              <a:alphaOff val="0"/>
+            </a:schemeClr>
+          </a:effectRef>
+          <a:fontRef idx="minor">
+            <a:schemeClr val="lt1"/>
+          </a:fontRef>
+        </p:style>
+      </p:sp>
+      <p:cxnSp>
+        <p:nvCxnSpPr>
+          <p:cNvPr id="172" name="Straight Connector 171"/>
+          <p:cNvCxnSpPr/>
+          <p:nvPr/>
+        </p:nvCxnSpPr>
+        <p:spPr>
+          <a:xfrm flipV="1">
+            <a:off x="2139110" y="3847277"/>
+            <a:ext cx="0" cy="350841"/>
+          </a:xfrm>
+          <a:prstGeom prst="line">
+            <a:avLst/>
+          </a:prstGeom>
+          <a:ln>
+            <a:solidFill>
+              <a:srgbClr val="052B48"/>
+            </a:solidFill>
+          </a:ln>
+          <a:effectLst/>
+        </p:spPr>
+        <p:style>
+          <a:lnRef idx="2">
+            <a:schemeClr val="accent1"/>
+          </a:lnRef>
+          <a:fillRef idx="0">
+            <a:schemeClr val="accent1"/>
+          </a:fillRef>
+          <a:effectRef idx="1">
+            <a:schemeClr val="accent1"/>
+          </a:effectRef>
+          <a:fontRef idx="minor">
+            <a:schemeClr val="tx1"/>
+          </a:fontRef>
+        </p:style>
+      </p:cxnSp>
+      <p:sp>
+        <p:nvSpPr>
+          <p:cNvPr id="173" name="Freeform 172"/>
+          <p:cNvSpPr/>
+          <p:nvPr/>
+        </p:nvSpPr>
+        <p:spPr>
+          <a:xfrm>
+            <a:off x="977329" y="3677243"/>
+            <a:ext cx="1138013" cy="397400"/>
+          </a:xfrm>
+          <a:custGeom>
+            <a:avLst/>
+            <a:gdLst>
+              <a:gd name="connsiteX0" fmla="*/ 0 w 686503"/>
+              <a:gd name="connsiteY0" fmla="*/ 0 h 1131184"/>
+              <a:gd name="connsiteX1" fmla="*/ 686503 w 686503"/>
+              <a:gd name="connsiteY1" fmla="*/ 0 h 1131184"/>
+              <a:gd name="connsiteX2" fmla="*/ 686503 w 686503"/>
+              <a:gd name="connsiteY2" fmla="*/ 1131184 h 1131184"/>
+              <a:gd name="connsiteX3" fmla="*/ 0 w 686503"/>
+              <a:gd name="connsiteY3" fmla="*/ 1131184 h 1131184"/>
+              <a:gd name="connsiteX4" fmla="*/ 0 w 686503"/>
+              <a:gd name="connsiteY4" fmla="*/ 0 h 1131184"/>
+            </a:gdLst>
+            <a:ahLst/>
+            <a:cxnLst>
+              <a:cxn ang="0">
+                <a:pos x="connsiteX0" y="connsiteY0"/>
+              </a:cxn>
+              <a:cxn ang="0">
+                <a:pos x="connsiteX1" y="connsiteY1"/>
+              </a:cxn>
+              <a:cxn ang="0">
+                <a:pos x="connsiteX2" y="connsiteY2"/>
+              </a:cxn>
+              <a:cxn ang="0">
+                <a:pos x="connsiteX3" y="connsiteY3"/>
+              </a:cxn>
+              <a:cxn ang="0">
+                <a:pos x="connsiteX4" y="connsiteY4"/>
+              </a:cxn>
+            </a:cxnLst>
+            <a:rect l="l" t="t" r="r" b="b"/>
+            <a:pathLst>
+              <a:path w="686503" h="1131184">
+                <a:moveTo>
+                  <a:pt x="0" y="0"/>
+                </a:moveTo>
+                <a:lnTo>
+                  <a:pt x="686503" y="0"/>
+                </a:lnTo>
+                <a:lnTo>
+                  <a:pt x="686503" y="1131184"/>
+                </a:lnTo>
+                <a:lnTo>
+                  <a:pt x="0" y="1131184"/>
+                </a:lnTo>
+                <a:lnTo>
+                  <a:pt x="0" y="0"/>
+                </a:lnTo>
+                <a:close/>
+              </a:path>
+            </a:pathLst>
+          </a:custGeom>
+        </p:spPr>
+        <p:style>
+          <a:lnRef idx="0">
+            <a:schemeClr val="dk1">
+              <a:alpha val="0"/>
+              <a:hueOff val="0"/>
+              <a:satOff val="0"/>
+              <a:lumOff val="0"/>
+              <a:alphaOff val="0"/>
+            </a:schemeClr>
+          </a:lnRef>
+          <a:fillRef idx="0">
+            <a:schemeClr val="lt1">
+              <a:alpha val="0"/>
+              <a:hueOff val="0"/>
+              <a:satOff val="0"/>
+              <a:lumOff val="0"/>
+              <a:alphaOff val="0"/>
+            </a:schemeClr>
+          </a:fillRef>
+          <a:effectRef idx="0">
+            <a:schemeClr val="lt1">
+              <a:alpha val="0"/>
+              <a:hueOff val="0"/>
+              <a:satOff val="0"/>
+              <a:lumOff val="0"/>
+              <a:alphaOff val="0"/>
+            </a:schemeClr>
+          </a:effectRef>
+          <a:fontRef idx="minor">
+            <a:schemeClr val="tx1">
+              <a:hueOff val="0"/>
+              <a:satOff val="0"/>
+              <a:lumOff val="0"/>
+              <a:alphaOff val="0"/>
+            </a:schemeClr>
+          </a:fontRef>
+        </p:style>
+        <p:txBody>
+          <a:bodyPr spcFirstLastPara="0" vert="horz" wrap="square" lIns="85344" tIns="85344" rIns="85344" bIns="85344" numCol="1" spcCol="1270" anchor="t" anchorCtr="0">
+            <a:noAutofit/>
+          </a:bodyPr>
+          <a:lstStyle/>
+          <a:p>
+            <a:pPr lvl="0" algn="ctr" defTabSz="533400">
+              <a:lnSpc>
+                <a:spcPct val="90000"/>
+              </a:lnSpc>
+              <a:spcBef>
+                <a:spcPct val="0"/>
+              </a:spcBef>
+              <a:spcAft>
+                <a:spcPct val="35000"/>
+              </a:spcAft>
+            </a:pPr>
+            <a:r>
+              <a:rPr lang="en-US" sz="2200" b="1" i="0" u="none" kern="1200" dirty="0" smtClean="0">
+                <a:solidFill>
+                  <a:srgbClr val="052B48"/>
+                </a:solidFill>
+              </a:rPr>
+              <a:t>2014</a:t>
+            </a:r>
+            <a:endParaRPr lang="en-US" sz="2200" b="1" kern="1200" dirty="0">
+              <a:solidFill>
+                <a:srgbClr val="052B48"/>
+              </a:solidFill>
+            </a:endParaRPr>
+          </a:p>
+        </p:txBody>
+      </p:sp>
+      <p:sp>
+        <p:nvSpPr>
+          <p:cNvPr id="174" name="Freeform 173"/>
+          <p:cNvSpPr/>
+          <p:nvPr/>
+        </p:nvSpPr>
+        <p:spPr>
+          <a:xfrm>
+            <a:off x="1850199" y="3422712"/>
+            <a:ext cx="569312" cy="393474"/>
+          </a:xfrm>
+          <a:custGeom>
+            <a:avLst/>
+            <a:gdLst>
+              <a:gd name="connsiteX0" fmla="*/ 0 w 686503"/>
+              <a:gd name="connsiteY0" fmla="*/ 0 h 1131184"/>
+              <a:gd name="connsiteX1" fmla="*/ 686503 w 686503"/>
+              <a:gd name="connsiteY1" fmla="*/ 0 h 1131184"/>
+              <a:gd name="connsiteX2" fmla="*/ 686503 w 686503"/>
+              <a:gd name="connsiteY2" fmla="*/ 1131184 h 1131184"/>
+              <a:gd name="connsiteX3" fmla="*/ 0 w 686503"/>
+              <a:gd name="connsiteY3" fmla="*/ 1131184 h 1131184"/>
+              <a:gd name="connsiteX4" fmla="*/ 0 w 686503"/>
+              <a:gd name="connsiteY4" fmla="*/ 0 h 1131184"/>
+            </a:gdLst>
+            <a:ahLst/>
+            <a:cxnLst>
+              <a:cxn ang="0">
+                <a:pos x="connsiteX0" y="connsiteY0"/>
+              </a:cxn>
+              <a:cxn ang="0">
+                <a:pos x="connsiteX1" y="connsiteY1"/>
+              </a:cxn>
+              <a:cxn ang="0">
+                <a:pos x="connsiteX2" y="connsiteY2"/>
+              </a:cxn>
+              <a:cxn ang="0">
+                <a:pos x="connsiteX3" y="connsiteY3"/>
+              </a:cxn>
+              <a:cxn ang="0">
+                <a:pos x="connsiteX4" y="connsiteY4"/>
+              </a:cxn>
+            </a:cxnLst>
+            <a:rect l="l" t="t" r="r" b="b"/>
+            <a:pathLst>
+              <a:path w="686503" h="1131184">
+                <a:moveTo>
+                  <a:pt x="0" y="0"/>
+                </a:moveTo>
+                <a:lnTo>
+                  <a:pt x="686503" y="0"/>
+                </a:lnTo>
+                <a:lnTo>
+                  <a:pt x="686503" y="1131184"/>
+                </a:lnTo>
+                <a:lnTo>
+                  <a:pt x="0" y="1131184"/>
+                </a:lnTo>
+                <a:lnTo>
+                  <a:pt x="0" y="0"/>
+                </a:lnTo>
+                <a:close/>
+              </a:path>
+            </a:pathLst>
+          </a:custGeom>
+        </p:spPr>
+        <p:style>
+          <a:lnRef idx="0">
+            <a:schemeClr val="dk1">
+              <a:alpha val="0"/>
+              <a:hueOff val="0"/>
+              <a:satOff val="0"/>
+              <a:lumOff val="0"/>
+              <a:alphaOff val="0"/>
+            </a:schemeClr>
+          </a:lnRef>
+          <a:fillRef idx="0">
+            <a:schemeClr val="lt1">
+              <a:alpha val="0"/>
+              <a:hueOff val="0"/>
+              <a:satOff val="0"/>
+              <a:lumOff val="0"/>
+              <a:alphaOff val="0"/>
+            </a:schemeClr>
+          </a:fillRef>
+          <a:effectRef idx="0">
+            <a:schemeClr val="lt1">
+              <a:alpha val="0"/>
+              <a:hueOff val="0"/>
+              <a:satOff val="0"/>
+              <a:lumOff val="0"/>
+              <a:alphaOff val="0"/>
+            </a:schemeClr>
+          </a:effectRef>
+          <a:fontRef idx="minor">
+            <a:schemeClr val="tx1">
+              <a:hueOff val="0"/>
+              <a:satOff val="0"/>
+              <a:lumOff val="0"/>
+              <a:alphaOff val="0"/>
+            </a:schemeClr>
+          </a:fontRef>
+        </p:style>
+        <p:txBody>
+          <a:bodyPr spcFirstLastPara="0" vert="horz" wrap="square" lIns="85344" tIns="85344" rIns="85344" bIns="85344" numCol="1" spcCol="1270" anchor="t" anchorCtr="0">
+            <a:noAutofit/>
+          </a:bodyPr>
+          <a:lstStyle/>
+          <a:p>
+            <a:pPr lvl="0" algn="ctr" defTabSz="533400">
+              <a:lnSpc>
+                <a:spcPct val="90000"/>
+              </a:lnSpc>
+              <a:spcBef>
+                <a:spcPct val="0"/>
+              </a:spcBef>
+              <a:spcAft>
+                <a:spcPct val="35000"/>
+              </a:spcAft>
+            </a:pPr>
+            <a:r>
+              <a:rPr lang="en-US" sz="1600" b="1" i="0" u="none" kern="1200" dirty="0" smtClean="0">
+                <a:solidFill>
+                  <a:schemeClr val="bg1"/>
+                </a:solidFill>
+              </a:rPr>
+              <a:t>Nov</a:t>
+            </a:r>
+            <a:endParaRPr lang="en-US" sz="1600" b="1" kern="1200" dirty="0">
+              <a:solidFill>
+                <a:schemeClr val="bg1"/>
+              </a:solidFill>
+            </a:endParaRPr>
+          </a:p>
+        </p:txBody>
+      </p:sp>
+      <p:sp>
+        <p:nvSpPr>
+          <p:cNvPr id="175" name="Freeform 174"/>
+          <p:cNvSpPr/>
+          <p:nvPr/>
+        </p:nvSpPr>
+        <p:spPr>
+          <a:xfrm>
+            <a:off x="1308482" y="4178498"/>
+            <a:ext cx="1633156" cy="1162743"/>
+          </a:xfrm>
+          <a:custGeom>
+            <a:avLst/>
+            <a:gdLst>
+              <a:gd name="connsiteX0" fmla="*/ 0 w 907618"/>
+              <a:gd name="connsiteY0" fmla="*/ 0 h 1220540"/>
+              <a:gd name="connsiteX1" fmla="*/ 907618 w 907618"/>
+              <a:gd name="connsiteY1" fmla="*/ 0 h 1220540"/>
+              <a:gd name="connsiteX2" fmla="*/ 907618 w 907618"/>
+              <a:gd name="connsiteY2" fmla="*/ 1220540 h 1220540"/>
+              <a:gd name="connsiteX3" fmla="*/ 0 w 907618"/>
+              <a:gd name="connsiteY3" fmla="*/ 1220540 h 1220540"/>
+              <a:gd name="connsiteX4" fmla="*/ 0 w 907618"/>
+              <a:gd name="connsiteY4" fmla="*/ 0 h 1220540"/>
+            </a:gdLst>
+            <a:ahLst/>
+            <a:cxnLst>
+              <a:cxn ang="0">
+                <a:pos x="connsiteX0" y="connsiteY0"/>
+              </a:cxn>
+              <a:cxn ang="0">
+                <a:pos x="connsiteX1" y="connsiteY1"/>
+              </a:cxn>
+              <a:cxn ang="0">
+                <a:pos x="connsiteX2" y="connsiteY2"/>
+              </a:cxn>
+              <a:cxn ang="0">
+                <a:pos x="connsiteX3" y="connsiteY3"/>
+              </a:cxn>
+              <a:cxn ang="0">
+                <a:pos x="connsiteX4" y="connsiteY4"/>
+              </a:cxn>
+            </a:cxnLst>
+            <a:rect l="l" t="t" r="r" b="b"/>
+            <a:pathLst>
+              <a:path w="907618" h="1220540">
+                <a:moveTo>
+                  <a:pt x="0" y="0"/>
+                </a:moveTo>
+                <a:lnTo>
+                  <a:pt x="907618" y="0"/>
+                </a:lnTo>
+                <a:lnTo>
+                  <a:pt x="907618" y="1220540"/>
+                </a:lnTo>
+                <a:lnTo>
+                  <a:pt x="0" y="1220540"/>
+                </a:lnTo>
+                <a:lnTo>
+                  <a:pt x="0" y="0"/>
+                </a:lnTo>
+                <a:close/>
+              </a:path>
+            </a:pathLst>
+          </a:custGeom>
+        </p:spPr>
+        <p:style>
+          <a:lnRef idx="0">
+            <a:schemeClr val="dk1">
+              <a:alpha val="0"/>
+              <a:hueOff val="0"/>
+              <a:satOff val="0"/>
+              <a:lumOff val="0"/>
+              <a:alphaOff val="0"/>
+            </a:schemeClr>
+          </a:lnRef>
+          <a:fillRef idx="0">
+            <a:schemeClr val="lt1">
+              <a:alpha val="0"/>
+              <a:hueOff val="0"/>
+              <a:satOff val="0"/>
+              <a:lumOff val="0"/>
+              <a:alphaOff val="0"/>
+            </a:schemeClr>
+          </a:fillRef>
+          <a:effectRef idx="0">
+            <a:schemeClr val="lt1">
+              <a:alpha val="0"/>
+              <a:hueOff val="0"/>
+              <a:satOff val="0"/>
+              <a:lumOff val="0"/>
+              <a:alphaOff val="0"/>
+            </a:schemeClr>
+          </a:effectRef>
+          <a:fontRef idx="minor">
+            <a:schemeClr val="tx1">
+              <a:hueOff val="0"/>
+              <a:satOff val="0"/>
+              <a:lumOff val="0"/>
+              <a:alphaOff val="0"/>
+            </a:schemeClr>
+          </a:fontRef>
+        </p:style>
+        <p:txBody>
+          <a:bodyPr spcFirstLastPara="0" vert="horz" wrap="square" lIns="85344" tIns="85344" rIns="85344" bIns="85344" numCol="1" spcCol="1270" anchor="b" anchorCtr="0">
+            <a:noAutofit/>
+          </a:bodyPr>
+          <a:lstStyle/>
+          <a:p>
+            <a:pPr lvl="0" algn="ctr" defTabSz="533400">
+              <a:lnSpc>
+                <a:spcPct val="90000"/>
+              </a:lnSpc>
+              <a:spcBef>
+                <a:spcPct val="0"/>
+              </a:spcBef>
+              <a:spcAft>
+                <a:spcPct val="35000"/>
+              </a:spcAft>
+            </a:pPr>
+            <a:r>
+              <a:rPr lang="en-US" sz="2200" kern="1200" dirty="0" smtClean="0">
+                <a:solidFill>
+                  <a:srgbClr val="052B48"/>
+                </a:solidFill>
+              </a:rPr>
+              <a:t>1</a:t>
+            </a:r>
+            <a:r>
+              <a:rPr lang="en-US" sz="2200" kern="1200" baseline="30000" dirty="0" smtClean="0">
+                <a:solidFill>
+                  <a:srgbClr val="052B48"/>
+                </a:solidFill>
+              </a:rPr>
+              <a:t>st</a:t>
+            </a:r>
+            <a:r>
+              <a:rPr lang="en-US" sz="2200" kern="1200" dirty="0" smtClean="0">
+                <a:solidFill>
+                  <a:srgbClr val="052B48"/>
+                </a:solidFill>
+              </a:rPr>
+              <a:t> NWB Hackathon at HHMI</a:t>
+            </a:r>
+            <a:endParaRPr lang="en-US" sz="2200" kern="1200" dirty="0">
+              <a:solidFill>
+                <a:srgbClr val="052B48"/>
+              </a:solidFill>
+            </a:endParaRPr>
+          </a:p>
+        </p:txBody>
+      </p:sp>
+      <p:sp>
+        <p:nvSpPr>
+          <p:cNvPr id="176" name="Notched Right Arrow 175"/>
+          <p:cNvSpPr/>
+          <p:nvPr/>
+        </p:nvSpPr>
+        <p:spPr>
+          <a:xfrm>
+            <a:off x="2645583" y="3179296"/>
+            <a:ext cx="4116890" cy="885739"/>
+          </a:xfrm>
+          <a:prstGeom prst="notchedRightArrow">
+            <a:avLst>
+              <a:gd name="adj1" fmla="val 100000"/>
+              <a:gd name="adj2" fmla="val 47999"/>
+            </a:avLst>
+          </a:prstGeom>
+          <a:solidFill>
+            <a:schemeClr val="bg1">
+              <a:lumMod val="75000"/>
+            </a:schemeClr>
+          </a:solidFill>
+          <a:ln>
+            <a:solidFill>
+              <a:srgbClr val="052B48"/>
+            </a:solidFill>
+          </a:ln>
+        </p:spPr>
+        <p:style>
+          <a:lnRef idx="0">
+            <a:schemeClr val="dk1">
+              <a:hueOff val="0"/>
+              <a:satOff val="0"/>
+              <a:lumOff val="0"/>
+              <a:alphaOff val="0"/>
+            </a:schemeClr>
+          </a:lnRef>
+          <a:fillRef idx="1">
+            <a:schemeClr val="accent1">
+              <a:tint val="40000"/>
+              <a:hueOff val="0"/>
+              <a:satOff val="0"/>
+              <a:lumOff val="0"/>
+              <a:alphaOff val="0"/>
+            </a:schemeClr>
+          </a:fillRef>
+          <a:effectRef idx="0">
+            <a:schemeClr val="accent1">
+              <a:tint val="40000"/>
+              <a:hueOff val="0"/>
+              <a:satOff val="0"/>
+              <a:lumOff val="0"/>
+              <a:alphaOff val="0"/>
+            </a:schemeClr>
+          </a:effectRef>
+          <a:fontRef idx="minor">
+            <a:schemeClr val="dk1">
+              <a:hueOff val="0"/>
+              <a:satOff val="0"/>
+              <a:lumOff val="0"/>
+              <a:alphaOff val="0"/>
+            </a:schemeClr>
+          </a:fontRef>
+        </p:style>
+      </p:sp>
+      <p:sp>
+        <p:nvSpPr>
+          <p:cNvPr id="177" name="Freeform 176"/>
+          <p:cNvSpPr/>
+          <p:nvPr/>
+        </p:nvSpPr>
+        <p:spPr>
+          <a:xfrm>
+            <a:off x="2578882" y="3677243"/>
+            <a:ext cx="1138013" cy="397400"/>
+          </a:xfrm>
+          <a:custGeom>
+            <a:avLst/>
+            <a:gdLst>
+              <a:gd name="connsiteX0" fmla="*/ 0 w 686503"/>
+              <a:gd name="connsiteY0" fmla="*/ 0 h 1131184"/>
+              <a:gd name="connsiteX1" fmla="*/ 686503 w 686503"/>
+              <a:gd name="connsiteY1" fmla="*/ 0 h 1131184"/>
+              <a:gd name="connsiteX2" fmla="*/ 686503 w 686503"/>
+              <a:gd name="connsiteY2" fmla="*/ 1131184 h 1131184"/>
+              <a:gd name="connsiteX3" fmla="*/ 0 w 686503"/>
+              <a:gd name="connsiteY3" fmla="*/ 1131184 h 1131184"/>
+              <a:gd name="connsiteX4" fmla="*/ 0 w 686503"/>
+              <a:gd name="connsiteY4" fmla="*/ 0 h 1131184"/>
+            </a:gdLst>
+            <a:ahLst/>
+            <a:cxnLst>
+              <a:cxn ang="0">
+                <a:pos x="connsiteX0" y="connsiteY0"/>
+              </a:cxn>
+              <a:cxn ang="0">
+                <a:pos x="connsiteX1" y="connsiteY1"/>
+              </a:cxn>
+              <a:cxn ang="0">
+                <a:pos x="connsiteX2" y="connsiteY2"/>
+              </a:cxn>
+              <a:cxn ang="0">
+                <a:pos x="connsiteX3" y="connsiteY3"/>
+              </a:cxn>
+              <a:cxn ang="0">
+                <a:pos x="connsiteX4" y="connsiteY4"/>
+              </a:cxn>
+            </a:cxnLst>
+            <a:rect l="l" t="t" r="r" b="b"/>
+            <a:pathLst>
+              <a:path w="686503" h="1131184">
+                <a:moveTo>
+                  <a:pt x="0" y="0"/>
+                </a:moveTo>
+                <a:lnTo>
+                  <a:pt x="686503" y="0"/>
+                </a:lnTo>
+                <a:lnTo>
+                  <a:pt x="686503" y="1131184"/>
+                </a:lnTo>
+                <a:lnTo>
+                  <a:pt x="0" y="1131184"/>
+                </a:lnTo>
+                <a:lnTo>
+                  <a:pt x="0" y="0"/>
+                </a:lnTo>
+                <a:close/>
+              </a:path>
+            </a:pathLst>
+          </a:custGeom>
+        </p:spPr>
+        <p:style>
+          <a:lnRef idx="0">
+            <a:schemeClr val="dk1">
+              <a:alpha val="0"/>
+              <a:hueOff val="0"/>
+              <a:satOff val="0"/>
+              <a:lumOff val="0"/>
+              <a:alphaOff val="0"/>
+            </a:schemeClr>
+          </a:lnRef>
+          <a:fillRef idx="0">
+            <a:schemeClr val="lt1">
+              <a:alpha val="0"/>
+              <a:hueOff val="0"/>
+              <a:satOff val="0"/>
+              <a:lumOff val="0"/>
+              <a:alphaOff val="0"/>
+            </a:schemeClr>
+          </a:fillRef>
+          <a:effectRef idx="0">
+            <a:schemeClr val="lt1">
+              <a:alpha val="0"/>
+              <a:hueOff val="0"/>
+              <a:satOff val="0"/>
+              <a:lumOff val="0"/>
+              <a:alphaOff val="0"/>
+            </a:schemeClr>
+          </a:effectRef>
+          <a:fontRef idx="minor">
+            <a:schemeClr val="tx1">
+              <a:hueOff val="0"/>
+              <a:satOff val="0"/>
+              <a:lumOff val="0"/>
+              <a:alphaOff val="0"/>
+            </a:schemeClr>
+          </a:fontRef>
+        </p:style>
+        <p:txBody>
+          <a:bodyPr spcFirstLastPara="0" vert="horz" wrap="square" lIns="85344" tIns="85344" rIns="85344" bIns="85344" numCol="1" spcCol="1270" anchor="t" anchorCtr="0">
+            <a:noAutofit/>
+          </a:bodyPr>
+          <a:lstStyle/>
+          <a:p>
+            <a:pPr lvl="0" algn="ctr" defTabSz="533400">
+              <a:lnSpc>
+                <a:spcPct val="90000"/>
+              </a:lnSpc>
+              <a:spcBef>
+                <a:spcPct val="0"/>
+              </a:spcBef>
+              <a:spcAft>
+                <a:spcPct val="35000"/>
+              </a:spcAft>
+            </a:pPr>
+            <a:r>
+              <a:rPr lang="en-US" sz="2200" b="1" i="0" u="none" kern="1200" dirty="0" smtClean="0">
+                <a:solidFill>
+                  <a:srgbClr val="052B48"/>
+                </a:solidFill>
+              </a:rPr>
+              <a:t>2015</a:t>
+            </a:r>
+            <a:endParaRPr lang="en-US" sz="2200" b="1" kern="1200" dirty="0">
+              <a:solidFill>
+                <a:srgbClr val="052B48"/>
+              </a:solidFill>
+            </a:endParaRPr>
+          </a:p>
+        </p:txBody>
+      </p:sp>
+      <p:sp>
+        <p:nvSpPr>
+          <p:cNvPr id="178" name="Freeform 177"/>
+          <p:cNvSpPr/>
+          <p:nvPr/>
+        </p:nvSpPr>
+        <p:spPr>
+          <a:xfrm>
+            <a:off x="2822324" y="1937707"/>
+            <a:ext cx="1633156" cy="1081786"/>
+          </a:xfrm>
+          <a:custGeom>
+            <a:avLst/>
+            <a:gdLst>
+              <a:gd name="connsiteX0" fmla="*/ 0 w 907618"/>
+              <a:gd name="connsiteY0" fmla="*/ 0 h 1220540"/>
+              <a:gd name="connsiteX1" fmla="*/ 907618 w 907618"/>
+              <a:gd name="connsiteY1" fmla="*/ 0 h 1220540"/>
+              <a:gd name="connsiteX2" fmla="*/ 907618 w 907618"/>
+              <a:gd name="connsiteY2" fmla="*/ 1220540 h 1220540"/>
+              <a:gd name="connsiteX3" fmla="*/ 0 w 907618"/>
+              <a:gd name="connsiteY3" fmla="*/ 1220540 h 1220540"/>
+              <a:gd name="connsiteX4" fmla="*/ 0 w 907618"/>
+              <a:gd name="connsiteY4" fmla="*/ 0 h 1220540"/>
+            </a:gdLst>
+            <a:ahLst/>
+            <a:cxnLst>
+              <a:cxn ang="0">
+                <a:pos x="connsiteX0" y="connsiteY0"/>
+              </a:cxn>
+              <a:cxn ang="0">
+                <a:pos x="connsiteX1" y="connsiteY1"/>
+              </a:cxn>
+              <a:cxn ang="0">
+                <a:pos x="connsiteX2" y="connsiteY2"/>
+              </a:cxn>
+              <a:cxn ang="0">
+                <a:pos x="connsiteX3" y="connsiteY3"/>
+              </a:cxn>
+              <a:cxn ang="0">
+                <a:pos x="connsiteX4" y="connsiteY4"/>
+              </a:cxn>
+            </a:cxnLst>
+            <a:rect l="l" t="t" r="r" b="b"/>
+            <a:pathLst>
+              <a:path w="907618" h="1220540">
+                <a:moveTo>
+                  <a:pt x="0" y="0"/>
+                </a:moveTo>
+                <a:lnTo>
+                  <a:pt x="907618" y="0"/>
+                </a:lnTo>
+                <a:lnTo>
+                  <a:pt x="907618" y="1220540"/>
+                </a:lnTo>
+                <a:lnTo>
+                  <a:pt x="0" y="1220540"/>
+                </a:lnTo>
+                <a:lnTo>
+                  <a:pt x="0" y="0"/>
+                </a:lnTo>
+                <a:close/>
+              </a:path>
+            </a:pathLst>
+          </a:custGeom>
+        </p:spPr>
+        <p:style>
+          <a:lnRef idx="0">
+            <a:schemeClr val="dk1">
+              <a:alpha val="0"/>
+              <a:hueOff val="0"/>
+              <a:satOff val="0"/>
+              <a:lumOff val="0"/>
+              <a:alphaOff val="0"/>
+            </a:schemeClr>
+          </a:lnRef>
+          <a:fillRef idx="0">
+            <a:schemeClr val="lt1">
+              <a:alpha val="0"/>
+              <a:hueOff val="0"/>
+              <a:satOff val="0"/>
+              <a:lumOff val="0"/>
+              <a:alphaOff val="0"/>
+            </a:schemeClr>
+          </a:fillRef>
+          <a:effectRef idx="0">
+            <a:schemeClr val="lt1">
+              <a:alpha val="0"/>
+              <a:hueOff val="0"/>
+              <a:satOff val="0"/>
+              <a:lumOff val="0"/>
+              <a:alphaOff val="0"/>
+            </a:schemeClr>
+          </a:effectRef>
+          <a:fontRef idx="minor">
+            <a:schemeClr val="tx1">
+              <a:hueOff val="0"/>
+              <a:satOff val="0"/>
+              <a:lumOff val="0"/>
+              <a:alphaOff val="0"/>
+            </a:schemeClr>
+          </a:fontRef>
+        </p:style>
+        <p:txBody>
+          <a:bodyPr spcFirstLastPara="0" vert="horz" wrap="square" lIns="85344" tIns="85344" rIns="85344" bIns="85344" numCol="1" spcCol="1270" anchor="b" anchorCtr="0">
+            <a:noAutofit/>
+          </a:bodyPr>
+          <a:lstStyle/>
+          <a:p>
+            <a:pPr lvl="0" algn="ctr" defTabSz="533400">
+              <a:lnSpc>
+                <a:spcPct val="90000"/>
+              </a:lnSpc>
+              <a:spcBef>
+                <a:spcPct val="0"/>
+              </a:spcBef>
+              <a:spcAft>
+                <a:spcPct val="35000"/>
+              </a:spcAft>
+            </a:pPr>
+            <a:r>
+              <a:rPr lang="en-US" sz="2300" dirty="0" smtClean="0">
+                <a:solidFill>
+                  <a:srgbClr val="052B48"/>
+                </a:solidFill>
+              </a:rPr>
+              <a:t>2</a:t>
+            </a:r>
+            <a:r>
+              <a:rPr lang="en-US" sz="2300" kern="1200" baseline="30000" dirty="0" smtClean="0">
+                <a:solidFill>
+                  <a:srgbClr val="052B48"/>
+                </a:solidFill>
+              </a:rPr>
+              <a:t>nd</a:t>
+            </a:r>
+            <a:r>
+              <a:rPr lang="en-US" sz="2300" kern="1200" dirty="0" smtClean="0">
+                <a:solidFill>
+                  <a:srgbClr val="052B48"/>
+                </a:solidFill>
+              </a:rPr>
+              <a:t> NWB Hackathon at HHMI</a:t>
+            </a:r>
+            <a:endParaRPr lang="en-US" sz="2300" kern="1200" dirty="0">
+              <a:solidFill>
+                <a:srgbClr val="052B48"/>
+              </a:solidFill>
+            </a:endParaRPr>
+          </a:p>
+        </p:txBody>
+      </p:sp>
+      <p:sp>
+        <p:nvSpPr>
+          <p:cNvPr id="179" name="Oval 178"/>
+          <p:cNvSpPr>
+            <a:spLocks noChangeAspect="1"/>
+          </p:cNvSpPr>
+          <p:nvPr/>
+        </p:nvSpPr>
+        <p:spPr>
+          <a:xfrm>
+            <a:off x="3411963" y="3397696"/>
+            <a:ext cx="445578" cy="445578"/>
+          </a:xfrm>
+          <a:prstGeom prst="ellipse">
+            <a:avLst/>
+          </a:prstGeom>
+          <a:solidFill>
+            <a:srgbClr val="052B48"/>
+          </a:solidFill>
+        </p:spPr>
+        <p:style>
+          <a:lnRef idx="2">
+            <a:schemeClr val="lt1">
+              <a:hueOff val="0"/>
+              <a:satOff val="0"/>
+              <a:lumOff val="0"/>
+              <a:alphaOff val="0"/>
+            </a:schemeClr>
+          </a:lnRef>
+          <a:fillRef idx="1">
+            <a:schemeClr val="accent1">
+              <a:shade val="80000"/>
+              <a:hueOff val="0"/>
+              <a:satOff val="0"/>
+              <a:lumOff val="0"/>
+              <a:alphaOff val="0"/>
+            </a:schemeClr>
+          </a:fillRef>
+          <a:effectRef idx="0">
+            <a:schemeClr val="accent1">
+              <a:shade val="80000"/>
+              <a:hueOff val="0"/>
+              <a:satOff val="0"/>
+              <a:lumOff val="0"/>
+              <a:alphaOff val="0"/>
+            </a:schemeClr>
+          </a:effectRef>
+          <a:fontRef idx="minor">
+            <a:schemeClr val="lt1"/>
+          </a:fontRef>
+        </p:style>
+      </p:sp>
+      <p:cxnSp>
+        <p:nvCxnSpPr>
+          <p:cNvPr id="180" name="Straight Connector 179"/>
+          <p:cNvCxnSpPr/>
+          <p:nvPr/>
+        </p:nvCxnSpPr>
+        <p:spPr>
+          <a:xfrm flipV="1">
+            <a:off x="3634752" y="3012814"/>
+            <a:ext cx="0" cy="364353"/>
+          </a:xfrm>
+          <a:prstGeom prst="line">
+            <a:avLst/>
+          </a:prstGeom>
+          <a:ln>
+            <a:solidFill>
+              <a:srgbClr val="052B48"/>
+            </a:solidFill>
+          </a:ln>
+          <a:effectLst/>
+        </p:spPr>
+        <p:style>
+          <a:lnRef idx="2">
+            <a:schemeClr val="accent1"/>
+          </a:lnRef>
+          <a:fillRef idx="0">
+            <a:schemeClr val="accent1"/>
+          </a:fillRef>
+          <a:effectRef idx="1">
+            <a:schemeClr val="accent1"/>
+          </a:effectRef>
+          <a:fontRef idx="minor">
+            <a:schemeClr val="tx1"/>
+          </a:fontRef>
+        </p:style>
+      </p:cxnSp>
+      <p:sp>
+        <p:nvSpPr>
+          <p:cNvPr id="181" name="Freeform 180"/>
+          <p:cNvSpPr/>
+          <p:nvPr/>
+        </p:nvSpPr>
+        <p:spPr>
+          <a:xfrm>
+            <a:off x="3353918" y="3422712"/>
+            <a:ext cx="569312" cy="393474"/>
+          </a:xfrm>
+          <a:custGeom>
+            <a:avLst/>
+            <a:gdLst>
+              <a:gd name="connsiteX0" fmla="*/ 0 w 686503"/>
+              <a:gd name="connsiteY0" fmla="*/ 0 h 1131184"/>
+              <a:gd name="connsiteX1" fmla="*/ 686503 w 686503"/>
+              <a:gd name="connsiteY1" fmla="*/ 0 h 1131184"/>
+              <a:gd name="connsiteX2" fmla="*/ 686503 w 686503"/>
+              <a:gd name="connsiteY2" fmla="*/ 1131184 h 1131184"/>
+              <a:gd name="connsiteX3" fmla="*/ 0 w 686503"/>
+              <a:gd name="connsiteY3" fmla="*/ 1131184 h 1131184"/>
+              <a:gd name="connsiteX4" fmla="*/ 0 w 686503"/>
+              <a:gd name="connsiteY4" fmla="*/ 0 h 1131184"/>
+            </a:gdLst>
+            <a:ahLst/>
+            <a:cxnLst>
+              <a:cxn ang="0">
+                <a:pos x="connsiteX0" y="connsiteY0"/>
+              </a:cxn>
+              <a:cxn ang="0">
+                <a:pos x="connsiteX1" y="connsiteY1"/>
+              </a:cxn>
+              <a:cxn ang="0">
+                <a:pos x="connsiteX2" y="connsiteY2"/>
+              </a:cxn>
+              <a:cxn ang="0">
+                <a:pos x="connsiteX3" y="connsiteY3"/>
+              </a:cxn>
+              <a:cxn ang="0">
+                <a:pos x="connsiteX4" y="connsiteY4"/>
+              </a:cxn>
+            </a:cxnLst>
+            <a:rect l="l" t="t" r="r" b="b"/>
+            <a:pathLst>
+              <a:path w="686503" h="1131184">
+                <a:moveTo>
+                  <a:pt x="0" y="0"/>
+                </a:moveTo>
+                <a:lnTo>
+                  <a:pt x="686503" y="0"/>
+                </a:lnTo>
+                <a:lnTo>
+                  <a:pt x="686503" y="1131184"/>
+                </a:lnTo>
+                <a:lnTo>
+                  <a:pt x="0" y="1131184"/>
+                </a:lnTo>
+                <a:lnTo>
+                  <a:pt x="0" y="0"/>
+                </a:lnTo>
+                <a:close/>
+              </a:path>
+            </a:pathLst>
+          </a:custGeom>
+        </p:spPr>
+        <p:style>
+          <a:lnRef idx="0">
+            <a:schemeClr val="dk1">
+              <a:alpha val="0"/>
+              <a:hueOff val="0"/>
+              <a:satOff val="0"/>
+              <a:lumOff val="0"/>
+              <a:alphaOff val="0"/>
+            </a:schemeClr>
+          </a:lnRef>
+          <a:fillRef idx="0">
+            <a:schemeClr val="lt1">
+              <a:alpha val="0"/>
+              <a:hueOff val="0"/>
+              <a:satOff val="0"/>
+              <a:lumOff val="0"/>
+              <a:alphaOff val="0"/>
+            </a:schemeClr>
+          </a:fillRef>
+          <a:effectRef idx="0">
+            <a:schemeClr val="lt1">
+              <a:alpha val="0"/>
+              <a:hueOff val="0"/>
+              <a:satOff val="0"/>
+              <a:lumOff val="0"/>
+              <a:alphaOff val="0"/>
+            </a:schemeClr>
+          </a:effectRef>
+          <a:fontRef idx="minor">
+            <a:schemeClr val="tx1">
+              <a:hueOff val="0"/>
+              <a:satOff val="0"/>
+              <a:lumOff val="0"/>
+              <a:alphaOff val="0"/>
+            </a:schemeClr>
+          </a:fontRef>
+        </p:style>
+        <p:txBody>
+          <a:bodyPr spcFirstLastPara="0" vert="horz" wrap="square" lIns="85344" tIns="85344" rIns="85344" bIns="85344" numCol="1" spcCol="1270" anchor="t" anchorCtr="0">
+            <a:noAutofit/>
+          </a:bodyPr>
+          <a:lstStyle/>
+          <a:p>
+            <a:pPr lvl="0" algn="ctr" defTabSz="533400">
+              <a:lnSpc>
+                <a:spcPct val="90000"/>
+              </a:lnSpc>
+              <a:spcBef>
+                <a:spcPct val="0"/>
+              </a:spcBef>
+              <a:spcAft>
+                <a:spcPct val="35000"/>
+              </a:spcAft>
+            </a:pPr>
+            <a:r>
+              <a:rPr lang="en-US" sz="1600" b="1" kern="1200" dirty="0" smtClean="0">
+                <a:solidFill>
+                  <a:schemeClr val="bg1"/>
+                </a:solidFill>
+              </a:rPr>
+              <a:t>May</a:t>
+            </a:r>
+            <a:endParaRPr lang="en-US" sz="1600" b="1" kern="1200" dirty="0">
+              <a:solidFill>
+                <a:schemeClr val="bg1"/>
+              </a:solidFill>
+            </a:endParaRPr>
+          </a:p>
+        </p:txBody>
+      </p:sp>
+      <p:sp>
+        <p:nvSpPr>
+          <p:cNvPr id="182" name="Oval 181"/>
+          <p:cNvSpPr>
+            <a:spLocks noChangeAspect="1"/>
+          </p:cNvSpPr>
+          <p:nvPr/>
+        </p:nvSpPr>
+        <p:spPr>
+          <a:xfrm>
+            <a:off x="4524438" y="3397696"/>
+            <a:ext cx="445578" cy="445578"/>
+          </a:xfrm>
+          <a:prstGeom prst="ellipse">
+            <a:avLst/>
+          </a:prstGeom>
+          <a:solidFill>
+            <a:srgbClr val="052B48"/>
+          </a:solidFill>
+        </p:spPr>
+        <p:style>
+          <a:lnRef idx="2">
+            <a:schemeClr val="lt1">
+              <a:hueOff val="0"/>
+              <a:satOff val="0"/>
+              <a:lumOff val="0"/>
+              <a:alphaOff val="0"/>
+            </a:schemeClr>
+          </a:lnRef>
+          <a:fillRef idx="1">
+            <a:schemeClr val="accent1">
+              <a:shade val="80000"/>
+              <a:hueOff val="0"/>
+              <a:satOff val="0"/>
+              <a:lumOff val="0"/>
+              <a:alphaOff val="0"/>
+            </a:schemeClr>
+          </a:fillRef>
+          <a:effectRef idx="0">
+            <a:schemeClr val="accent1">
+              <a:shade val="80000"/>
+              <a:hueOff val="0"/>
+              <a:satOff val="0"/>
+              <a:lumOff val="0"/>
+              <a:alphaOff val="0"/>
+            </a:schemeClr>
+          </a:effectRef>
+          <a:fontRef idx="minor">
+            <a:schemeClr val="lt1"/>
+          </a:fontRef>
+        </p:style>
+      </p:sp>
+      <p:cxnSp>
+        <p:nvCxnSpPr>
+          <p:cNvPr id="183" name="Straight Connector 182"/>
+          <p:cNvCxnSpPr/>
+          <p:nvPr/>
+        </p:nvCxnSpPr>
+        <p:spPr>
+          <a:xfrm flipV="1">
+            <a:off x="4760130" y="3850469"/>
+            <a:ext cx="0" cy="350841"/>
+          </a:xfrm>
+          <a:prstGeom prst="line">
+            <a:avLst/>
+          </a:prstGeom>
+          <a:ln>
+            <a:solidFill>
+              <a:srgbClr val="052B48"/>
+            </a:solidFill>
+          </a:ln>
+          <a:effectLst/>
+        </p:spPr>
+        <p:style>
+          <a:lnRef idx="2">
+            <a:schemeClr val="accent1"/>
+          </a:lnRef>
+          <a:fillRef idx="0">
+            <a:schemeClr val="accent1"/>
+          </a:fillRef>
+          <a:effectRef idx="1">
+            <a:schemeClr val="accent1"/>
+          </a:effectRef>
+          <a:fontRef idx="minor">
+            <a:schemeClr val="tx1"/>
+          </a:fontRef>
+        </p:style>
+      </p:cxnSp>
+      <p:sp>
+        <p:nvSpPr>
+          <p:cNvPr id="184" name="Freeform 183"/>
+          <p:cNvSpPr/>
+          <p:nvPr/>
+        </p:nvSpPr>
+        <p:spPr>
+          <a:xfrm>
+            <a:off x="4466393" y="3422712"/>
+            <a:ext cx="569312" cy="393474"/>
+          </a:xfrm>
+          <a:custGeom>
+            <a:avLst/>
+            <a:gdLst>
+              <a:gd name="connsiteX0" fmla="*/ 0 w 686503"/>
+              <a:gd name="connsiteY0" fmla="*/ 0 h 1131184"/>
+              <a:gd name="connsiteX1" fmla="*/ 686503 w 686503"/>
+              <a:gd name="connsiteY1" fmla="*/ 0 h 1131184"/>
+              <a:gd name="connsiteX2" fmla="*/ 686503 w 686503"/>
+              <a:gd name="connsiteY2" fmla="*/ 1131184 h 1131184"/>
+              <a:gd name="connsiteX3" fmla="*/ 0 w 686503"/>
+              <a:gd name="connsiteY3" fmla="*/ 1131184 h 1131184"/>
+              <a:gd name="connsiteX4" fmla="*/ 0 w 686503"/>
+              <a:gd name="connsiteY4" fmla="*/ 0 h 1131184"/>
+            </a:gdLst>
+            <a:ahLst/>
+            <a:cxnLst>
+              <a:cxn ang="0">
+                <a:pos x="connsiteX0" y="connsiteY0"/>
+              </a:cxn>
+              <a:cxn ang="0">
+                <a:pos x="connsiteX1" y="connsiteY1"/>
+              </a:cxn>
+              <a:cxn ang="0">
+                <a:pos x="connsiteX2" y="connsiteY2"/>
+              </a:cxn>
+              <a:cxn ang="0">
+                <a:pos x="connsiteX3" y="connsiteY3"/>
+              </a:cxn>
+              <a:cxn ang="0">
+                <a:pos x="connsiteX4" y="connsiteY4"/>
+              </a:cxn>
+            </a:cxnLst>
+            <a:rect l="l" t="t" r="r" b="b"/>
+            <a:pathLst>
+              <a:path w="686503" h="1131184">
+                <a:moveTo>
+                  <a:pt x="0" y="0"/>
+                </a:moveTo>
+                <a:lnTo>
+                  <a:pt x="686503" y="0"/>
+                </a:lnTo>
+                <a:lnTo>
+                  <a:pt x="686503" y="1131184"/>
+                </a:lnTo>
+                <a:lnTo>
+                  <a:pt x="0" y="1131184"/>
+                </a:lnTo>
+                <a:lnTo>
+                  <a:pt x="0" y="0"/>
+                </a:lnTo>
+                <a:close/>
+              </a:path>
+            </a:pathLst>
+          </a:custGeom>
+        </p:spPr>
+        <p:style>
+          <a:lnRef idx="0">
+            <a:schemeClr val="dk1">
+              <a:alpha val="0"/>
+              <a:hueOff val="0"/>
+              <a:satOff val="0"/>
+              <a:lumOff val="0"/>
+              <a:alphaOff val="0"/>
+            </a:schemeClr>
+          </a:lnRef>
+          <a:fillRef idx="0">
+            <a:schemeClr val="lt1">
+              <a:alpha val="0"/>
+              <a:hueOff val="0"/>
+              <a:satOff val="0"/>
+              <a:lumOff val="0"/>
+              <a:alphaOff val="0"/>
+            </a:schemeClr>
+          </a:fillRef>
+          <a:effectRef idx="0">
+            <a:schemeClr val="lt1">
+              <a:alpha val="0"/>
+              <a:hueOff val="0"/>
+              <a:satOff val="0"/>
+              <a:lumOff val="0"/>
+              <a:alphaOff val="0"/>
+            </a:schemeClr>
+          </a:effectRef>
+          <a:fontRef idx="minor">
+            <a:schemeClr val="tx1">
+              <a:hueOff val="0"/>
+              <a:satOff val="0"/>
+              <a:lumOff val="0"/>
+              <a:alphaOff val="0"/>
+            </a:schemeClr>
+          </a:fontRef>
+        </p:style>
+        <p:txBody>
+          <a:bodyPr spcFirstLastPara="0" vert="horz" wrap="square" lIns="85344" tIns="85344" rIns="85344" bIns="85344" numCol="1" spcCol="1270" anchor="t" anchorCtr="0">
+            <a:noAutofit/>
+          </a:bodyPr>
+          <a:lstStyle/>
+          <a:p>
+            <a:pPr lvl="0" algn="ctr" defTabSz="533400">
+              <a:lnSpc>
+                <a:spcPct val="90000"/>
+              </a:lnSpc>
+              <a:spcBef>
+                <a:spcPct val="0"/>
+              </a:spcBef>
+              <a:spcAft>
+                <a:spcPct val="35000"/>
+              </a:spcAft>
+            </a:pPr>
+            <a:r>
+              <a:rPr lang="en-US" sz="1600" b="1" kern="1200" dirty="0" smtClean="0">
+                <a:solidFill>
+                  <a:schemeClr val="bg1"/>
+                </a:solidFill>
+              </a:rPr>
+              <a:t>Aug</a:t>
+            </a:r>
+            <a:endParaRPr lang="en-US" sz="1600" b="1" kern="1200" dirty="0">
+              <a:solidFill>
+                <a:schemeClr val="bg1"/>
+              </a:solidFill>
+            </a:endParaRPr>
+          </a:p>
+        </p:txBody>
+      </p:sp>
+      <p:sp>
+        <p:nvSpPr>
+          <p:cNvPr id="185" name="Freeform 184"/>
+          <p:cNvSpPr/>
+          <p:nvPr/>
+        </p:nvSpPr>
+        <p:spPr>
+          <a:xfrm>
+            <a:off x="3945126" y="4319522"/>
+            <a:ext cx="1633156" cy="676889"/>
+          </a:xfrm>
+          <a:custGeom>
+            <a:avLst/>
+            <a:gdLst>
+              <a:gd name="connsiteX0" fmla="*/ 0 w 907618"/>
+              <a:gd name="connsiteY0" fmla="*/ 0 h 1220540"/>
+              <a:gd name="connsiteX1" fmla="*/ 907618 w 907618"/>
+              <a:gd name="connsiteY1" fmla="*/ 0 h 1220540"/>
+              <a:gd name="connsiteX2" fmla="*/ 907618 w 907618"/>
+              <a:gd name="connsiteY2" fmla="*/ 1220540 h 1220540"/>
+              <a:gd name="connsiteX3" fmla="*/ 0 w 907618"/>
+              <a:gd name="connsiteY3" fmla="*/ 1220540 h 1220540"/>
+              <a:gd name="connsiteX4" fmla="*/ 0 w 907618"/>
+              <a:gd name="connsiteY4" fmla="*/ 0 h 1220540"/>
+            </a:gdLst>
+            <a:ahLst/>
+            <a:cxnLst>
+              <a:cxn ang="0">
+                <a:pos x="connsiteX0" y="connsiteY0"/>
+              </a:cxn>
+              <a:cxn ang="0">
+                <a:pos x="connsiteX1" y="connsiteY1"/>
+              </a:cxn>
+              <a:cxn ang="0">
+                <a:pos x="connsiteX2" y="connsiteY2"/>
+              </a:cxn>
+              <a:cxn ang="0">
+                <a:pos x="connsiteX3" y="connsiteY3"/>
+              </a:cxn>
+              <a:cxn ang="0">
+                <a:pos x="connsiteX4" y="connsiteY4"/>
+              </a:cxn>
+            </a:cxnLst>
+            <a:rect l="l" t="t" r="r" b="b"/>
+            <a:pathLst>
+              <a:path w="907618" h="1220540">
+                <a:moveTo>
+                  <a:pt x="0" y="0"/>
+                </a:moveTo>
+                <a:lnTo>
+                  <a:pt x="907618" y="0"/>
+                </a:lnTo>
+                <a:lnTo>
+                  <a:pt x="907618" y="1220540"/>
+                </a:lnTo>
+                <a:lnTo>
+                  <a:pt x="0" y="1220540"/>
+                </a:lnTo>
+                <a:lnTo>
+                  <a:pt x="0" y="0"/>
+                </a:lnTo>
+                <a:close/>
+              </a:path>
+            </a:pathLst>
+          </a:custGeom>
+        </p:spPr>
+        <p:style>
+          <a:lnRef idx="0">
+            <a:schemeClr val="dk1">
+              <a:alpha val="0"/>
+              <a:hueOff val="0"/>
+              <a:satOff val="0"/>
+              <a:lumOff val="0"/>
+              <a:alphaOff val="0"/>
+            </a:schemeClr>
+          </a:lnRef>
+          <a:fillRef idx="0">
+            <a:schemeClr val="lt1">
+              <a:alpha val="0"/>
+              <a:hueOff val="0"/>
+              <a:satOff val="0"/>
+              <a:lumOff val="0"/>
+              <a:alphaOff val="0"/>
+            </a:schemeClr>
+          </a:fillRef>
+          <a:effectRef idx="0">
+            <a:schemeClr val="lt1">
+              <a:alpha val="0"/>
+              <a:hueOff val="0"/>
+              <a:satOff val="0"/>
+              <a:lumOff val="0"/>
+              <a:alphaOff val="0"/>
+            </a:schemeClr>
+          </a:effectRef>
+          <a:fontRef idx="minor">
+            <a:schemeClr val="tx1">
+              <a:hueOff val="0"/>
+              <a:satOff val="0"/>
+              <a:lumOff val="0"/>
+              <a:alphaOff val="0"/>
+            </a:schemeClr>
+          </a:fontRef>
+        </p:style>
+        <p:txBody>
+          <a:bodyPr spcFirstLastPara="0" vert="horz" wrap="square" lIns="85344" tIns="85344" rIns="85344" bIns="85344" numCol="1" spcCol="1270" anchor="b" anchorCtr="0">
+            <a:noAutofit/>
+          </a:bodyPr>
+          <a:lstStyle/>
+          <a:p>
+            <a:pPr lvl="0" algn="ctr" defTabSz="533400">
+              <a:lnSpc>
+                <a:spcPct val="90000"/>
+              </a:lnSpc>
+              <a:spcBef>
+                <a:spcPct val="0"/>
+              </a:spcBef>
+              <a:spcAft>
+                <a:spcPct val="35000"/>
+              </a:spcAft>
+            </a:pPr>
+            <a:r>
+              <a:rPr lang="en-US" sz="2200" kern="1200" dirty="0" smtClean="0">
+                <a:solidFill>
+                  <a:srgbClr val="052B48"/>
+                </a:solidFill>
+              </a:rPr>
+              <a:t>NWB:N 1.0 Released</a:t>
+            </a:r>
+            <a:endParaRPr lang="en-US" sz="2200" kern="1200" dirty="0">
+              <a:solidFill>
+                <a:srgbClr val="052B48"/>
+              </a:solidFill>
+            </a:endParaRPr>
+          </a:p>
+        </p:txBody>
+      </p:sp>
+      <p:sp>
+        <p:nvSpPr>
+          <p:cNvPr id="186" name="Notched Right Arrow 185"/>
+          <p:cNvSpPr/>
+          <p:nvPr/>
+        </p:nvSpPr>
+        <p:spPr>
+          <a:xfrm>
+            <a:off x="6337688" y="3177229"/>
+            <a:ext cx="2255287" cy="885739"/>
+          </a:xfrm>
+          <a:prstGeom prst="notchedRightArrow">
+            <a:avLst>
+              <a:gd name="adj1" fmla="val 100000"/>
+              <a:gd name="adj2" fmla="val 47999"/>
+            </a:avLst>
+          </a:prstGeom>
+          <a:solidFill>
+            <a:schemeClr val="bg1">
+              <a:lumMod val="65000"/>
+            </a:schemeClr>
+          </a:solidFill>
+          <a:ln>
+            <a:solidFill>
+              <a:srgbClr val="052B48"/>
+            </a:solidFill>
+          </a:ln>
+        </p:spPr>
+        <p:style>
+          <a:lnRef idx="0">
+            <a:schemeClr val="dk1">
+              <a:hueOff val="0"/>
+              <a:satOff val="0"/>
+              <a:lumOff val="0"/>
+              <a:alphaOff val="0"/>
+            </a:schemeClr>
+          </a:lnRef>
+          <a:fillRef idx="1">
+            <a:schemeClr val="accent1">
+              <a:tint val="40000"/>
+              <a:hueOff val="0"/>
+              <a:satOff val="0"/>
+              <a:lumOff val="0"/>
+              <a:alphaOff val="0"/>
+            </a:schemeClr>
+          </a:fillRef>
+          <a:effectRef idx="0">
+            <a:schemeClr val="accent1">
+              <a:tint val="40000"/>
+              <a:hueOff val="0"/>
+              <a:satOff val="0"/>
+              <a:lumOff val="0"/>
+              <a:alphaOff val="0"/>
+            </a:schemeClr>
+          </a:effectRef>
+          <a:fontRef idx="minor">
+            <a:schemeClr val="dk1">
+              <a:hueOff val="0"/>
+              <a:satOff val="0"/>
+              <a:lumOff val="0"/>
+              <a:alphaOff val="0"/>
+            </a:schemeClr>
+          </a:fontRef>
+        </p:style>
+      </p:sp>
+      <p:sp>
+        <p:nvSpPr>
+          <p:cNvPr id="187" name="Oval 186"/>
+          <p:cNvSpPr>
+            <a:spLocks noChangeAspect="1"/>
+          </p:cNvSpPr>
+          <p:nvPr/>
+        </p:nvSpPr>
+        <p:spPr>
+          <a:xfrm>
+            <a:off x="7250938" y="3395629"/>
+            <a:ext cx="445578" cy="445578"/>
+          </a:xfrm>
+          <a:prstGeom prst="ellipse">
+            <a:avLst/>
+          </a:prstGeom>
+          <a:solidFill>
+            <a:srgbClr val="052B48"/>
+          </a:solidFill>
+        </p:spPr>
+        <p:style>
+          <a:lnRef idx="2">
+            <a:schemeClr val="lt1">
+              <a:hueOff val="0"/>
+              <a:satOff val="0"/>
+              <a:lumOff val="0"/>
+              <a:alphaOff val="0"/>
+            </a:schemeClr>
+          </a:lnRef>
+          <a:fillRef idx="1">
+            <a:schemeClr val="accent1">
+              <a:shade val="80000"/>
+              <a:hueOff val="0"/>
+              <a:satOff val="0"/>
+              <a:lumOff val="0"/>
+              <a:alphaOff val="0"/>
+            </a:schemeClr>
+          </a:fillRef>
+          <a:effectRef idx="0">
+            <a:schemeClr val="accent1">
+              <a:shade val="80000"/>
+              <a:hueOff val="0"/>
+              <a:satOff val="0"/>
+              <a:lumOff val="0"/>
+              <a:alphaOff val="0"/>
+            </a:schemeClr>
+          </a:effectRef>
+          <a:fontRef idx="minor">
+            <a:schemeClr val="lt1"/>
+          </a:fontRef>
+        </p:style>
+      </p:sp>
+      <p:sp>
+        <p:nvSpPr>
+          <p:cNvPr id="188" name="Freeform 187"/>
+          <p:cNvSpPr/>
+          <p:nvPr/>
+        </p:nvSpPr>
+        <p:spPr>
+          <a:xfrm>
+            <a:off x="6270988" y="3675176"/>
+            <a:ext cx="1138013" cy="397400"/>
+          </a:xfrm>
+          <a:custGeom>
+            <a:avLst/>
+            <a:gdLst>
+              <a:gd name="connsiteX0" fmla="*/ 0 w 686503"/>
+              <a:gd name="connsiteY0" fmla="*/ 0 h 1131184"/>
+              <a:gd name="connsiteX1" fmla="*/ 686503 w 686503"/>
+              <a:gd name="connsiteY1" fmla="*/ 0 h 1131184"/>
+              <a:gd name="connsiteX2" fmla="*/ 686503 w 686503"/>
+              <a:gd name="connsiteY2" fmla="*/ 1131184 h 1131184"/>
+              <a:gd name="connsiteX3" fmla="*/ 0 w 686503"/>
+              <a:gd name="connsiteY3" fmla="*/ 1131184 h 1131184"/>
+              <a:gd name="connsiteX4" fmla="*/ 0 w 686503"/>
+              <a:gd name="connsiteY4" fmla="*/ 0 h 1131184"/>
+            </a:gdLst>
+            <a:ahLst/>
+            <a:cxnLst>
+              <a:cxn ang="0">
+                <a:pos x="connsiteX0" y="connsiteY0"/>
+              </a:cxn>
+              <a:cxn ang="0">
+                <a:pos x="connsiteX1" y="connsiteY1"/>
+              </a:cxn>
+              <a:cxn ang="0">
+                <a:pos x="connsiteX2" y="connsiteY2"/>
+              </a:cxn>
+              <a:cxn ang="0">
+                <a:pos x="connsiteX3" y="connsiteY3"/>
+              </a:cxn>
+              <a:cxn ang="0">
+                <a:pos x="connsiteX4" y="connsiteY4"/>
+              </a:cxn>
+            </a:cxnLst>
+            <a:rect l="l" t="t" r="r" b="b"/>
+            <a:pathLst>
+              <a:path w="686503" h="1131184">
+                <a:moveTo>
+                  <a:pt x="0" y="0"/>
+                </a:moveTo>
+                <a:lnTo>
+                  <a:pt x="686503" y="0"/>
+                </a:lnTo>
+                <a:lnTo>
+                  <a:pt x="686503" y="1131184"/>
+                </a:lnTo>
+                <a:lnTo>
+                  <a:pt x="0" y="1131184"/>
+                </a:lnTo>
+                <a:lnTo>
+                  <a:pt x="0" y="0"/>
+                </a:lnTo>
+                <a:close/>
+              </a:path>
+            </a:pathLst>
+          </a:custGeom>
+        </p:spPr>
+        <p:style>
+          <a:lnRef idx="0">
+            <a:schemeClr val="dk1">
+              <a:alpha val="0"/>
+              <a:hueOff val="0"/>
+              <a:satOff val="0"/>
+              <a:lumOff val="0"/>
+              <a:alphaOff val="0"/>
+            </a:schemeClr>
+          </a:lnRef>
+          <a:fillRef idx="0">
+            <a:schemeClr val="lt1">
+              <a:alpha val="0"/>
+              <a:hueOff val="0"/>
+              <a:satOff val="0"/>
+              <a:lumOff val="0"/>
+              <a:alphaOff val="0"/>
+            </a:schemeClr>
+          </a:fillRef>
+          <a:effectRef idx="0">
+            <a:schemeClr val="lt1">
+              <a:alpha val="0"/>
+              <a:hueOff val="0"/>
+              <a:satOff val="0"/>
+              <a:lumOff val="0"/>
+              <a:alphaOff val="0"/>
+            </a:schemeClr>
+          </a:effectRef>
+          <a:fontRef idx="minor">
+            <a:schemeClr val="tx1">
+              <a:hueOff val="0"/>
+              <a:satOff val="0"/>
+              <a:lumOff val="0"/>
+              <a:alphaOff val="0"/>
+            </a:schemeClr>
+          </a:fontRef>
+        </p:style>
+        <p:txBody>
+          <a:bodyPr spcFirstLastPara="0" vert="horz" wrap="square" lIns="85344" tIns="85344" rIns="85344" bIns="85344" numCol="1" spcCol="1270" anchor="t" anchorCtr="0">
+            <a:noAutofit/>
+          </a:bodyPr>
+          <a:lstStyle/>
+          <a:p>
+            <a:pPr lvl="0" algn="ctr" defTabSz="533400">
+              <a:lnSpc>
+                <a:spcPct val="90000"/>
+              </a:lnSpc>
+              <a:spcBef>
+                <a:spcPct val="0"/>
+              </a:spcBef>
+              <a:spcAft>
+                <a:spcPct val="35000"/>
+              </a:spcAft>
+            </a:pPr>
+            <a:r>
+              <a:rPr lang="en-US" sz="2200" b="1" i="0" u="none" kern="1200" dirty="0" smtClean="0">
+                <a:solidFill>
+                  <a:srgbClr val="052B48"/>
+                </a:solidFill>
+              </a:rPr>
+              <a:t>2016</a:t>
+            </a:r>
+            <a:endParaRPr lang="en-US" sz="2200" b="1" kern="1200" dirty="0">
+              <a:solidFill>
+                <a:srgbClr val="052B48"/>
+              </a:solidFill>
+            </a:endParaRPr>
+          </a:p>
+        </p:txBody>
+      </p:sp>
+      <p:sp>
+        <p:nvSpPr>
+          <p:cNvPr id="189" name="Freeform 188"/>
+          <p:cNvSpPr/>
+          <p:nvPr/>
+        </p:nvSpPr>
+        <p:spPr>
+          <a:xfrm>
+            <a:off x="7192893" y="3420645"/>
+            <a:ext cx="569312" cy="393474"/>
+          </a:xfrm>
+          <a:custGeom>
+            <a:avLst/>
+            <a:gdLst>
+              <a:gd name="connsiteX0" fmla="*/ 0 w 686503"/>
+              <a:gd name="connsiteY0" fmla="*/ 0 h 1131184"/>
+              <a:gd name="connsiteX1" fmla="*/ 686503 w 686503"/>
+              <a:gd name="connsiteY1" fmla="*/ 0 h 1131184"/>
+              <a:gd name="connsiteX2" fmla="*/ 686503 w 686503"/>
+              <a:gd name="connsiteY2" fmla="*/ 1131184 h 1131184"/>
+              <a:gd name="connsiteX3" fmla="*/ 0 w 686503"/>
+              <a:gd name="connsiteY3" fmla="*/ 1131184 h 1131184"/>
+              <a:gd name="connsiteX4" fmla="*/ 0 w 686503"/>
+              <a:gd name="connsiteY4" fmla="*/ 0 h 1131184"/>
+            </a:gdLst>
+            <a:ahLst/>
+            <a:cxnLst>
+              <a:cxn ang="0">
+                <a:pos x="connsiteX0" y="connsiteY0"/>
+              </a:cxn>
+              <a:cxn ang="0">
+                <a:pos x="connsiteX1" y="connsiteY1"/>
+              </a:cxn>
+              <a:cxn ang="0">
+                <a:pos x="connsiteX2" y="connsiteY2"/>
+              </a:cxn>
+              <a:cxn ang="0">
+                <a:pos x="connsiteX3" y="connsiteY3"/>
+              </a:cxn>
+              <a:cxn ang="0">
+                <a:pos x="connsiteX4" y="connsiteY4"/>
+              </a:cxn>
+            </a:cxnLst>
+            <a:rect l="l" t="t" r="r" b="b"/>
+            <a:pathLst>
+              <a:path w="686503" h="1131184">
+                <a:moveTo>
+                  <a:pt x="0" y="0"/>
+                </a:moveTo>
+                <a:lnTo>
+                  <a:pt x="686503" y="0"/>
+                </a:lnTo>
+                <a:lnTo>
+                  <a:pt x="686503" y="1131184"/>
+                </a:lnTo>
+                <a:lnTo>
+                  <a:pt x="0" y="1131184"/>
+                </a:lnTo>
+                <a:lnTo>
+                  <a:pt x="0" y="0"/>
+                </a:lnTo>
+                <a:close/>
+              </a:path>
+            </a:pathLst>
+          </a:custGeom>
+        </p:spPr>
+        <p:style>
+          <a:lnRef idx="0">
+            <a:schemeClr val="dk1">
+              <a:alpha val="0"/>
+              <a:hueOff val="0"/>
+              <a:satOff val="0"/>
+              <a:lumOff val="0"/>
+              <a:alphaOff val="0"/>
+            </a:schemeClr>
+          </a:lnRef>
+          <a:fillRef idx="0">
+            <a:schemeClr val="lt1">
+              <a:alpha val="0"/>
+              <a:hueOff val="0"/>
+              <a:satOff val="0"/>
+              <a:lumOff val="0"/>
+              <a:alphaOff val="0"/>
+            </a:schemeClr>
+          </a:fillRef>
+          <a:effectRef idx="0">
+            <a:schemeClr val="lt1">
+              <a:alpha val="0"/>
+              <a:hueOff val="0"/>
+              <a:satOff val="0"/>
+              <a:lumOff val="0"/>
+              <a:alphaOff val="0"/>
+            </a:schemeClr>
+          </a:effectRef>
+          <a:fontRef idx="minor">
+            <a:schemeClr val="tx1">
+              <a:hueOff val="0"/>
+              <a:satOff val="0"/>
+              <a:lumOff val="0"/>
+              <a:alphaOff val="0"/>
+            </a:schemeClr>
+          </a:fontRef>
+        </p:style>
+        <p:txBody>
+          <a:bodyPr spcFirstLastPara="0" vert="horz" wrap="square" lIns="85344" tIns="85344" rIns="85344" bIns="85344" numCol="1" spcCol="1270" anchor="t" anchorCtr="0">
+            <a:noAutofit/>
+          </a:bodyPr>
+          <a:lstStyle/>
+          <a:p>
+            <a:pPr lvl="0" algn="ctr" defTabSz="533400">
+              <a:lnSpc>
+                <a:spcPct val="90000"/>
+              </a:lnSpc>
+              <a:spcBef>
+                <a:spcPct val="0"/>
+              </a:spcBef>
+              <a:spcAft>
+                <a:spcPct val="35000"/>
+              </a:spcAft>
+            </a:pPr>
+            <a:r>
+              <a:rPr lang="en-US" sz="1600" b="1" i="0" u="none" kern="1200" dirty="0" smtClean="0">
+                <a:solidFill>
+                  <a:schemeClr val="bg1"/>
+                </a:solidFill>
+              </a:rPr>
+              <a:t>Nov</a:t>
+            </a:r>
+            <a:endParaRPr lang="en-US" sz="1600" b="1" kern="1200" dirty="0">
+              <a:solidFill>
+                <a:schemeClr val="bg1"/>
+              </a:solidFill>
+            </a:endParaRPr>
+          </a:p>
+        </p:txBody>
+      </p:sp>
+      <p:cxnSp>
+        <p:nvCxnSpPr>
+          <p:cNvPr id="190" name="Straight Connector 189"/>
+          <p:cNvCxnSpPr/>
+          <p:nvPr/>
+        </p:nvCxnSpPr>
+        <p:spPr>
+          <a:xfrm flipV="1">
+            <a:off x="7478474" y="3854718"/>
+            <a:ext cx="0" cy="364353"/>
+          </a:xfrm>
+          <a:prstGeom prst="line">
+            <a:avLst/>
+          </a:prstGeom>
+          <a:ln>
+            <a:solidFill>
+              <a:srgbClr val="052B48"/>
+            </a:solidFill>
+          </a:ln>
+          <a:effectLst/>
+        </p:spPr>
+        <p:style>
+          <a:lnRef idx="2">
+            <a:schemeClr val="accent1"/>
+          </a:lnRef>
+          <a:fillRef idx="0">
+            <a:schemeClr val="accent1"/>
+          </a:fillRef>
+          <a:effectRef idx="1">
+            <a:schemeClr val="accent1"/>
+          </a:effectRef>
+          <a:fontRef idx="minor">
+            <a:schemeClr val="tx1"/>
+          </a:fontRef>
+        </p:style>
+      </p:cxnSp>
+      <p:sp>
+        <p:nvSpPr>
+          <p:cNvPr id="191" name="Freeform 190"/>
+          <p:cNvSpPr/>
+          <p:nvPr/>
+        </p:nvSpPr>
+        <p:spPr>
+          <a:xfrm>
+            <a:off x="6411722" y="4319522"/>
+            <a:ext cx="2181253" cy="676889"/>
+          </a:xfrm>
+          <a:custGeom>
+            <a:avLst/>
+            <a:gdLst>
+              <a:gd name="connsiteX0" fmla="*/ 0 w 907618"/>
+              <a:gd name="connsiteY0" fmla="*/ 0 h 1220540"/>
+              <a:gd name="connsiteX1" fmla="*/ 907618 w 907618"/>
+              <a:gd name="connsiteY1" fmla="*/ 0 h 1220540"/>
+              <a:gd name="connsiteX2" fmla="*/ 907618 w 907618"/>
+              <a:gd name="connsiteY2" fmla="*/ 1220540 h 1220540"/>
+              <a:gd name="connsiteX3" fmla="*/ 0 w 907618"/>
+              <a:gd name="connsiteY3" fmla="*/ 1220540 h 1220540"/>
+              <a:gd name="connsiteX4" fmla="*/ 0 w 907618"/>
+              <a:gd name="connsiteY4" fmla="*/ 0 h 1220540"/>
+            </a:gdLst>
+            <a:ahLst/>
+            <a:cxnLst>
+              <a:cxn ang="0">
+                <a:pos x="connsiteX0" y="connsiteY0"/>
+              </a:cxn>
+              <a:cxn ang="0">
+                <a:pos x="connsiteX1" y="connsiteY1"/>
+              </a:cxn>
+              <a:cxn ang="0">
+                <a:pos x="connsiteX2" y="connsiteY2"/>
+              </a:cxn>
+              <a:cxn ang="0">
+                <a:pos x="connsiteX3" y="connsiteY3"/>
+              </a:cxn>
+              <a:cxn ang="0">
+                <a:pos x="connsiteX4" y="connsiteY4"/>
+              </a:cxn>
+            </a:cxnLst>
+            <a:rect l="l" t="t" r="r" b="b"/>
+            <a:pathLst>
+              <a:path w="907618" h="1220540">
+                <a:moveTo>
+                  <a:pt x="0" y="0"/>
+                </a:moveTo>
+                <a:lnTo>
+                  <a:pt x="907618" y="0"/>
+                </a:lnTo>
+                <a:lnTo>
+                  <a:pt x="907618" y="1220540"/>
+                </a:lnTo>
+                <a:lnTo>
+                  <a:pt x="0" y="1220540"/>
+                </a:lnTo>
+                <a:lnTo>
+                  <a:pt x="0" y="0"/>
+                </a:lnTo>
+                <a:close/>
+              </a:path>
+            </a:pathLst>
+          </a:custGeom>
+        </p:spPr>
+        <p:style>
+          <a:lnRef idx="0">
+            <a:schemeClr val="dk1">
+              <a:alpha val="0"/>
+              <a:hueOff val="0"/>
+              <a:satOff val="0"/>
+              <a:lumOff val="0"/>
+              <a:alphaOff val="0"/>
+            </a:schemeClr>
+          </a:lnRef>
+          <a:fillRef idx="0">
+            <a:schemeClr val="lt1">
+              <a:alpha val="0"/>
+              <a:hueOff val="0"/>
+              <a:satOff val="0"/>
+              <a:lumOff val="0"/>
+              <a:alphaOff val="0"/>
+            </a:schemeClr>
+          </a:fillRef>
+          <a:effectRef idx="0">
+            <a:schemeClr val="lt1">
+              <a:alpha val="0"/>
+              <a:hueOff val="0"/>
+              <a:satOff val="0"/>
+              <a:lumOff val="0"/>
+              <a:alphaOff val="0"/>
+            </a:schemeClr>
+          </a:effectRef>
+          <a:fontRef idx="minor">
+            <a:schemeClr val="tx1">
+              <a:hueOff val="0"/>
+              <a:satOff val="0"/>
+              <a:lumOff val="0"/>
+              <a:alphaOff val="0"/>
+            </a:schemeClr>
+          </a:fontRef>
+        </p:style>
+        <p:txBody>
+          <a:bodyPr spcFirstLastPara="0" vert="horz" wrap="square" lIns="85344" tIns="85344" rIns="85344" bIns="85344" numCol="1" spcCol="1270" anchor="b" anchorCtr="0">
+            <a:noAutofit/>
+          </a:bodyPr>
+          <a:lstStyle/>
+          <a:p>
+            <a:pPr lvl="0" algn="ctr" defTabSz="533400">
+              <a:lnSpc>
+                <a:spcPct val="90000"/>
+              </a:lnSpc>
+              <a:spcBef>
+                <a:spcPct val="0"/>
+              </a:spcBef>
+              <a:spcAft>
+                <a:spcPct val="35000"/>
+              </a:spcAft>
+            </a:pPr>
+            <a:r>
+              <a:rPr lang="en-US" sz="2200" dirty="0" smtClean="0">
+                <a:solidFill>
+                  <a:srgbClr val="052B48"/>
+                </a:solidFill>
+              </a:rPr>
+              <a:t>NWB:N 1.0.5g Released</a:t>
+            </a:r>
+            <a:endParaRPr lang="en-US" sz="2200" kern="1200" dirty="0">
+              <a:solidFill>
+                <a:srgbClr val="052B48"/>
+              </a:solidFill>
+            </a:endParaRPr>
+          </a:p>
+        </p:txBody>
+      </p:sp>
+      <p:sp>
+        <p:nvSpPr>
+          <p:cNvPr id="192" name="Notched Right Arrow 191"/>
+          <p:cNvSpPr/>
+          <p:nvPr/>
+        </p:nvSpPr>
+        <p:spPr>
+          <a:xfrm>
+            <a:off x="8121379" y="3177229"/>
+            <a:ext cx="6078882" cy="885739"/>
+          </a:xfrm>
+          <a:prstGeom prst="notchedRightArrow">
+            <a:avLst>
+              <a:gd name="adj1" fmla="val 100000"/>
+              <a:gd name="adj2" fmla="val 47999"/>
+            </a:avLst>
+          </a:prstGeom>
+          <a:solidFill>
+            <a:schemeClr val="accent1">
+              <a:lumMod val="60000"/>
+              <a:lumOff val="40000"/>
+            </a:schemeClr>
+          </a:solidFill>
+          <a:ln>
+            <a:solidFill>
+              <a:srgbClr val="052B48"/>
+            </a:solidFill>
+          </a:ln>
+        </p:spPr>
+        <p:style>
+          <a:lnRef idx="0">
+            <a:schemeClr val="dk1">
+              <a:hueOff val="0"/>
+              <a:satOff val="0"/>
+              <a:lumOff val="0"/>
+              <a:alphaOff val="0"/>
+            </a:schemeClr>
+          </a:lnRef>
+          <a:fillRef idx="1">
+            <a:schemeClr val="accent1">
+              <a:tint val="40000"/>
+              <a:hueOff val="0"/>
+              <a:satOff val="0"/>
+              <a:lumOff val="0"/>
+              <a:alphaOff val="0"/>
+            </a:schemeClr>
+          </a:fillRef>
+          <a:effectRef idx="0">
+            <a:schemeClr val="accent1">
+              <a:tint val="40000"/>
+              <a:hueOff val="0"/>
+              <a:satOff val="0"/>
+              <a:lumOff val="0"/>
+              <a:alphaOff val="0"/>
+            </a:schemeClr>
+          </a:effectRef>
+          <a:fontRef idx="minor">
+            <a:schemeClr val="dk1">
+              <a:hueOff val="0"/>
+              <a:satOff val="0"/>
+              <a:lumOff val="0"/>
+              <a:alphaOff val="0"/>
+            </a:schemeClr>
+          </a:fontRef>
+        </p:style>
+      </p:sp>
+      <p:sp>
+        <p:nvSpPr>
+          <p:cNvPr id="193" name="Oval 192"/>
+          <p:cNvSpPr>
+            <a:spLocks noChangeAspect="1"/>
+          </p:cNvSpPr>
+          <p:nvPr/>
+        </p:nvSpPr>
+        <p:spPr>
+          <a:xfrm>
+            <a:off x="9161858" y="3395629"/>
+            <a:ext cx="445578" cy="445578"/>
+          </a:xfrm>
+          <a:prstGeom prst="ellipse">
+            <a:avLst/>
+          </a:prstGeom>
+          <a:solidFill>
+            <a:schemeClr val="accent1">
+              <a:lumMod val="40000"/>
+              <a:lumOff val="60000"/>
+            </a:schemeClr>
+          </a:solidFill>
+        </p:spPr>
+        <p:style>
+          <a:lnRef idx="2">
+            <a:schemeClr val="lt1">
+              <a:hueOff val="0"/>
+              <a:satOff val="0"/>
+              <a:lumOff val="0"/>
+              <a:alphaOff val="0"/>
+            </a:schemeClr>
+          </a:lnRef>
+          <a:fillRef idx="1">
+            <a:schemeClr val="accent1">
+              <a:shade val="80000"/>
+              <a:hueOff val="0"/>
+              <a:satOff val="0"/>
+              <a:lumOff val="0"/>
+              <a:alphaOff val="0"/>
+            </a:schemeClr>
+          </a:fillRef>
+          <a:effectRef idx="0">
+            <a:schemeClr val="accent1">
+              <a:shade val="80000"/>
+              <a:hueOff val="0"/>
+              <a:satOff val="0"/>
+              <a:lumOff val="0"/>
+              <a:alphaOff val="0"/>
+            </a:schemeClr>
+          </a:effectRef>
+          <a:fontRef idx="minor">
+            <a:schemeClr val="lt1"/>
+          </a:fontRef>
+        </p:style>
+      </p:sp>
+      <p:cxnSp>
+        <p:nvCxnSpPr>
+          <p:cNvPr id="194" name="Straight Connector 193"/>
+          <p:cNvCxnSpPr>
+            <a:stCxn id="193" idx="0"/>
+          </p:cNvCxnSpPr>
+          <p:nvPr/>
+        </p:nvCxnSpPr>
+        <p:spPr>
+          <a:xfrm flipV="1">
+            <a:off x="9384647" y="3044788"/>
+            <a:ext cx="0" cy="350841"/>
+          </a:xfrm>
+          <a:prstGeom prst="line">
+            <a:avLst/>
+          </a:prstGeom>
+          <a:ln>
+            <a:solidFill>
+              <a:srgbClr val="052B48"/>
+            </a:solidFill>
+          </a:ln>
+          <a:effectLst/>
+        </p:spPr>
+        <p:style>
+          <a:lnRef idx="2">
+            <a:schemeClr val="accent1"/>
+          </a:lnRef>
+          <a:fillRef idx="0">
+            <a:schemeClr val="accent1"/>
+          </a:fillRef>
+          <a:effectRef idx="1">
+            <a:schemeClr val="accent1"/>
+          </a:effectRef>
+          <a:fontRef idx="minor">
+            <a:schemeClr val="tx1"/>
+          </a:fontRef>
+        </p:style>
+      </p:cxnSp>
+      <p:sp>
+        <p:nvSpPr>
+          <p:cNvPr id="195" name="Freeform 194"/>
+          <p:cNvSpPr/>
+          <p:nvPr/>
+        </p:nvSpPr>
+        <p:spPr>
+          <a:xfrm>
+            <a:off x="8141375" y="3675176"/>
+            <a:ext cx="1138013" cy="397400"/>
+          </a:xfrm>
+          <a:custGeom>
+            <a:avLst/>
+            <a:gdLst>
+              <a:gd name="connsiteX0" fmla="*/ 0 w 686503"/>
+              <a:gd name="connsiteY0" fmla="*/ 0 h 1131184"/>
+              <a:gd name="connsiteX1" fmla="*/ 686503 w 686503"/>
+              <a:gd name="connsiteY1" fmla="*/ 0 h 1131184"/>
+              <a:gd name="connsiteX2" fmla="*/ 686503 w 686503"/>
+              <a:gd name="connsiteY2" fmla="*/ 1131184 h 1131184"/>
+              <a:gd name="connsiteX3" fmla="*/ 0 w 686503"/>
+              <a:gd name="connsiteY3" fmla="*/ 1131184 h 1131184"/>
+              <a:gd name="connsiteX4" fmla="*/ 0 w 686503"/>
+              <a:gd name="connsiteY4" fmla="*/ 0 h 1131184"/>
+            </a:gdLst>
+            <a:ahLst/>
+            <a:cxnLst>
+              <a:cxn ang="0">
+                <a:pos x="connsiteX0" y="connsiteY0"/>
+              </a:cxn>
+              <a:cxn ang="0">
+                <a:pos x="connsiteX1" y="connsiteY1"/>
+              </a:cxn>
+              <a:cxn ang="0">
+                <a:pos x="connsiteX2" y="connsiteY2"/>
+              </a:cxn>
+              <a:cxn ang="0">
+                <a:pos x="connsiteX3" y="connsiteY3"/>
+              </a:cxn>
+              <a:cxn ang="0">
+                <a:pos x="connsiteX4" y="connsiteY4"/>
+              </a:cxn>
+            </a:cxnLst>
+            <a:rect l="l" t="t" r="r" b="b"/>
+            <a:pathLst>
+              <a:path w="686503" h="1131184">
+                <a:moveTo>
+                  <a:pt x="0" y="0"/>
+                </a:moveTo>
+                <a:lnTo>
+                  <a:pt x="686503" y="0"/>
+                </a:lnTo>
+                <a:lnTo>
+                  <a:pt x="686503" y="1131184"/>
+                </a:lnTo>
+                <a:lnTo>
+                  <a:pt x="0" y="1131184"/>
+                </a:lnTo>
+                <a:lnTo>
+                  <a:pt x="0" y="0"/>
+                </a:lnTo>
+                <a:close/>
+              </a:path>
+            </a:pathLst>
+          </a:custGeom>
+        </p:spPr>
+        <p:style>
+          <a:lnRef idx="0">
+            <a:schemeClr val="dk1">
+              <a:alpha val="0"/>
+              <a:hueOff val="0"/>
+              <a:satOff val="0"/>
+              <a:lumOff val="0"/>
+              <a:alphaOff val="0"/>
+            </a:schemeClr>
+          </a:lnRef>
+          <a:fillRef idx="0">
+            <a:schemeClr val="lt1">
+              <a:alpha val="0"/>
+              <a:hueOff val="0"/>
+              <a:satOff val="0"/>
+              <a:lumOff val="0"/>
+              <a:alphaOff val="0"/>
+            </a:schemeClr>
+          </a:fillRef>
+          <a:effectRef idx="0">
+            <a:schemeClr val="lt1">
+              <a:alpha val="0"/>
+              <a:hueOff val="0"/>
+              <a:satOff val="0"/>
+              <a:lumOff val="0"/>
+              <a:alphaOff val="0"/>
+            </a:schemeClr>
+          </a:effectRef>
+          <a:fontRef idx="minor">
+            <a:schemeClr val="tx1">
+              <a:hueOff val="0"/>
+              <a:satOff val="0"/>
+              <a:lumOff val="0"/>
+              <a:alphaOff val="0"/>
+            </a:schemeClr>
+          </a:fontRef>
+        </p:style>
+        <p:txBody>
+          <a:bodyPr spcFirstLastPara="0" vert="horz" wrap="square" lIns="85344" tIns="85344" rIns="85344" bIns="85344" numCol="1" spcCol="1270" anchor="t" anchorCtr="0">
+            <a:noAutofit/>
+          </a:bodyPr>
+          <a:lstStyle/>
+          <a:p>
+            <a:pPr lvl="0" algn="ctr" defTabSz="533400">
+              <a:lnSpc>
+                <a:spcPct val="90000"/>
+              </a:lnSpc>
+              <a:spcBef>
+                <a:spcPct val="0"/>
+              </a:spcBef>
+              <a:spcAft>
+                <a:spcPct val="35000"/>
+              </a:spcAft>
+            </a:pPr>
+            <a:r>
+              <a:rPr lang="en-US" sz="2200" b="1" i="0" u="none" kern="1200" dirty="0" smtClean="0">
+                <a:solidFill>
+                  <a:srgbClr val="052B48"/>
+                </a:solidFill>
+              </a:rPr>
+              <a:t>2017</a:t>
+            </a:r>
+            <a:endParaRPr lang="en-US" sz="2200" b="1" kern="1200" dirty="0">
+              <a:solidFill>
+                <a:srgbClr val="052B48"/>
+              </a:solidFill>
+            </a:endParaRPr>
+          </a:p>
+        </p:txBody>
+      </p:sp>
+      <p:sp>
+        <p:nvSpPr>
+          <p:cNvPr id="196" name="Freeform 195"/>
+          <p:cNvSpPr/>
+          <p:nvPr/>
+        </p:nvSpPr>
+        <p:spPr>
+          <a:xfrm>
+            <a:off x="9099991" y="3423456"/>
+            <a:ext cx="569312" cy="393474"/>
+          </a:xfrm>
+          <a:custGeom>
+            <a:avLst/>
+            <a:gdLst>
+              <a:gd name="connsiteX0" fmla="*/ 0 w 686503"/>
+              <a:gd name="connsiteY0" fmla="*/ 0 h 1131184"/>
+              <a:gd name="connsiteX1" fmla="*/ 686503 w 686503"/>
+              <a:gd name="connsiteY1" fmla="*/ 0 h 1131184"/>
+              <a:gd name="connsiteX2" fmla="*/ 686503 w 686503"/>
+              <a:gd name="connsiteY2" fmla="*/ 1131184 h 1131184"/>
+              <a:gd name="connsiteX3" fmla="*/ 0 w 686503"/>
+              <a:gd name="connsiteY3" fmla="*/ 1131184 h 1131184"/>
+              <a:gd name="connsiteX4" fmla="*/ 0 w 686503"/>
+              <a:gd name="connsiteY4" fmla="*/ 0 h 1131184"/>
+            </a:gdLst>
+            <a:ahLst/>
+            <a:cxnLst>
+              <a:cxn ang="0">
+                <a:pos x="connsiteX0" y="connsiteY0"/>
+              </a:cxn>
+              <a:cxn ang="0">
+                <a:pos x="connsiteX1" y="connsiteY1"/>
+              </a:cxn>
+              <a:cxn ang="0">
+                <a:pos x="connsiteX2" y="connsiteY2"/>
+              </a:cxn>
+              <a:cxn ang="0">
+                <a:pos x="connsiteX3" y="connsiteY3"/>
+              </a:cxn>
+              <a:cxn ang="0">
+                <a:pos x="connsiteX4" y="connsiteY4"/>
+              </a:cxn>
+            </a:cxnLst>
+            <a:rect l="l" t="t" r="r" b="b"/>
+            <a:pathLst>
+              <a:path w="686503" h="1131184">
+                <a:moveTo>
+                  <a:pt x="0" y="0"/>
+                </a:moveTo>
+                <a:lnTo>
+                  <a:pt x="686503" y="0"/>
+                </a:lnTo>
+                <a:lnTo>
+                  <a:pt x="686503" y="1131184"/>
+                </a:lnTo>
+                <a:lnTo>
+                  <a:pt x="0" y="1131184"/>
+                </a:lnTo>
+                <a:lnTo>
+                  <a:pt x="0" y="0"/>
+                </a:lnTo>
+                <a:close/>
+              </a:path>
+            </a:pathLst>
+          </a:custGeom>
+        </p:spPr>
+        <p:style>
+          <a:lnRef idx="0">
+            <a:schemeClr val="dk1">
+              <a:alpha val="0"/>
+              <a:hueOff val="0"/>
+              <a:satOff val="0"/>
+              <a:lumOff val="0"/>
+              <a:alphaOff val="0"/>
+            </a:schemeClr>
+          </a:lnRef>
+          <a:fillRef idx="0">
+            <a:schemeClr val="lt1">
+              <a:alpha val="0"/>
+              <a:hueOff val="0"/>
+              <a:satOff val="0"/>
+              <a:lumOff val="0"/>
+              <a:alphaOff val="0"/>
+            </a:schemeClr>
+          </a:fillRef>
+          <a:effectRef idx="0">
+            <a:schemeClr val="lt1">
+              <a:alpha val="0"/>
+              <a:hueOff val="0"/>
+              <a:satOff val="0"/>
+              <a:lumOff val="0"/>
+              <a:alphaOff val="0"/>
+            </a:schemeClr>
+          </a:effectRef>
+          <a:fontRef idx="minor">
+            <a:schemeClr val="tx1">
+              <a:hueOff val="0"/>
+              <a:satOff val="0"/>
+              <a:lumOff val="0"/>
+              <a:alphaOff val="0"/>
+            </a:schemeClr>
+          </a:fontRef>
+        </p:style>
+        <p:txBody>
+          <a:bodyPr spcFirstLastPara="0" vert="horz" wrap="square" lIns="85344" tIns="85344" rIns="85344" bIns="85344" numCol="1" spcCol="1270" anchor="t" anchorCtr="0">
+            <a:noAutofit/>
+          </a:bodyPr>
+          <a:lstStyle/>
+          <a:p>
+            <a:pPr lvl="0" algn="ctr" defTabSz="533400">
+              <a:lnSpc>
+                <a:spcPct val="90000"/>
+              </a:lnSpc>
+              <a:spcBef>
+                <a:spcPct val="0"/>
+              </a:spcBef>
+              <a:spcAft>
+                <a:spcPct val="35000"/>
+              </a:spcAft>
+            </a:pPr>
+            <a:r>
+              <a:rPr lang="en-US" sz="1600" b="1" i="0" u="none" kern="1200" dirty="0" smtClean="0">
+                <a:solidFill>
+                  <a:srgbClr val="052B48"/>
+                </a:solidFill>
+              </a:rPr>
+              <a:t>Jan</a:t>
+            </a:r>
+            <a:endParaRPr lang="en-US" sz="1600" b="1" kern="1200" dirty="0">
+              <a:solidFill>
+                <a:srgbClr val="052B48"/>
+              </a:solidFill>
+            </a:endParaRPr>
+          </a:p>
+        </p:txBody>
+      </p:sp>
+      <p:sp>
+        <p:nvSpPr>
+          <p:cNvPr id="197" name="Freeform 196"/>
+          <p:cNvSpPr/>
+          <p:nvPr/>
+        </p:nvSpPr>
+        <p:spPr>
+          <a:xfrm>
+            <a:off x="8068017" y="1860650"/>
+            <a:ext cx="2635110" cy="1237734"/>
+          </a:xfrm>
+          <a:custGeom>
+            <a:avLst/>
+            <a:gdLst>
+              <a:gd name="connsiteX0" fmla="*/ 0 w 907618"/>
+              <a:gd name="connsiteY0" fmla="*/ 0 h 1220540"/>
+              <a:gd name="connsiteX1" fmla="*/ 907618 w 907618"/>
+              <a:gd name="connsiteY1" fmla="*/ 0 h 1220540"/>
+              <a:gd name="connsiteX2" fmla="*/ 907618 w 907618"/>
+              <a:gd name="connsiteY2" fmla="*/ 1220540 h 1220540"/>
+              <a:gd name="connsiteX3" fmla="*/ 0 w 907618"/>
+              <a:gd name="connsiteY3" fmla="*/ 1220540 h 1220540"/>
+              <a:gd name="connsiteX4" fmla="*/ 0 w 907618"/>
+              <a:gd name="connsiteY4" fmla="*/ 0 h 1220540"/>
+            </a:gdLst>
+            <a:ahLst/>
+            <a:cxnLst>
+              <a:cxn ang="0">
+                <a:pos x="connsiteX0" y="connsiteY0"/>
+              </a:cxn>
+              <a:cxn ang="0">
+                <a:pos x="connsiteX1" y="connsiteY1"/>
+              </a:cxn>
+              <a:cxn ang="0">
+                <a:pos x="connsiteX2" y="connsiteY2"/>
+              </a:cxn>
+              <a:cxn ang="0">
+                <a:pos x="connsiteX3" y="connsiteY3"/>
+              </a:cxn>
+              <a:cxn ang="0">
+                <a:pos x="connsiteX4" y="connsiteY4"/>
+              </a:cxn>
+            </a:cxnLst>
+            <a:rect l="l" t="t" r="r" b="b"/>
+            <a:pathLst>
+              <a:path w="907618" h="1220540">
+                <a:moveTo>
+                  <a:pt x="0" y="0"/>
+                </a:moveTo>
+                <a:lnTo>
+                  <a:pt x="907618" y="0"/>
+                </a:lnTo>
+                <a:lnTo>
+                  <a:pt x="907618" y="1220540"/>
+                </a:lnTo>
+                <a:lnTo>
+                  <a:pt x="0" y="1220540"/>
+                </a:lnTo>
+                <a:lnTo>
+                  <a:pt x="0" y="0"/>
+                </a:lnTo>
+                <a:close/>
+              </a:path>
+            </a:pathLst>
+          </a:custGeom>
+        </p:spPr>
+        <p:style>
+          <a:lnRef idx="0">
+            <a:schemeClr val="dk1">
+              <a:alpha val="0"/>
+              <a:hueOff val="0"/>
+              <a:satOff val="0"/>
+              <a:lumOff val="0"/>
+              <a:alphaOff val="0"/>
+            </a:schemeClr>
+          </a:lnRef>
+          <a:fillRef idx="0">
+            <a:schemeClr val="lt1">
+              <a:alpha val="0"/>
+              <a:hueOff val="0"/>
+              <a:satOff val="0"/>
+              <a:lumOff val="0"/>
+              <a:alphaOff val="0"/>
+            </a:schemeClr>
+          </a:fillRef>
+          <a:effectRef idx="0">
+            <a:schemeClr val="lt1">
+              <a:alpha val="0"/>
+              <a:hueOff val="0"/>
+              <a:satOff val="0"/>
+              <a:lumOff val="0"/>
+              <a:alphaOff val="0"/>
+            </a:schemeClr>
+          </a:effectRef>
+          <a:fontRef idx="minor">
+            <a:schemeClr val="tx1">
+              <a:hueOff val="0"/>
+              <a:satOff val="0"/>
+              <a:lumOff val="0"/>
+              <a:alphaOff val="0"/>
+            </a:schemeClr>
+          </a:fontRef>
+        </p:style>
+        <p:txBody>
+          <a:bodyPr spcFirstLastPara="0" vert="horz" wrap="square" lIns="85344" tIns="85344" rIns="85344" bIns="85344" numCol="1" spcCol="1270" anchor="b" anchorCtr="0">
+            <a:noAutofit/>
+          </a:bodyPr>
+          <a:lstStyle/>
+          <a:p>
+            <a:pPr lvl="0" algn="ctr" defTabSz="533400">
+              <a:lnSpc>
+                <a:spcPct val="90000"/>
+              </a:lnSpc>
+              <a:spcBef>
+                <a:spcPct val="0"/>
+              </a:spcBef>
+              <a:spcAft>
+                <a:spcPct val="35000"/>
+              </a:spcAft>
+            </a:pPr>
+            <a:r>
+              <a:rPr lang="en-US" sz="2300" kern="1200" dirty="0" smtClean="0">
+                <a:solidFill>
+                  <a:srgbClr val="052B48"/>
+                </a:solidFill>
+              </a:rPr>
+              <a:t>KAVLI funds NWB4HPC Project led by LBNL </a:t>
+            </a:r>
+            <a:endParaRPr lang="en-US" sz="2300" kern="1200" dirty="0">
+              <a:solidFill>
+                <a:srgbClr val="052B48"/>
+              </a:solidFill>
+            </a:endParaRPr>
+          </a:p>
+        </p:txBody>
+      </p:sp>
+      <p:sp>
+        <p:nvSpPr>
+          <p:cNvPr id="198" name="Freeform 197"/>
+          <p:cNvSpPr/>
+          <p:nvPr/>
+        </p:nvSpPr>
+        <p:spPr>
+          <a:xfrm>
+            <a:off x="9769667" y="4145176"/>
+            <a:ext cx="1633156" cy="1155682"/>
+          </a:xfrm>
+          <a:custGeom>
+            <a:avLst/>
+            <a:gdLst>
+              <a:gd name="connsiteX0" fmla="*/ 0 w 907618"/>
+              <a:gd name="connsiteY0" fmla="*/ 0 h 1220540"/>
+              <a:gd name="connsiteX1" fmla="*/ 907618 w 907618"/>
+              <a:gd name="connsiteY1" fmla="*/ 0 h 1220540"/>
+              <a:gd name="connsiteX2" fmla="*/ 907618 w 907618"/>
+              <a:gd name="connsiteY2" fmla="*/ 1220540 h 1220540"/>
+              <a:gd name="connsiteX3" fmla="*/ 0 w 907618"/>
+              <a:gd name="connsiteY3" fmla="*/ 1220540 h 1220540"/>
+              <a:gd name="connsiteX4" fmla="*/ 0 w 907618"/>
+              <a:gd name="connsiteY4" fmla="*/ 0 h 1220540"/>
+            </a:gdLst>
+            <a:ahLst/>
+            <a:cxnLst>
+              <a:cxn ang="0">
+                <a:pos x="connsiteX0" y="connsiteY0"/>
+              </a:cxn>
+              <a:cxn ang="0">
+                <a:pos x="connsiteX1" y="connsiteY1"/>
+              </a:cxn>
+              <a:cxn ang="0">
+                <a:pos x="connsiteX2" y="connsiteY2"/>
+              </a:cxn>
+              <a:cxn ang="0">
+                <a:pos x="connsiteX3" y="connsiteY3"/>
+              </a:cxn>
+              <a:cxn ang="0">
+                <a:pos x="connsiteX4" y="connsiteY4"/>
+              </a:cxn>
+            </a:cxnLst>
+            <a:rect l="l" t="t" r="r" b="b"/>
+            <a:pathLst>
+              <a:path w="907618" h="1220540">
+                <a:moveTo>
+                  <a:pt x="0" y="0"/>
+                </a:moveTo>
+                <a:lnTo>
+                  <a:pt x="907618" y="0"/>
+                </a:lnTo>
+                <a:lnTo>
+                  <a:pt x="907618" y="1220540"/>
+                </a:lnTo>
+                <a:lnTo>
+                  <a:pt x="0" y="1220540"/>
+                </a:lnTo>
+                <a:lnTo>
+                  <a:pt x="0" y="0"/>
+                </a:lnTo>
+                <a:close/>
+              </a:path>
+            </a:pathLst>
+          </a:custGeom>
+        </p:spPr>
+        <p:style>
+          <a:lnRef idx="0">
+            <a:schemeClr val="dk1">
+              <a:alpha val="0"/>
+              <a:hueOff val="0"/>
+              <a:satOff val="0"/>
+              <a:lumOff val="0"/>
+              <a:alphaOff val="0"/>
+            </a:schemeClr>
+          </a:lnRef>
+          <a:fillRef idx="0">
+            <a:schemeClr val="lt1">
+              <a:alpha val="0"/>
+              <a:hueOff val="0"/>
+              <a:satOff val="0"/>
+              <a:lumOff val="0"/>
+              <a:alphaOff val="0"/>
+            </a:schemeClr>
+          </a:fillRef>
+          <a:effectRef idx="0">
+            <a:schemeClr val="lt1">
+              <a:alpha val="0"/>
+              <a:hueOff val="0"/>
+              <a:satOff val="0"/>
+              <a:lumOff val="0"/>
+              <a:alphaOff val="0"/>
+            </a:schemeClr>
+          </a:effectRef>
+          <a:fontRef idx="minor">
+            <a:schemeClr val="tx1">
+              <a:hueOff val="0"/>
+              <a:satOff val="0"/>
+              <a:lumOff val="0"/>
+              <a:alphaOff val="0"/>
+            </a:schemeClr>
+          </a:fontRef>
+        </p:style>
+        <p:txBody>
+          <a:bodyPr spcFirstLastPara="0" vert="horz" wrap="square" lIns="85344" tIns="85344" rIns="85344" bIns="85344" numCol="1" spcCol="1270" anchor="b" anchorCtr="0">
+            <a:noAutofit/>
+          </a:bodyPr>
+          <a:lstStyle/>
+          <a:p>
+            <a:pPr lvl="0" algn="ctr" defTabSz="533400">
+              <a:lnSpc>
+                <a:spcPct val="90000"/>
+              </a:lnSpc>
+              <a:spcBef>
+                <a:spcPct val="0"/>
+              </a:spcBef>
+              <a:spcAft>
+                <a:spcPct val="35000"/>
+              </a:spcAft>
+            </a:pPr>
+            <a:r>
+              <a:rPr lang="en-US" sz="2200" dirty="0">
+                <a:solidFill>
+                  <a:srgbClr val="052B48"/>
+                </a:solidFill>
+              </a:rPr>
+              <a:t>3</a:t>
+            </a:r>
+            <a:r>
+              <a:rPr lang="en-US" sz="2200" kern="1200" baseline="30000" dirty="0" smtClean="0">
+                <a:solidFill>
+                  <a:srgbClr val="052B48"/>
+                </a:solidFill>
+              </a:rPr>
+              <a:t>nd</a:t>
+            </a:r>
+            <a:r>
+              <a:rPr lang="en-US" sz="2200" kern="1200" dirty="0" smtClean="0">
+                <a:solidFill>
+                  <a:srgbClr val="052B48"/>
+                </a:solidFill>
+              </a:rPr>
+              <a:t> NWB Hackathon at HHMI</a:t>
+            </a:r>
+            <a:endParaRPr lang="en-US" sz="2200" kern="1200" dirty="0">
+              <a:solidFill>
+                <a:srgbClr val="052B48"/>
+              </a:solidFill>
+            </a:endParaRPr>
+          </a:p>
+        </p:txBody>
+      </p:sp>
+      <p:sp>
+        <p:nvSpPr>
+          <p:cNvPr id="199" name="Oval 198"/>
+          <p:cNvSpPr>
+            <a:spLocks noChangeAspect="1"/>
+          </p:cNvSpPr>
+          <p:nvPr/>
+        </p:nvSpPr>
+        <p:spPr>
+          <a:xfrm>
+            <a:off x="10334135" y="3395629"/>
+            <a:ext cx="445578" cy="445578"/>
+          </a:xfrm>
+          <a:prstGeom prst="ellipse">
+            <a:avLst/>
+          </a:prstGeom>
+          <a:solidFill>
+            <a:schemeClr val="accent1">
+              <a:lumMod val="40000"/>
+              <a:lumOff val="60000"/>
+            </a:schemeClr>
+          </a:solidFill>
+        </p:spPr>
+        <p:style>
+          <a:lnRef idx="2">
+            <a:schemeClr val="lt1">
+              <a:hueOff val="0"/>
+              <a:satOff val="0"/>
+              <a:lumOff val="0"/>
+              <a:alphaOff val="0"/>
+            </a:schemeClr>
+          </a:lnRef>
+          <a:fillRef idx="1">
+            <a:schemeClr val="accent1">
+              <a:shade val="80000"/>
+              <a:hueOff val="0"/>
+              <a:satOff val="0"/>
+              <a:lumOff val="0"/>
+              <a:alphaOff val="0"/>
+            </a:schemeClr>
+          </a:fillRef>
+          <a:effectRef idx="0">
+            <a:schemeClr val="accent1">
+              <a:shade val="80000"/>
+              <a:hueOff val="0"/>
+              <a:satOff val="0"/>
+              <a:lumOff val="0"/>
+              <a:alphaOff val="0"/>
+            </a:schemeClr>
+          </a:effectRef>
+          <a:fontRef idx="minor">
+            <a:schemeClr val="lt1"/>
+          </a:fontRef>
+        </p:style>
+      </p:sp>
+      <p:cxnSp>
+        <p:nvCxnSpPr>
+          <p:cNvPr id="200" name="Straight Connector 199"/>
+          <p:cNvCxnSpPr/>
+          <p:nvPr/>
+        </p:nvCxnSpPr>
+        <p:spPr>
+          <a:xfrm flipV="1">
+            <a:off x="10556924" y="3849887"/>
+            <a:ext cx="0" cy="350841"/>
+          </a:xfrm>
+          <a:prstGeom prst="line">
+            <a:avLst/>
+          </a:prstGeom>
+          <a:ln>
+            <a:solidFill>
+              <a:srgbClr val="052B48"/>
+            </a:solidFill>
+          </a:ln>
+          <a:effectLst/>
+        </p:spPr>
+        <p:style>
+          <a:lnRef idx="2">
+            <a:schemeClr val="accent1"/>
+          </a:lnRef>
+          <a:fillRef idx="0">
+            <a:schemeClr val="accent1"/>
+          </a:fillRef>
+          <a:effectRef idx="1">
+            <a:schemeClr val="accent1"/>
+          </a:effectRef>
+          <a:fontRef idx="minor">
+            <a:schemeClr val="tx1"/>
+          </a:fontRef>
+        </p:style>
+      </p:cxnSp>
+      <p:sp>
+        <p:nvSpPr>
+          <p:cNvPr id="201" name="Freeform 200"/>
+          <p:cNvSpPr/>
+          <p:nvPr/>
+        </p:nvSpPr>
+        <p:spPr>
+          <a:xfrm>
+            <a:off x="10272268" y="3423456"/>
+            <a:ext cx="569312" cy="393474"/>
+          </a:xfrm>
+          <a:custGeom>
+            <a:avLst/>
+            <a:gdLst>
+              <a:gd name="connsiteX0" fmla="*/ 0 w 686503"/>
+              <a:gd name="connsiteY0" fmla="*/ 0 h 1131184"/>
+              <a:gd name="connsiteX1" fmla="*/ 686503 w 686503"/>
+              <a:gd name="connsiteY1" fmla="*/ 0 h 1131184"/>
+              <a:gd name="connsiteX2" fmla="*/ 686503 w 686503"/>
+              <a:gd name="connsiteY2" fmla="*/ 1131184 h 1131184"/>
+              <a:gd name="connsiteX3" fmla="*/ 0 w 686503"/>
+              <a:gd name="connsiteY3" fmla="*/ 1131184 h 1131184"/>
+              <a:gd name="connsiteX4" fmla="*/ 0 w 686503"/>
+              <a:gd name="connsiteY4" fmla="*/ 0 h 1131184"/>
+            </a:gdLst>
+            <a:ahLst/>
+            <a:cxnLst>
+              <a:cxn ang="0">
+                <a:pos x="connsiteX0" y="connsiteY0"/>
+              </a:cxn>
+              <a:cxn ang="0">
+                <a:pos x="connsiteX1" y="connsiteY1"/>
+              </a:cxn>
+              <a:cxn ang="0">
+                <a:pos x="connsiteX2" y="connsiteY2"/>
+              </a:cxn>
+              <a:cxn ang="0">
+                <a:pos x="connsiteX3" y="connsiteY3"/>
+              </a:cxn>
+              <a:cxn ang="0">
+                <a:pos x="connsiteX4" y="connsiteY4"/>
+              </a:cxn>
+            </a:cxnLst>
+            <a:rect l="l" t="t" r="r" b="b"/>
+            <a:pathLst>
+              <a:path w="686503" h="1131184">
+                <a:moveTo>
+                  <a:pt x="0" y="0"/>
+                </a:moveTo>
+                <a:lnTo>
+                  <a:pt x="686503" y="0"/>
+                </a:lnTo>
+                <a:lnTo>
+                  <a:pt x="686503" y="1131184"/>
+                </a:lnTo>
+                <a:lnTo>
+                  <a:pt x="0" y="1131184"/>
+                </a:lnTo>
+                <a:lnTo>
+                  <a:pt x="0" y="0"/>
+                </a:lnTo>
+                <a:close/>
+              </a:path>
+            </a:pathLst>
+          </a:custGeom>
+        </p:spPr>
+        <p:style>
+          <a:lnRef idx="0">
+            <a:schemeClr val="dk1">
+              <a:alpha val="0"/>
+              <a:hueOff val="0"/>
+              <a:satOff val="0"/>
+              <a:lumOff val="0"/>
+              <a:alphaOff val="0"/>
+            </a:schemeClr>
+          </a:lnRef>
+          <a:fillRef idx="0">
+            <a:schemeClr val="lt1">
+              <a:alpha val="0"/>
+              <a:hueOff val="0"/>
+              <a:satOff val="0"/>
+              <a:lumOff val="0"/>
+              <a:alphaOff val="0"/>
+            </a:schemeClr>
+          </a:fillRef>
+          <a:effectRef idx="0">
+            <a:schemeClr val="lt1">
+              <a:alpha val="0"/>
+              <a:hueOff val="0"/>
+              <a:satOff val="0"/>
+              <a:lumOff val="0"/>
+              <a:alphaOff val="0"/>
+            </a:schemeClr>
+          </a:effectRef>
+          <a:fontRef idx="minor">
+            <a:schemeClr val="tx1">
+              <a:hueOff val="0"/>
+              <a:satOff val="0"/>
+              <a:lumOff val="0"/>
+              <a:alphaOff val="0"/>
+            </a:schemeClr>
+          </a:fontRef>
+        </p:style>
+        <p:txBody>
+          <a:bodyPr spcFirstLastPara="0" vert="horz" wrap="square" lIns="85344" tIns="85344" rIns="85344" bIns="85344" numCol="1" spcCol="1270" anchor="t" anchorCtr="0">
+            <a:noAutofit/>
+          </a:bodyPr>
+          <a:lstStyle/>
+          <a:p>
+            <a:pPr lvl="0" algn="ctr" defTabSz="533400">
+              <a:lnSpc>
+                <a:spcPct val="90000"/>
+              </a:lnSpc>
+              <a:spcBef>
+                <a:spcPct val="0"/>
+              </a:spcBef>
+              <a:spcAft>
+                <a:spcPct val="35000"/>
+              </a:spcAft>
+            </a:pPr>
+            <a:r>
+              <a:rPr lang="en-US" sz="1600" b="1" i="0" u="none" kern="1200" dirty="0" smtClean="0">
+                <a:solidFill>
+                  <a:srgbClr val="052B48"/>
+                </a:solidFill>
+              </a:rPr>
+              <a:t>Jul</a:t>
+            </a:r>
+            <a:endParaRPr lang="en-US" sz="1600" b="1" kern="1200" dirty="0">
+              <a:solidFill>
+                <a:srgbClr val="052B48"/>
+              </a:solidFill>
+            </a:endParaRPr>
+          </a:p>
+        </p:txBody>
+      </p:sp>
+      <p:sp>
+        <p:nvSpPr>
+          <p:cNvPr id="202" name="Oval 201"/>
+          <p:cNvSpPr>
+            <a:spLocks noChangeAspect="1"/>
+          </p:cNvSpPr>
+          <p:nvPr/>
+        </p:nvSpPr>
+        <p:spPr>
+          <a:xfrm>
+            <a:off x="11529915" y="3392818"/>
+            <a:ext cx="445578" cy="445578"/>
+          </a:xfrm>
+          <a:prstGeom prst="ellipse">
+            <a:avLst/>
+          </a:prstGeom>
+          <a:solidFill>
+            <a:schemeClr val="accent1">
+              <a:lumMod val="40000"/>
+              <a:lumOff val="60000"/>
+            </a:schemeClr>
+          </a:solidFill>
+        </p:spPr>
+        <p:style>
+          <a:lnRef idx="2">
+            <a:schemeClr val="lt1">
+              <a:hueOff val="0"/>
+              <a:satOff val="0"/>
+              <a:lumOff val="0"/>
+              <a:alphaOff val="0"/>
+            </a:schemeClr>
+          </a:lnRef>
+          <a:fillRef idx="1">
+            <a:schemeClr val="accent1">
+              <a:shade val="80000"/>
+              <a:hueOff val="0"/>
+              <a:satOff val="0"/>
+              <a:lumOff val="0"/>
+              <a:alphaOff val="0"/>
+            </a:schemeClr>
+          </a:fillRef>
+          <a:effectRef idx="0">
+            <a:schemeClr val="accent1">
+              <a:shade val="80000"/>
+              <a:hueOff val="0"/>
+              <a:satOff val="0"/>
+              <a:lumOff val="0"/>
+              <a:alphaOff val="0"/>
+            </a:schemeClr>
+          </a:effectRef>
+          <a:fontRef idx="minor">
+            <a:schemeClr val="lt1"/>
+          </a:fontRef>
+        </p:style>
+      </p:sp>
+      <p:cxnSp>
+        <p:nvCxnSpPr>
+          <p:cNvPr id="203" name="Straight Connector 202"/>
+          <p:cNvCxnSpPr>
+            <a:stCxn id="202" idx="0"/>
+          </p:cNvCxnSpPr>
+          <p:nvPr/>
+        </p:nvCxnSpPr>
+        <p:spPr>
+          <a:xfrm flipV="1">
+            <a:off x="11752704" y="3041977"/>
+            <a:ext cx="0" cy="350841"/>
+          </a:xfrm>
+          <a:prstGeom prst="line">
+            <a:avLst/>
+          </a:prstGeom>
+          <a:ln>
+            <a:solidFill>
+              <a:srgbClr val="052B48"/>
+            </a:solidFill>
+          </a:ln>
+          <a:effectLst/>
+        </p:spPr>
+        <p:style>
+          <a:lnRef idx="2">
+            <a:schemeClr val="accent1"/>
+          </a:lnRef>
+          <a:fillRef idx="0">
+            <a:schemeClr val="accent1"/>
+          </a:fillRef>
+          <a:effectRef idx="1">
+            <a:schemeClr val="accent1"/>
+          </a:effectRef>
+          <a:fontRef idx="minor">
+            <a:schemeClr val="tx1"/>
+          </a:fontRef>
+        </p:style>
+      </p:cxnSp>
+      <p:sp>
+        <p:nvSpPr>
+          <p:cNvPr id="204" name="Freeform 203"/>
+          <p:cNvSpPr/>
+          <p:nvPr/>
+        </p:nvSpPr>
+        <p:spPr>
+          <a:xfrm>
+            <a:off x="11468048" y="3420645"/>
+            <a:ext cx="569312" cy="393474"/>
+          </a:xfrm>
+          <a:custGeom>
+            <a:avLst/>
+            <a:gdLst>
+              <a:gd name="connsiteX0" fmla="*/ 0 w 686503"/>
+              <a:gd name="connsiteY0" fmla="*/ 0 h 1131184"/>
+              <a:gd name="connsiteX1" fmla="*/ 686503 w 686503"/>
+              <a:gd name="connsiteY1" fmla="*/ 0 h 1131184"/>
+              <a:gd name="connsiteX2" fmla="*/ 686503 w 686503"/>
+              <a:gd name="connsiteY2" fmla="*/ 1131184 h 1131184"/>
+              <a:gd name="connsiteX3" fmla="*/ 0 w 686503"/>
+              <a:gd name="connsiteY3" fmla="*/ 1131184 h 1131184"/>
+              <a:gd name="connsiteX4" fmla="*/ 0 w 686503"/>
+              <a:gd name="connsiteY4" fmla="*/ 0 h 1131184"/>
+            </a:gdLst>
+            <a:ahLst/>
+            <a:cxnLst>
+              <a:cxn ang="0">
+                <a:pos x="connsiteX0" y="connsiteY0"/>
+              </a:cxn>
+              <a:cxn ang="0">
+                <a:pos x="connsiteX1" y="connsiteY1"/>
+              </a:cxn>
+              <a:cxn ang="0">
+                <a:pos x="connsiteX2" y="connsiteY2"/>
+              </a:cxn>
+              <a:cxn ang="0">
+                <a:pos x="connsiteX3" y="connsiteY3"/>
+              </a:cxn>
+              <a:cxn ang="0">
+                <a:pos x="connsiteX4" y="connsiteY4"/>
+              </a:cxn>
+            </a:cxnLst>
+            <a:rect l="l" t="t" r="r" b="b"/>
+            <a:pathLst>
+              <a:path w="686503" h="1131184">
+                <a:moveTo>
+                  <a:pt x="0" y="0"/>
+                </a:moveTo>
+                <a:lnTo>
+                  <a:pt x="686503" y="0"/>
+                </a:lnTo>
+                <a:lnTo>
+                  <a:pt x="686503" y="1131184"/>
+                </a:lnTo>
+                <a:lnTo>
+                  <a:pt x="0" y="1131184"/>
+                </a:lnTo>
+                <a:lnTo>
+                  <a:pt x="0" y="0"/>
+                </a:lnTo>
+                <a:close/>
+              </a:path>
+            </a:pathLst>
+          </a:custGeom>
+        </p:spPr>
+        <p:style>
+          <a:lnRef idx="0">
+            <a:schemeClr val="dk1">
+              <a:alpha val="0"/>
+              <a:hueOff val="0"/>
+              <a:satOff val="0"/>
+              <a:lumOff val="0"/>
+              <a:alphaOff val="0"/>
+            </a:schemeClr>
+          </a:lnRef>
+          <a:fillRef idx="0">
+            <a:schemeClr val="lt1">
+              <a:alpha val="0"/>
+              <a:hueOff val="0"/>
+              <a:satOff val="0"/>
+              <a:lumOff val="0"/>
+              <a:alphaOff val="0"/>
+            </a:schemeClr>
+          </a:fillRef>
+          <a:effectRef idx="0">
+            <a:schemeClr val="lt1">
+              <a:alpha val="0"/>
+              <a:hueOff val="0"/>
+              <a:satOff val="0"/>
+              <a:lumOff val="0"/>
+              <a:alphaOff val="0"/>
+            </a:schemeClr>
+          </a:effectRef>
+          <a:fontRef idx="minor">
+            <a:schemeClr val="tx1">
+              <a:hueOff val="0"/>
+              <a:satOff val="0"/>
+              <a:lumOff val="0"/>
+              <a:alphaOff val="0"/>
+            </a:schemeClr>
+          </a:fontRef>
+        </p:style>
+        <p:txBody>
+          <a:bodyPr spcFirstLastPara="0" vert="horz" wrap="square" lIns="85344" tIns="85344" rIns="85344" bIns="85344" numCol="1" spcCol="1270" anchor="t" anchorCtr="0">
+            <a:noAutofit/>
+          </a:bodyPr>
+          <a:lstStyle/>
+          <a:p>
+            <a:pPr lvl="0" algn="ctr" defTabSz="533400">
+              <a:lnSpc>
+                <a:spcPct val="90000"/>
+              </a:lnSpc>
+              <a:spcBef>
+                <a:spcPct val="0"/>
+              </a:spcBef>
+              <a:spcAft>
+                <a:spcPct val="35000"/>
+              </a:spcAft>
+            </a:pPr>
+            <a:r>
+              <a:rPr lang="en-US" sz="1600" b="1" kern="1200" dirty="0" smtClean="0">
+                <a:solidFill>
+                  <a:srgbClr val="052B48"/>
+                </a:solidFill>
+              </a:rPr>
+              <a:t>Aug</a:t>
+            </a:r>
+            <a:endParaRPr lang="en-US" sz="1600" b="1" kern="1200" dirty="0">
+              <a:solidFill>
+                <a:srgbClr val="052B48"/>
+              </a:solidFill>
+            </a:endParaRPr>
+          </a:p>
+        </p:txBody>
+      </p:sp>
+      <p:sp>
+        <p:nvSpPr>
+          <p:cNvPr id="205" name="Freeform 204"/>
+          <p:cNvSpPr/>
+          <p:nvPr/>
+        </p:nvSpPr>
+        <p:spPr>
+          <a:xfrm>
+            <a:off x="10633491" y="2294920"/>
+            <a:ext cx="2232399" cy="749867"/>
+          </a:xfrm>
+          <a:custGeom>
+            <a:avLst/>
+            <a:gdLst>
+              <a:gd name="connsiteX0" fmla="*/ 0 w 907618"/>
+              <a:gd name="connsiteY0" fmla="*/ 0 h 1220540"/>
+              <a:gd name="connsiteX1" fmla="*/ 907618 w 907618"/>
+              <a:gd name="connsiteY1" fmla="*/ 0 h 1220540"/>
+              <a:gd name="connsiteX2" fmla="*/ 907618 w 907618"/>
+              <a:gd name="connsiteY2" fmla="*/ 1220540 h 1220540"/>
+              <a:gd name="connsiteX3" fmla="*/ 0 w 907618"/>
+              <a:gd name="connsiteY3" fmla="*/ 1220540 h 1220540"/>
+              <a:gd name="connsiteX4" fmla="*/ 0 w 907618"/>
+              <a:gd name="connsiteY4" fmla="*/ 0 h 1220540"/>
+            </a:gdLst>
+            <a:ahLst/>
+            <a:cxnLst>
+              <a:cxn ang="0">
+                <a:pos x="connsiteX0" y="connsiteY0"/>
+              </a:cxn>
+              <a:cxn ang="0">
+                <a:pos x="connsiteX1" y="connsiteY1"/>
+              </a:cxn>
+              <a:cxn ang="0">
+                <a:pos x="connsiteX2" y="connsiteY2"/>
+              </a:cxn>
+              <a:cxn ang="0">
+                <a:pos x="connsiteX3" y="connsiteY3"/>
+              </a:cxn>
+              <a:cxn ang="0">
+                <a:pos x="connsiteX4" y="connsiteY4"/>
+              </a:cxn>
+            </a:cxnLst>
+            <a:rect l="l" t="t" r="r" b="b"/>
+            <a:pathLst>
+              <a:path w="907618" h="1220540">
+                <a:moveTo>
+                  <a:pt x="0" y="0"/>
+                </a:moveTo>
+                <a:lnTo>
+                  <a:pt x="907618" y="0"/>
+                </a:lnTo>
+                <a:lnTo>
+                  <a:pt x="907618" y="1220540"/>
+                </a:lnTo>
+                <a:lnTo>
+                  <a:pt x="0" y="1220540"/>
+                </a:lnTo>
+                <a:lnTo>
+                  <a:pt x="0" y="0"/>
+                </a:lnTo>
+                <a:close/>
+              </a:path>
+            </a:pathLst>
+          </a:custGeom>
+        </p:spPr>
+        <p:style>
+          <a:lnRef idx="0">
+            <a:schemeClr val="dk1">
+              <a:alpha val="0"/>
+              <a:hueOff val="0"/>
+              <a:satOff val="0"/>
+              <a:lumOff val="0"/>
+              <a:alphaOff val="0"/>
+            </a:schemeClr>
+          </a:lnRef>
+          <a:fillRef idx="0">
+            <a:schemeClr val="lt1">
+              <a:alpha val="0"/>
+              <a:hueOff val="0"/>
+              <a:satOff val="0"/>
+              <a:lumOff val="0"/>
+              <a:alphaOff val="0"/>
+            </a:schemeClr>
+          </a:fillRef>
+          <a:effectRef idx="0">
+            <a:schemeClr val="lt1">
+              <a:alpha val="0"/>
+              <a:hueOff val="0"/>
+              <a:satOff val="0"/>
+              <a:lumOff val="0"/>
+              <a:alphaOff val="0"/>
+            </a:schemeClr>
+          </a:effectRef>
+          <a:fontRef idx="minor">
+            <a:schemeClr val="tx1">
+              <a:hueOff val="0"/>
+              <a:satOff val="0"/>
+              <a:lumOff val="0"/>
+              <a:alphaOff val="0"/>
+            </a:schemeClr>
+          </a:fontRef>
+        </p:style>
+        <p:txBody>
+          <a:bodyPr spcFirstLastPara="0" vert="horz" wrap="square" lIns="85344" tIns="85344" rIns="85344" bIns="85344" numCol="1" spcCol="1270" anchor="b" anchorCtr="0">
+            <a:noAutofit/>
+          </a:bodyPr>
+          <a:lstStyle/>
+          <a:p>
+            <a:pPr lvl="0" algn="ctr" defTabSz="533400">
+              <a:lnSpc>
+                <a:spcPct val="90000"/>
+              </a:lnSpc>
+              <a:spcBef>
+                <a:spcPct val="0"/>
+              </a:spcBef>
+              <a:spcAft>
+                <a:spcPct val="35000"/>
+              </a:spcAft>
+            </a:pPr>
+            <a:r>
+              <a:rPr lang="en-US" sz="2300" kern="1200" dirty="0" smtClean="0">
+                <a:solidFill>
+                  <a:srgbClr val="052B48"/>
+                </a:solidFill>
+              </a:rPr>
+              <a:t>NWB Executive Board Founded</a:t>
+            </a:r>
+            <a:endParaRPr lang="en-US" sz="2300" kern="1200" dirty="0">
+              <a:solidFill>
+                <a:srgbClr val="052B48"/>
+              </a:solidFill>
+            </a:endParaRPr>
+          </a:p>
+        </p:txBody>
+      </p:sp>
+      <p:sp>
+        <p:nvSpPr>
+          <p:cNvPr id="206" name="Freeform 205"/>
+          <p:cNvSpPr/>
+          <p:nvPr/>
+        </p:nvSpPr>
+        <p:spPr>
+          <a:xfrm>
+            <a:off x="11944781" y="4203661"/>
+            <a:ext cx="2151831" cy="1303263"/>
+          </a:xfrm>
+          <a:custGeom>
+            <a:avLst/>
+            <a:gdLst>
+              <a:gd name="connsiteX0" fmla="*/ 0 w 907618"/>
+              <a:gd name="connsiteY0" fmla="*/ 0 h 1220540"/>
+              <a:gd name="connsiteX1" fmla="*/ 907618 w 907618"/>
+              <a:gd name="connsiteY1" fmla="*/ 0 h 1220540"/>
+              <a:gd name="connsiteX2" fmla="*/ 907618 w 907618"/>
+              <a:gd name="connsiteY2" fmla="*/ 1220540 h 1220540"/>
+              <a:gd name="connsiteX3" fmla="*/ 0 w 907618"/>
+              <a:gd name="connsiteY3" fmla="*/ 1220540 h 1220540"/>
+              <a:gd name="connsiteX4" fmla="*/ 0 w 907618"/>
+              <a:gd name="connsiteY4" fmla="*/ 0 h 1220540"/>
+            </a:gdLst>
+            <a:ahLst/>
+            <a:cxnLst>
+              <a:cxn ang="0">
+                <a:pos x="connsiteX0" y="connsiteY0"/>
+              </a:cxn>
+              <a:cxn ang="0">
+                <a:pos x="connsiteX1" y="connsiteY1"/>
+              </a:cxn>
+              <a:cxn ang="0">
+                <a:pos x="connsiteX2" y="connsiteY2"/>
+              </a:cxn>
+              <a:cxn ang="0">
+                <a:pos x="connsiteX3" y="connsiteY3"/>
+              </a:cxn>
+              <a:cxn ang="0">
+                <a:pos x="connsiteX4" y="connsiteY4"/>
+              </a:cxn>
+            </a:cxnLst>
+            <a:rect l="l" t="t" r="r" b="b"/>
+            <a:pathLst>
+              <a:path w="907618" h="1220540">
+                <a:moveTo>
+                  <a:pt x="0" y="0"/>
+                </a:moveTo>
+                <a:lnTo>
+                  <a:pt x="907618" y="0"/>
+                </a:lnTo>
+                <a:lnTo>
+                  <a:pt x="907618" y="1220540"/>
+                </a:lnTo>
+                <a:lnTo>
+                  <a:pt x="0" y="1220540"/>
+                </a:lnTo>
+                <a:lnTo>
+                  <a:pt x="0" y="0"/>
+                </a:lnTo>
+                <a:close/>
+              </a:path>
+            </a:pathLst>
+          </a:custGeom>
+        </p:spPr>
+        <p:style>
+          <a:lnRef idx="0">
+            <a:schemeClr val="dk1">
+              <a:alpha val="0"/>
+              <a:hueOff val="0"/>
+              <a:satOff val="0"/>
+              <a:lumOff val="0"/>
+              <a:alphaOff val="0"/>
+            </a:schemeClr>
+          </a:lnRef>
+          <a:fillRef idx="0">
+            <a:schemeClr val="lt1">
+              <a:alpha val="0"/>
+              <a:hueOff val="0"/>
+              <a:satOff val="0"/>
+              <a:lumOff val="0"/>
+              <a:alphaOff val="0"/>
+            </a:schemeClr>
+          </a:fillRef>
+          <a:effectRef idx="0">
+            <a:schemeClr val="lt1">
+              <a:alpha val="0"/>
+              <a:hueOff val="0"/>
+              <a:satOff val="0"/>
+              <a:lumOff val="0"/>
+              <a:alphaOff val="0"/>
+            </a:schemeClr>
+          </a:effectRef>
+          <a:fontRef idx="minor">
+            <a:schemeClr val="tx1">
+              <a:hueOff val="0"/>
+              <a:satOff val="0"/>
+              <a:lumOff val="0"/>
+              <a:alphaOff val="0"/>
+            </a:schemeClr>
+          </a:fontRef>
+        </p:style>
+        <p:txBody>
+          <a:bodyPr spcFirstLastPara="0" vert="horz" wrap="square" lIns="85344" tIns="85344" rIns="85344" bIns="85344" numCol="1" spcCol="1270" anchor="b" anchorCtr="0">
+            <a:noAutofit/>
+          </a:bodyPr>
+          <a:lstStyle/>
+          <a:p>
+            <a:pPr lvl="0" algn="ctr" defTabSz="533400">
+              <a:lnSpc>
+                <a:spcPct val="90000"/>
+              </a:lnSpc>
+              <a:spcBef>
+                <a:spcPct val="0"/>
+              </a:spcBef>
+              <a:spcAft>
+                <a:spcPct val="35000"/>
+              </a:spcAft>
+            </a:pPr>
+            <a:r>
+              <a:rPr lang="en-US" sz="2200" dirty="0" smtClean="0">
+                <a:solidFill>
+                  <a:srgbClr val="052B48"/>
+                </a:solidFill>
+              </a:rPr>
+              <a:t>NWB:N 2.0beta, PyNWB, and MatNWB released (</a:t>
             </a:r>
             <a:r>
               <a:rPr lang="en-US" sz="2200" dirty="0" err="1" smtClean="0">
@@ -10248,13 +17449,6 @@
               </a:rPr>
               <a:t>(date to be determined )</a:t>
             </a:r>
-            <a:endParaRPr lang="en-US" sz="1600" dirty="0" smtClean="0">
-              <a:solidFill>
-                <a:schemeClr val="accent2">
-                  <a:lumMod val="75000"/>
-                </a:schemeClr>
-              </a:solidFill>
-            </a:endParaRPr>
           </a:p>
         </p:txBody>
       </p:sp>
